--- a/PRODUCTOS/INFORMES/Plantilla_PPT_INEC_2022.pptx
+++ b/PRODUCTOS/INFORMES/Plantilla_PPT_INEC_2022.pptx
@@ -149,7 +149,7 @@
           <p:cNvPr id="8" name="Imagen 7">
             <a:extLst>
               <a:ext uri="{FF2B5EF4-FFF2-40B4-BE49-F238E27FC236}">
-                <a16:creationId xmlns:a16="http://schemas.microsoft.com/office/drawing/2014/main" xmlns="" id="{96F13414-8F03-A442-8ACD-2DC9B0A2CB5B}"/>
+                <a16:creationId xmlns="" xmlns:a16="http://schemas.microsoft.com/office/drawing/2014/main" id="{96F13414-8F03-A442-8ACD-2DC9B0A2CB5B}"/>
               </a:ext>
             </a:extLst>
           </p:cNvPr>
@@ -185,7 +185,7 @@
           <p:cNvPr id="2" name="Título 1">
             <a:extLst>
               <a:ext uri="{FF2B5EF4-FFF2-40B4-BE49-F238E27FC236}">
-                <a16:creationId xmlns:a16="http://schemas.microsoft.com/office/drawing/2014/main" xmlns="" id="{7735410B-9B5C-1D48-ACA9-2246B305F584}"/>
+                <a16:creationId xmlns="" xmlns:a16="http://schemas.microsoft.com/office/drawing/2014/main" id="{7735410B-9B5C-1D48-ACA9-2246B305F584}"/>
               </a:ext>
             </a:extLst>
           </p:cNvPr>
@@ -227,7 +227,7 @@
           <p:cNvPr id="3" name="Subtítulo 2">
             <a:extLst>
               <a:ext uri="{FF2B5EF4-FFF2-40B4-BE49-F238E27FC236}">
-                <a16:creationId xmlns:a16="http://schemas.microsoft.com/office/drawing/2014/main" xmlns="" id="{E21AF1D1-197D-4A4F-9050-E4D327563361}"/>
+                <a16:creationId xmlns="" xmlns:a16="http://schemas.microsoft.com/office/drawing/2014/main" id="{E21AF1D1-197D-4A4F-9050-E4D327563361}"/>
               </a:ext>
             </a:extLst>
           </p:cNvPr>
@@ -334,7 +334,7 @@
           <p:cNvPr id="8" name="Imagen 7">
             <a:extLst>
               <a:ext uri="{FF2B5EF4-FFF2-40B4-BE49-F238E27FC236}">
-                <a16:creationId xmlns:a16="http://schemas.microsoft.com/office/drawing/2014/main" xmlns="" id="{EBEF04C5-841F-5A4D-8783-DCC177228014}"/>
+                <a16:creationId xmlns="" xmlns:a16="http://schemas.microsoft.com/office/drawing/2014/main" id="{EBEF04C5-841F-5A4D-8783-DCC177228014}"/>
               </a:ext>
             </a:extLst>
           </p:cNvPr>
@@ -370,7 +370,7 @@
           <p:cNvPr id="2" name="Título 1">
             <a:extLst>
               <a:ext uri="{FF2B5EF4-FFF2-40B4-BE49-F238E27FC236}">
-                <a16:creationId xmlns:a16="http://schemas.microsoft.com/office/drawing/2014/main" xmlns="" id="{6BD8743C-6899-8944-AB92-EAB5AE3FB04E}"/>
+                <a16:creationId xmlns="" xmlns:a16="http://schemas.microsoft.com/office/drawing/2014/main" id="{6BD8743C-6899-8944-AB92-EAB5AE3FB04E}"/>
               </a:ext>
             </a:extLst>
           </p:cNvPr>
@@ -412,7 +412,7 @@
           <p:cNvPr id="3" name="Marcador de texto 2">
             <a:extLst>
               <a:ext uri="{FF2B5EF4-FFF2-40B4-BE49-F238E27FC236}">
-                <a16:creationId xmlns:a16="http://schemas.microsoft.com/office/drawing/2014/main" xmlns="" id="{65BCDE19-0EEF-0943-B986-6235A0F9902C}"/>
+                <a16:creationId xmlns="" xmlns:a16="http://schemas.microsoft.com/office/drawing/2014/main" id="{65BCDE19-0EEF-0943-B986-6235A0F9902C}"/>
               </a:ext>
             </a:extLst>
           </p:cNvPr>
@@ -537,7 +537,7 @@
           <p:cNvPr id="10" name="Marcador de texto 6">
             <a:extLst>
               <a:ext uri="{FF2B5EF4-FFF2-40B4-BE49-F238E27FC236}">
-                <a16:creationId xmlns:a16="http://schemas.microsoft.com/office/drawing/2014/main" xmlns="" id="{238A4921-827D-E746-ACF8-162C8F41417F}"/>
+                <a16:creationId xmlns="" xmlns:a16="http://schemas.microsoft.com/office/drawing/2014/main" id="{238A4921-827D-E746-ACF8-162C8F41417F}"/>
               </a:ext>
             </a:extLst>
           </p:cNvPr>
@@ -613,7 +613,7 @@
           <p:cNvPr id="8" name="Imagen 7">
             <a:extLst>
               <a:ext uri="{FF2B5EF4-FFF2-40B4-BE49-F238E27FC236}">
-                <a16:creationId xmlns:a16="http://schemas.microsoft.com/office/drawing/2014/main" xmlns="" id="{AC82C9D5-7EBB-B246-ABB9-5DCE94B35566}"/>
+                <a16:creationId xmlns="" xmlns:a16="http://schemas.microsoft.com/office/drawing/2014/main" id="{AC82C9D5-7EBB-B246-ABB9-5DCE94B35566}"/>
               </a:ext>
             </a:extLst>
           </p:cNvPr>
@@ -649,7 +649,7 @@
           <p:cNvPr id="9" name="Marcador de texto 12">
             <a:extLst>
               <a:ext uri="{FF2B5EF4-FFF2-40B4-BE49-F238E27FC236}">
-                <a16:creationId xmlns:a16="http://schemas.microsoft.com/office/drawing/2014/main" xmlns="" id="{5AA863C6-E4BB-7246-8E29-38C1A6D52323}"/>
+                <a16:creationId xmlns="" xmlns:a16="http://schemas.microsoft.com/office/drawing/2014/main" id="{5AA863C6-E4BB-7246-8E29-38C1A6D52323}"/>
               </a:ext>
             </a:extLst>
           </p:cNvPr>
@@ -722,7 +722,7 @@
           <p:cNvPr id="7" name="Imagen 6">
             <a:extLst>
               <a:ext uri="{FF2B5EF4-FFF2-40B4-BE49-F238E27FC236}">
-                <a16:creationId xmlns:a16="http://schemas.microsoft.com/office/drawing/2014/main" xmlns="" id="{A3A6E091-7C03-A443-A6D2-38D7BDCE83DA}"/>
+                <a16:creationId xmlns="" xmlns:a16="http://schemas.microsoft.com/office/drawing/2014/main" id="{A3A6E091-7C03-A443-A6D2-38D7BDCE83DA}"/>
               </a:ext>
             </a:extLst>
           </p:cNvPr>
@@ -758,7 +758,7 @@
           <p:cNvPr id="2" name="Título 1">
             <a:extLst>
               <a:ext uri="{FF2B5EF4-FFF2-40B4-BE49-F238E27FC236}">
-                <a16:creationId xmlns:a16="http://schemas.microsoft.com/office/drawing/2014/main" xmlns="" id="{850ADB42-67F8-B244-80CB-7A4A6F8B8139}"/>
+                <a16:creationId xmlns="" xmlns:a16="http://schemas.microsoft.com/office/drawing/2014/main" id="{850ADB42-67F8-B244-80CB-7A4A6F8B8139}"/>
               </a:ext>
             </a:extLst>
           </p:cNvPr>
@@ -802,7 +802,7 @@
           <p:cNvPr id="11" name="Marcador de texto 10">
             <a:extLst>
               <a:ext uri="{FF2B5EF4-FFF2-40B4-BE49-F238E27FC236}">
-                <a16:creationId xmlns:a16="http://schemas.microsoft.com/office/drawing/2014/main" xmlns="" id="{FE0C7826-BD6F-3F44-93EE-AB675BEF60DB}"/>
+                <a16:creationId xmlns="" xmlns:a16="http://schemas.microsoft.com/office/drawing/2014/main" id="{FE0C7826-BD6F-3F44-93EE-AB675BEF60DB}"/>
               </a:ext>
             </a:extLst>
           </p:cNvPr>
@@ -847,7 +847,7 @@
           <p:cNvPr id="13" name="Marcador de texto 12">
             <a:extLst>
               <a:ext uri="{FF2B5EF4-FFF2-40B4-BE49-F238E27FC236}">
-                <a16:creationId xmlns:a16="http://schemas.microsoft.com/office/drawing/2014/main" xmlns="" id="{8DAAF717-D746-FE4F-A5F1-E3136E0F16AD}"/>
+                <a16:creationId xmlns="" xmlns:a16="http://schemas.microsoft.com/office/drawing/2014/main" id="{8DAAF717-D746-FE4F-A5F1-E3136E0F16AD}"/>
               </a:ext>
             </a:extLst>
           </p:cNvPr>
@@ -920,7 +920,7 @@
           <p:cNvPr id="6" name="Imagen 5">
             <a:extLst>
               <a:ext uri="{FF2B5EF4-FFF2-40B4-BE49-F238E27FC236}">
-                <a16:creationId xmlns:a16="http://schemas.microsoft.com/office/drawing/2014/main" xmlns="" id="{872A9304-47E7-E44B-BC9B-3F5C92870A81}"/>
+                <a16:creationId xmlns="" xmlns:a16="http://schemas.microsoft.com/office/drawing/2014/main" id="{872A9304-47E7-E44B-BC9B-3F5C92870A81}"/>
               </a:ext>
             </a:extLst>
           </p:cNvPr>
@@ -991,7 +991,7 @@
           <p:cNvPr id="2" name="Marcador de título 1">
             <a:extLst>
               <a:ext uri="{FF2B5EF4-FFF2-40B4-BE49-F238E27FC236}">
-                <a16:creationId xmlns:a16="http://schemas.microsoft.com/office/drawing/2014/main" xmlns="" id="{01BABDA2-023C-7945-BF86-BEAA5004E0F1}"/>
+                <a16:creationId xmlns="" xmlns:a16="http://schemas.microsoft.com/office/drawing/2014/main" id="{01BABDA2-023C-7945-BF86-BEAA5004E0F1}"/>
               </a:ext>
             </a:extLst>
           </p:cNvPr>
@@ -1030,7 +1030,7 @@
           <p:cNvPr id="3" name="Marcador de texto 2">
             <a:extLst>
               <a:ext uri="{FF2B5EF4-FFF2-40B4-BE49-F238E27FC236}">
-                <a16:creationId xmlns:a16="http://schemas.microsoft.com/office/drawing/2014/main" xmlns="" id="{B7FA23C8-2E4E-5046-8259-E2E213978646}"/>
+                <a16:creationId xmlns="" xmlns:a16="http://schemas.microsoft.com/office/drawing/2014/main" id="{B7FA23C8-2E4E-5046-8259-E2E213978646}"/>
               </a:ext>
             </a:extLst>
           </p:cNvPr>
@@ -1073,7 +1073,7 @@
           <p:cNvPr id="4" name="Marcador de fecha 3">
             <a:extLst>
               <a:ext uri="{FF2B5EF4-FFF2-40B4-BE49-F238E27FC236}">
-                <a16:creationId xmlns:a16="http://schemas.microsoft.com/office/drawing/2014/main" xmlns="" id="{5C005DD2-86EC-2440-A7E7-B841DBFD7C5E}"/>
+                <a16:creationId xmlns="" xmlns:a16="http://schemas.microsoft.com/office/drawing/2014/main" id="{5C005DD2-86EC-2440-A7E7-B841DBFD7C5E}"/>
               </a:ext>
             </a:extLst>
           </p:cNvPr>
@@ -1109,7 +1109,7 @@
           <a:p>
             <a:fld id="{7ABEA569-A74A-4F40-B8C4-0DF053AB9BE6}" type="datetimeFigureOut">
               <a:rPr lang="es-419" smtClean="0"/>
-              <a:t>18/9/2023</a:t>
+              <a:t>19/9/2023</a:t>
             </a:fld>
             <a:endParaRPr lang="es-419"/>
           </a:p>
@@ -1120,7 +1120,7 @@
           <p:cNvPr id="5" name="Marcador de pie de página 4">
             <a:extLst>
               <a:ext uri="{FF2B5EF4-FFF2-40B4-BE49-F238E27FC236}">
-                <a16:creationId xmlns:a16="http://schemas.microsoft.com/office/drawing/2014/main" xmlns="" id="{FAAEDE95-BF79-354F-9D02-2C24B8EB6261}"/>
+                <a16:creationId xmlns="" xmlns:a16="http://schemas.microsoft.com/office/drawing/2014/main" id="{FAAEDE95-BF79-354F-9D02-2C24B8EB6261}"/>
               </a:ext>
             </a:extLst>
           </p:cNvPr>
@@ -1163,7 +1163,7 @@
           <p:cNvPr id="6" name="Marcador de número de diapositiva 5">
             <a:extLst>
               <a:ext uri="{FF2B5EF4-FFF2-40B4-BE49-F238E27FC236}">
-                <a16:creationId xmlns:a16="http://schemas.microsoft.com/office/drawing/2014/main" xmlns="" id="{75348DA7-A2C8-4B42-8734-0C9E18D34DF7}"/>
+                <a16:creationId xmlns="" xmlns:a16="http://schemas.microsoft.com/office/drawing/2014/main" id="{75348DA7-A2C8-4B42-8734-0C9E18D34DF7}"/>
               </a:ext>
             </a:extLst>
           </p:cNvPr>
@@ -1525,7 +1525,7 @@
           <p:cNvPr id="2" name="Título 1">
             <a:extLst>
               <a:ext uri="{FF2B5EF4-FFF2-40B4-BE49-F238E27FC236}">
-                <a16:creationId xmlns:a16="http://schemas.microsoft.com/office/drawing/2014/main" xmlns="" id="{BCE74EF7-2C04-A342-AAD9-E694CF9B7FF3}"/>
+                <a16:creationId xmlns="" xmlns:a16="http://schemas.microsoft.com/office/drawing/2014/main" id="{BCE74EF7-2C04-A342-AAD9-E694CF9B7FF3}"/>
               </a:ext>
             </a:extLst>
           </p:cNvPr>
@@ -1561,7 +1561,7 @@
           <p:cNvPr id="3" name="Subtítulo 2">
             <a:extLst>
               <a:ext uri="{FF2B5EF4-FFF2-40B4-BE49-F238E27FC236}">
-                <a16:creationId xmlns:a16="http://schemas.microsoft.com/office/drawing/2014/main" xmlns="" id="{B5FE04B9-C334-374C-9980-1DEA7FC07A62}"/>
+                <a16:creationId xmlns="" xmlns:a16="http://schemas.microsoft.com/office/drawing/2014/main" id="{B5FE04B9-C334-374C-9980-1DEA7FC07A62}"/>
               </a:ext>
             </a:extLst>
           </p:cNvPr>
@@ -1595,7 +1595,7 @@
           <p:cNvPr id="4" name="Rectángulo redondeado 3">
             <a:extLst>
               <a:ext uri="{FF2B5EF4-FFF2-40B4-BE49-F238E27FC236}">
-                <a16:creationId xmlns:a16="http://schemas.microsoft.com/office/drawing/2014/main" xmlns="" id="{7501EF41-F281-6D48-9E26-1B14A4817180}"/>
+                <a16:creationId xmlns="" xmlns:a16="http://schemas.microsoft.com/office/drawing/2014/main" id="{7501EF41-F281-6D48-9E26-1B14A4817180}"/>
               </a:ext>
             </a:extLst>
           </p:cNvPr>
@@ -1637,11 +1637,7 @@
             <a:pPr algn="ctr"/>
             <a:r>
               <a:rPr lang="es-419" sz="2400" dirty="0" smtClean="0"/>
-              <a:t>Septiembre</a:t>
-            </a:r>
-            <a:r>
-              <a:rPr lang="es-419" sz="2400" dirty="0" smtClean="0"/>
-              <a:t>, 2023</a:t>
+              <a:t>Septiembre, 2023</a:t>
             </a:r>
             <a:endParaRPr lang="es-419" sz="2400" dirty="0"/>
           </a:p>
@@ -1682,7 +1678,7 @@
           <p:cNvPr id="2" name="Título 1">
             <a:extLst>
               <a:ext uri="{FF2B5EF4-FFF2-40B4-BE49-F238E27FC236}">
-                <a16:creationId xmlns:a16="http://schemas.microsoft.com/office/drawing/2014/main" xmlns="" id="{3FD696AD-97AE-0A4B-866A-8E7F94749276}"/>
+                <a16:creationId xmlns="" xmlns:a16="http://schemas.microsoft.com/office/drawing/2014/main" id="{3FD696AD-97AE-0A4B-866A-8E7F94749276}"/>
               </a:ext>
             </a:extLst>
           </p:cNvPr>
@@ -1711,7 +1707,7 @@
           <p:cNvPr id="3" name="Marcador de texto 2">
             <a:extLst>
               <a:ext uri="{FF2B5EF4-FFF2-40B4-BE49-F238E27FC236}">
-                <a16:creationId xmlns:a16="http://schemas.microsoft.com/office/drawing/2014/main" xmlns="" id="{A9DA794A-A9ED-D74B-9816-ABA56B940347}"/>
+                <a16:creationId xmlns="" xmlns:a16="http://schemas.microsoft.com/office/drawing/2014/main" id="{A9DA794A-A9ED-D74B-9816-ABA56B940347}"/>
               </a:ext>
             </a:extLst>
           </p:cNvPr>
@@ -1764,34 +1760,6 @@
               <a:rPr lang="es-ES" dirty="0"/>
               <a:t>precios para cada uno de los productos o la cantidad de empleados destinados estrictamente a la elaboración de cada uno de los productos que genere la empresa, sin embargo; la institución no recolecta dicha información. </a:t>
             </a:r>
-            <a:endParaRPr lang="es-ES" dirty="0"/>
-          </a:p>
-        </p:txBody>
-      </p:sp>
-      <p:sp>
-        <p:nvSpPr>
-          <p:cNvPr id="4" name="Marcador de texto 3">
-            <a:extLst>
-              <a:ext uri="{FF2B5EF4-FFF2-40B4-BE49-F238E27FC236}">
-                <a16:creationId xmlns:a16="http://schemas.microsoft.com/office/drawing/2014/main" xmlns="" id="{3C5C67A1-29D7-1048-826C-D7445004ADF8}"/>
-              </a:ext>
-            </a:extLst>
-          </p:cNvPr>
-          <p:cNvSpPr>
-            <a:spLocks noGrp="1"/>
-          </p:cNvSpPr>
-          <p:nvPr>
-            <p:ph type="body" sz="quarter" idx="11"/>
-          </p:nvPr>
-        </p:nvSpPr>
-        <p:spPr/>
-        <p:txBody>
-          <a:bodyPr>
-            <a:normAutofit lnSpcReduction="10000"/>
-          </a:bodyPr>
-          <a:lstStyle/>
-          <a:p>
-            <a:endParaRPr lang="es-419"/>
           </a:p>
         </p:txBody>
       </p:sp>
@@ -1830,7 +1798,7 @@
           <p:cNvPr id="4" name="Título 3">
             <a:extLst>
               <a:ext uri="{FF2B5EF4-FFF2-40B4-BE49-F238E27FC236}">
-                <a16:creationId xmlns:a16="http://schemas.microsoft.com/office/drawing/2014/main" xmlns="" id="{DAEFAD10-D531-A646-B780-2418143D9740}"/>
+                <a16:creationId xmlns="" xmlns:a16="http://schemas.microsoft.com/office/drawing/2014/main" id="{DAEFAD10-D531-A646-B780-2418143D9740}"/>
               </a:ext>
             </a:extLst>
           </p:cNvPr>
@@ -1865,7 +1833,7 @@
           <p:cNvPr id="5" name="Marcador de texto 4">
             <a:extLst>
               <a:ext uri="{FF2B5EF4-FFF2-40B4-BE49-F238E27FC236}">
-                <a16:creationId xmlns:a16="http://schemas.microsoft.com/office/drawing/2014/main" xmlns="" id="{5D931A0E-0B75-3D41-84A8-B9340AD00C6C}"/>
+                <a16:creationId xmlns="" xmlns:a16="http://schemas.microsoft.com/office/drawing/2014/main" id="{5D931A0E-0B75-3D41-84A8-B9340AD00C6C}"/>
               </a:ext>
             </a:extLst>
           </p:cNvPr>
@@ -1890,7 +1858,7 @@
           <p:cNvPr id="6" name="Marcador de texto 5">
             <a:extLst>
               <a:ext uri="{FF2B5EF4-FFF2-40B4-BE49-F238E27FC236}">
-                <a16:creationId xmlns:a16="http://schemas.microsoft.com/office/drawing/2014/main" xmlns="" id="{BFA92F3C-CE9E-1E45-9C49-25DA5E06B8E0}"/>
+                <a16:creationId xmlns="" xmlns:a16="http://schemas.microsoft.com/office/drawing/2014/main" id="{BFA92F3C-CE9E-1E45-9C49-25DA5E06B8E0}"/>
               </a:ext>
             </a:extLst>
           </p:cNvPr>
@@ -1949,7 +1917,7 @@
           <p:cNvPr id="2" name="Título 1">
             <a:extLst>
               <a:ext uri="{FF2B5EF4-FFF2-40B4-BE49-F238E27FC236}">
-                <a16:creationId xmlns:a16="http://schemas.microsoft.com/office/drawing/2014/main" xmlns="" id="{3FD696AD-97AE-0A4B-866A-8E7F94749276}"/>
+                <a16:creationId xmlns="" xmlns:a16="http://schemas.microsoft.com/office/drawing/2014/main" id="{3FD696AD-97AE-0A4B-866A-8E7F94749276}"/>
               </a:ext>
             </a:extLst>
           </p:cNvPr>
@@ -1984,7 +1952,7 @@
               <p:cNvPr id="3" name="Marcador de texto 2">
                 <a:extLst>
                   <a:ext uri="{FF2B5EF4-FFF2-40B4-BE49-F238E27FC236}">
-                    <a16:creationId xmlns:a16="http://schemas.microsoft.com/office/drawing/2014/main" xmlns="" id="{A9DA794A-A9ED-D74B-9816-ABA56B940347}"/>
+                    <a16:creationId xmlns="" xmlns:a16="http://schemas.microsoft.com/office/drawing/2014/main" id="{A9DA794A-A9ED-D74B-9816-ABA56B940347}"/>
                   </a:ext>
                 </a:extLst>
               </p:cNvPr>
@@ -2003,7 +1971,7 @@
             </p:spPr>
             <p:txBody>
               <a:bodyPr>
-                <a:normAutofit lnSpcReduction="10000"/>
+                <a:normAutofit fontScale="92500" lnSpcReduction="20000"/>
               </a:bodyPr>
               <a:lstStyle/>
               <a:p>
@@ -2019,6 +1987,12 @@
                   <a:rPr lang="es-ES" dirty="0" smtClean="0"/>
                   <a:t>:</a:t>
                 </a:r>
+              </a:p>
+              <a:p>
+                <a:pPr marL="342900" indent="-342900" algn="just">
+                  <a:buFont typeface="Arial" panose="020B0604020202020204" pitchFamily="34" charset="0"/>
+                  <a:buChar char="•"/>
+                </a:pPr>
                 <a:endParaRPr lang="es-EC" dirty="0"/>
               </a:p>
               <a:p>
@@ -2465,6 +2439,10 @@
                     </m:oMath>
                   </m:oMathPara>
                 </a14:m>
+                <a:endParaRPr lang="es-ES" dirty="0" smtClean="0"/>
+              </a:p>
+              <a:p>
+                <a:pPr algn="just"/>
                 <a:endParaRPr lang="es-ES" dirty="0"/>
               </a:p>
               <a:p>
@@ -2558,7 +2536,7 @@
               <p:cNvPr id="3" name="Marcador de texto 2">
                 <a:extLst>
                   <a:ext uri="{FF2B5EF4-FFF2-40B4-BE49-F238E27FC236}">
-                    <a16:creationId xmlns:a16="http://schemas.microsoft.com/office/drawing/2014/main" xmlns="" id="{A9DA794A-A9ED-D74B-9816-ABA56B940347}"/>
+                    <a16:creationId xmlns="" xmlns:a16="http://schemas.microsoft.com/office/drawing/2014/main" xmlns:a14="http://schemas.microsoft.com/office/drawing/2010/main" id="{A9DA794A-A9ED-D74B-9816-ABA56B940347}"/>
                   </a:ext>
                 </a:extLst>
               </p:cNvPr>
@@ -2577,7 +2555,7 @@
               <a:blipFill rotWithShape="0">
                 <a:blip r:embed="rId2"/>
                 <a:stretch>
-                  <a:fillRect l="-806" t="-2342" r="-864"/>
+                  <a:fillRect l="-691" t="-2693" r="-749"/>
                 </a:stretch>
               </a:blipFill>
             </p:spPr>
@@ -2601,7 +2579,7 @@
           <p:cNvPr id="4" name="Marcador de texto 3">
             <a:extLst>
               <a:ext uri="{FF2B5EF4-FFF2-40B4-BE49-F238E27FC236}">
-                <a16:creationId xmlns:a16="http://schemas.microsoft.com/office/drawing/2014/main" xmlns="" id="{3C5C67A1-29D7-1048-826C-D7445004ADF8}"/>
+                <a16:creationId xmlns="" xmlns:a16="http://schemas.microsoft.com/office/drawing/2014/main" id="{3C5C67A1-29D7-1048-826C-D7445004ADF8}"/>
               </a:ext>
             </a:extLst>
           </p:cNvPr>
@@ -2658,7 +2636,7 @@
           <p:cNvPr id="2" name="Título 1">
             <a:extLst>
               <a:ext uri="{FF2B5EF4-FFF2-40B4-BE49-F238E27FC236}">
-                <a16:creationId xmlns:a16="http://schemas.microsoft.com/office/drawing/2014/main" xmlns="" id="{3FD696AD-97AE-0A4B-866A-8E7F94749276}"/>
+                <a16:creationId xmlns="" xmlns:a16="http://schemas.microsoft.com/office/drawing/2014/main" id="{3FD696AD-97AE-0A4B-866A-8E7F94749276}"/>
               </a:ext>
             </a:extLst>
           </p:cNvPr>
@@ -2687,7 +2665,7 @@
           <p:cNvPr id="3" name="Marcador de texto 2">
             <a:extLst>
               <a:ext uri="{FF2B5EF4-FFF2-40B4-BE49-F238E27FC236}">
-                <a16:creationId xmlns:a16="http://schemas.microsoft.com/office/drawing/2014/main" xmlns="" id="{A9DA794A-A9ED-D74B-9816-ABA56B940347}"/>
+                <a16:creationId xmlns="" xmlns:a16="http://schemas.microsoft.com/office/drawing/2014/main" id="{A9DA794A-A9ED-D74B-9816-ABA56B940347}"/>
               </a:ext>
             </a:extLst>
           </p:cNvPr>
@@ -2700,13 +2678,13 @@
         </p:nvSpPr>
         <p:spPr>
           <a:xfrm>
-            <a:off x="796000" y="1168101"/>
-            <a:ext cx="10582242" cy="5206820"/>
+            <a:off x="796000" y="1394344"/>
+            <a:ext cx="10582242" cy="4657664"/>
           </a:xfrm>
         </p:spPr>
         <p:txBody>
           <a:bodyPr>
-            <a:normAutofit/>
+            <a:normAutofit lnSpcReduction="10000"/>
           </a:bodyPr>
           <a:lstStyle/>
           <a:p>
@@ -2735,8 +2713,20 @@
               <a:t>la cobertura histórica actualizada para la </a:t>
             </a:r>
             <a:r>
+              <a:rPr lang="es-ES" i="1" dirty="0"/>
+              <a:t>Encuesta Estructural </a:t>
+            </a:r>
+            <a:r>
+              <a:rPr lang="es-ES" i="1" dirty="0" smtClean="0"/>
+              <a:t>Empresarial </a:t>
+            </a:r>
+            <a:r>
               <a:rPr lang="es-ES" dirty="0" smtClean="0"/>
-              <a:t>ENESEM-2021.</a:t>
+              <a:t>ENESEM-2021</a:t>
+            </a:r>
+            <a:r>
+              <a:rPr lang="es-ES" dirty="0" smtClean="0"/>
+              <a:t>.</a:t>
             </a:r>
           </a:p>
           <a:p>
@@ -2768,7 +2758,22 @@
             </a:r>
             <a:r>
               <a:rPr lang="es-ES" dirty="0"/>
-              <a:t>la misma actividad principal. Para todos los dominios, de los que no se disponen de tasa de no respuesta, se propone desde el equipo de DECON/CAB-SIP fijar en el 20%. </a:t>
+              <a:t>la misma actividad principal. </a:t>
+            </a:r>
+            <a:endParaRPr lang="es-ES" dirty="0" smtClean="0"/>
+          </a:p>
+          <a:p>
+            <a:pPr marL="342900" indent="-342900" algn="just">
+              <a:buFont typeface="Arial" panose="020B0604020202020204" pitchFamily="34" charset="0"/>
+              <a:buChar char="•"/>
+            </a:pPr>
+            <a:r>
+              <a:rPr lang="es-ES" dirty="0" smtClean="0"/>
+              <a:t>Para </a:t>
+            </a:r>
+            <a:r>
+              <a:rPr lang="es-ES" dirty="0"/>
+              <a:t>todos los dominios, de los que no se disponen de tasa de no respuesta, se propone desde el equipo de DECON/CAB-SIP fijar en el 20%. </a:t>
             </a:r>
             <a:endParaRPr lang="es-ES" dirty="0" smtClean="0"/>
           </a:p>
@@ -2785,33 +2790,6 @@
               <a:rPr lang="es-ES" dirty="0"/>
               <a:t>las “Grandes Empresas” no se requiere una tasa de no respuesta ya que tienen probabilidad uno (1) de inclusión.</a:t>
             </a:r>
-          </a:p>
-        </p:txBody>
-      </p:sp>
-      <p:sp>
-        <p:nvSpPr>
-          <p:cNvPr id="4" name="Marcador de texto 3">
-            <a:extLst>
-              <a:ext uri="{FF2B5EF4-FFF2-40B4-BE49-F238E27FC236}">
-                <a16:creationId xmlns:a16="http://schemas.microsoft.com/office/drawing/2014/main" xmlns="" id="{3C5C67A1-29D7-1048-826C-D7445004ADF8}"/>
-              </a:ext>
-            </a:extLst>
-          </p:cNvPr>
-          <p:cNvSpPr>
-            <a:spLocks noGrp="1"/>
-          </p:cNvSpPr>
-          <p:nvPr>
-            <p:ph type="body" sz="quarter" idx="11"/>
-          </p:nvPr>
-        </p:nvSpPr>
-        <p:spPr/>
-        <p:txBody>
-          <a:bodyPr>
-            <a:normAutofit lnSpcReduction="10000"/>
-          </a:bodyPr>
-          <a:lstStyle/>
-          <a:p>
-            <a:endParaRPr lang="es-419"/>
           </a:p>
         </p:txBody>
       </p:sp>
@@ -2850,7 +2828,7 @@
           <p:cNvPr id="4" name="Título 3">
             <a:extLst>
               <a:ext uri="{FF2B5EF4-FFF2-40B4-BE49-F238E27FC236}">
-                <a16:creationId xmlns:a16="http://schemas.microsoft.com/office/drawing/2014/main" xmlns="" id="{DAEFAD10-D531-A646-B780-2418143D9740}"/>
+                <a16:creationId xmlns="" xmlns:a16="http://schemas.microsoft.com/office/drawing/2014/main" id="{DAEFAD10-D531-A646-B780-2418143D9740}"/>
               </a:ext>
             </a:extLst>
           </p:cNvPr>
@@ -2872,7 +2850,6 @@
               <a:rPr lang="es-EC" dirty="0"/>
               <a:t>Selección de la muestra</a:t>
             </a:r>
-            <a:endParaRPr lang="es-EC" dirty="0"/>
           </a:p>
         </p:txBody>
       </p:sp>
@@ -2881,7 +2858,7 @@
           <p:cNvPr id="5" name="Marcador de texto 4">
             <a:extLst>
               <a:ext uri="{FF2B5EF4-FFF2-40B4-BE49-F238E27FC236}">
-                <a16:creationId xmlns:a16="http://schemas.microsoft.com/office/drawing/2014/main" xmlns="" id="{5D931A0E-0B75-3D41-84A8-B9340AD00C6C}"/>
+                <a16:creationId xmlns="" xmlns:a16="http://schemas.microsoft.com/office/drawing/2014/main" id="{5D931A0E-0B75-3D41-84A8-B9340AD00C6C}"/>
               </a:ext>
             </a:extLst>
           </p:cNvPr>
@@ -2906,7 +2883,7 @@
           <p:cNvPr id="6" name="Marcador de texto 5">
             <a:extLst>
               <a:ext uri="{FF2B5EF4-FFF2-40B4-BE49-F238E27FC236}">
-                <a16:creationId xmlns:a16="http://schemas.microsoft.com/office/drawing/2014/main" xmlns="" id="{BFA92F3C-CE9E-1E45-9C49-25DA5E06B8E0}"/>
+                <a16:creationId xmlns="" xmlns:a16="http://schemas.microsoft.com/office/drawing/2014/main" id="{BFA92F3C-CE9E-1E45-9C49-25DA5E06B8E0}"/>
               </a:ext>
             </a:extLst>
           </p:cNvPr>
@@ -2965,7 +2942,7 @@
           <p:cNvPr id="2" name="Título 1">
             <a:extLst>
               <a:ext uri="{FF2B5EF4-FFF2-40B4-BE49-F238E27FC236}">
-                <a16:creationId xmlns:a16="http://schemas.microsoft.com/office/drawing/2014/main" xmlns="" id="{3FD696AD-97AE-0A4B-866A-8E7F94749276}"/>
+                <a16:creationId xmlns="" xmlns:a16="http://schemas.microsoft.com/office/drawing/2014/main" id="{3FD696AD-97AE-0A4B-866A-8E7F94749276}"/>
               </a:ext>
             </a:extLst>
           </p:cNvPr>
@@ -2989,14 +2966,14 @@
           </a:p>
         </p:txBody>
       </p:sp>
-      <mc:AlternateContent xmlns:mc="http://schemas.openxmlformats.org/markup-compatibility/2006">
-        <mc:Choice xmlns:a14="http://schemas.microsoft.com/office/drawing/2010/main" Requires="a14">
+      <mc:AlternateContent xmlns:mc="http://schemas.openxmlformats.org/markup-compatibility/2006" xmlns:a14="http://schemas.microsoft.com/office/drawing/2010/main">
+        <mc:Choice Requires="a14">
           <p:sp>
             <p:nvSpPr>
               <p:cNvPr id="3" name="Marcador de texto 2">
                 <a:extLst>
                   <a:ext uri="{FF2B5EF4-FFF2-40B4-BE49-F238E27FC236}">
-                    <a16:creationId xmlns:a16="http://schemas.microsoft.com/office/drawing/2014/main" xmlns="" id="{A9DA794A-A9ED-D74B-9816-ABA56B940347}"/>
+                    <a16:creationId xmlns="" xmlns:a16="http://schemas.microsoft.com/office/drawing/2014/main" id="{A9DA794A-A9ED-D74B-9816-ABA56B940347}"/>
                   </a:ext>
                 </a:extLst>
               </p:cNvPr>
@@ -3036,6 +3013,7 @@
                 <a:endParaRPr lang="es-MX" dirty="0"/>
               </a:p>
               <a:p>
+                <a:pPr/>
                 <a14:m>
                   <m:oMathPara xmlns:m="http://schemas.openxmlformats.org/officeDocument/2006/math">
                     <m:oMathParaPr>
@@ -4141,7 +4119,7 @@
             </p:txBody>
           </p:sp>
         </mc:Choice>
-        <mc:Fallback>
+        <mc:Fallback xmlns="">
           <p:sp>
             <p:nvSpPr>
               <p:cNvPr id="3" name="Marcador de texto 2">
@@ -4190,7 +4168,7 @@
           <p:cNvPr id="4" name="Marcador de texto 3">
             <a:extLst>
               <a:ext uri="{FF2B5EF4-FFF2-40B4-BE49-F238E27FC236}">
-                <a16:creationId xmlns:a16="http://schemas.microsoft.com/office/drawing/2014/main" xmlns="" id="{3C5C67A1-29D7-1048-826C-D7445004ADF8}"/>
+                <a16:creationId xmlns="" xmlns:a16="http://schemas.microsoft.com/office/drawing/2014/main" id="{3C5C67A1-29D7-1048-826C-D7445004ADF8}"/>
               </a:ext>
             </a:extLst>
           </p:cNvPr>
@@ -4277,7 +4255,7 @@
           <p:cNvPr id="4" name="Título 3">
             <a:extLst>
               <a:ext uri="{FF2B5EF4-FFF2-40B4-BE49-F238E27FC236}">
-                <a16:creationId xmlns:a16="http://schemas.microsoft.com/office/drawing/2014/main" xmlns="" id="{DAEFAD10-D531-A646-B780-2418143D9740}"/>
+                <a16:creationId xmlns="" xmlns:a16="http://schemas.microsoft.com/office/drawing/2014/main" id="{DAEFAD10-D531-A646-B780-2418143D9740}"/>
               </a:ext>
             </a:extLst>
           </p:cNvPr>
@@ -4308,7 +4286,7 @@
           <p:cNvPr id="5" name="Marcador de texto 4">
             <a:extLst>
               <a:ext uri="{FF2B5EF4-FFF2-40B4-BE49-F238E27FC236}">
-                <a16:creationId xmlns:a16="http://schemas.microsoft.com/office/drawing/2014/main" xmlns="" id="{5D931A0E-0B75-3D41-84A8-B9340AD00C6C}"/>
+                <a16:creationId xmlns="" xmlns:a16="http://schemas.microsoft.com/office/drawing/2014/main" id="{5D931A0E-0B75-3D41-84A8-B9340AD00C6C}"/>
               </a:ext>
             </a:extLst>
           </p:cNvPr>
@@ -4333,7 +4311,7 @@
           <p:cNvPr id="6" name="Marcador de texto 5">
             <a:extLst>
               <a:ext uri="{FF2B5EF4-FFF2-40B4-BE49-F238E27FC236}">
-                <a16:creationId xmlns:a16="http://schemas.microsoft.com/office/drawing/2014/main" xmlns="" id="{BFA92F3C-CE9E-1E45-9C49-25DA5E06B8E0}"/>
+                <a16:creationId xmlns="" xmlns:a16="http://schemas.microsoft.com/office/drawing/2014/main" id="{BFA92F3C-CE9E-1E45-9C49-25DA5E06B8E0}"/>
               </a:ext>
             </a:extLst>
           </p:cNvPr>
@@ -4388,7 +4366,7 @@
           <p:cNvPr id="2" name="Título 1">
             <a:extLst>
               <a:ext uri="{FF2B5EF4-FFF2-40B4-BE49-F238E27FC236}">
-                <a16:creationId xmlns:a16="http://schemas.microsoft.com/office/drawing/2014/main" xmlns="" id="{3FD696AD-97AE-0A4B-866A-8E7F94749276}"/>
+                <a16:creationId xmlns="" xmlns:a16="http://schemas.microsoft.com/office/drawing/2014/main" id="{3FD696AD-97AE-0A4B-866A-8E7F94749276}"/>
               </a:ext>
             </a:extLst>
           </p:cNvPr>
@@ -4417,7 +4395,7 @@
           <p:cNvPr id="3" name="Marcador de texto 2">
             <a:extLst>
               <a:ext uri="{FF2B5EF4-FFF2-40B4-BE49-F238E27FC236}">
-                <a16:creationId xmlns:a16="http://schemas.microsoft.com/office/drawing/2014/main" xmlns="" id="{A9DA794A-A9ED-D74B-9816-ABA56B940347}"/>
+                <a16:creationId xmlns="" xmlns:a16="http://schemas.microsoft.com/office/drawing/2014/main" id="{A9DA794A-A9ED-D74B-9816-ABA56B940347}"/>
               </a:ext>
             </a:extLst>
           </p:cNvPr>
@@ -4451,37 +4429,10 @@
       </p:sp>
       <p:sp>
         <p:nvSpPr>
-          <p:cNvPr id="4" name="Marcador de texto 3">
-            <a:extLst>
-              <a:ext uri="{FF2B5EF4-FFF2-40B4-BE49-F238E27FC236}">
-                <a16:creationId xmlns:a16="http://schemas.microsoft.com/office/drawing/2014/main" xmlns="" id="{3C5C67A1-29D7-1048-826C-D7445004ADF8}"/>
-              </a:ext>
-            </a:extLst>
-          </p:cNvPr>
-          <p:cNvSpPr>
-            <a:spLocks noGrp="1"/>
-          </p:cNvSpPr>
-          <p:nvPr>
-            <p:ph type="body" sz="quarter" idx="11"/>
-          </p:nvPr>
-        </p:nvSpPr>
-        <p:spPr/>
-        <p:txBody>
-          <a:bodyPr>
-            <a:normAutofit lnSpcReduction="10000"/>
-          </a:bodyPr>
-          <a:lstStyle/>
-          <a:p>
-            <a:endParaRPr lang="es-419"/>
-          </a:p>
-        </p:txBody>
-      </p:sp>
-      <p:sp>
-        <p:nvSpPr>
           <p:cNvPr id="5" name="Título 1">
             <a:extLst>
               <a:ext uri="{FF2B5EF4-FFF2-40B4-BE49-F238E27FC236}">
-                <a16:creationId xmlns:a16="http://schemas.microsoft.com/office/drawing/2014/main" xmlns="" id="{3FD696AD-97AE-0A4B-866A-8E7F94749276}"/>
+                <a16:creationId xmlns="" xmlns:a16="http://schemas.microsoft.com/office/drawing/2014/main" id="{3FD696AD-97AE-0A4B-866A-8E7F94749276}"/>
               </a:ext>
             </a:extLst>
           </p:cNvPr>
@@ -4535,7 +4486,7 @@
           <p:cNvPr id="6" name="Marcador de texto 2">
             <a:extLst>
               <a:ext uri="{FF2B5EF4-FFF2-40B4-BE49-F238E27FC236}">
-                <a16:creationId xmlns:a16="http://schemas.microsoft.com/office/drawing/2014/main" xmlns="" id="{A9DA794A-A9ED-D74B-9816-ABA56B940347}"/>
+                <a16:creationId xmlns="" xmlns:a16="http://schemas.microsoft.com/office/drawing/2014/main" id="{A9DA794A-A9ED-D74B-9816-ABA56B940347}"/>
               </a:ext>
             </a:extLst>
           </p:cNvPr>
@@ -4773,7 +4724,7 @@
           <p:cNvPr id="4" name="Título 3">
             <a:extLst>
               <a:ext uri="{FF2B5EF4-FFF2-40B4-BE49-F238E27FC236}">
-                <a16:creationId xmlns:a16="http://schemas.microsoft.com/office/drawing/2014/main" xmlns="" id="{DAEFAD10-D531-A646-B780-2418143D9740}"/>
+                <a16:creationId xmlns="" xmlns:a16="http://schemas.microsoft.com/office/drawing/2014/main" id="{DAEFAD10-D531-A646-B780-2418143D9740}"/>
               </a:ext>
             </a:extLst>
           </p:cNvPr>
@@ -4808,7 +4759,7 @@
           <p:cNvPr id="5" name="Marcador de texto 4">
             <a:extLst>
               <a:ext uri="{FF2B5EF4-FFF2-40B4-BE49-F238E27FC236}">
-                <a16:creationId xmlns:a16="http://schemas.microsoft.com/office/drawing/2014/main" xmlns="" id="{5D931A0E-0B75-3D41-84A8-B9340AD00C6C}"/>
+                <a16:creationId xmlns="" xmlns:a16="http://schemas.microsoft.com/office/drawing/2014/main" id="{5D931A0E-0B75-3D41-84A8-B9340AD00C6C}"/>
               </a:ext>
             </a:extLst>
           </p:cNvPr>
@@ -4833,7 +4784,7 @@
           <p:cNvPr id="6" name="Marcador de texto 5">
             <a:extLst>
               <a:ext uri="{FF2B5EF4-FFF2-40B4-BE49-F238E27FC236}">
-                <a16:creationId xmlns:a16="http://schemas.microsoft.com/office/drawing/2014/main" xmlns="" id="{BFA92F3C-CE9E-1E45-9C49-25DA5E06B8E0}"/>
+                <a16:creationId xmlns="" xmlns:a16="http://schemas.microsoft.com/office/drawing/2014/main" id="{BFA92F3C-CE9E-1E45-9C49-25DA5E06B8E0}"/>
               </a:ext>
             </a:extLst>
           </p:cNvPr>
@@ -4892,7 +4843,7 @@
           <p:cNvPr id="2" name="Título 1">
             <a:extLst>
               <a:ext uri="{FF2B5EF4-FFF2-40B4-BE49-F238E27FC236}">
-                <a16:creationId xmlns:a16="http://schemas.microsoft.com/office/drawing/2014/main" xmlns="" id="{3FD696AD-97AE-0A4B-866A-8E7F94749276}"/>
+                <a16:creationId xmlns="" xmlns:a16="http://schemas.microsoft.com/office/drawing/2014/main" id="{3FD696AD-97AE-0A4B-866A-8E7F94749276}"/>
               </a:ext>
             </a:extLst>
           </p:cNvPr>
@@ -4910,13 +4861,8 @@
           <a:p>
             <a:r>
               <a:rPr lang="es-419" dirty="0"/>
-              <a:t>Marco </a:t>
+              <a:t>Marco muestral</a:t>
             </a:r>
-            <a:r>
-              <a:rPr lang="es-419" dirty="0" err="1"/>
-              <a:t>muestral</a:t>
-            </a:r>
-            <a:endParaRPr lang="es-419" dirty="0"/>
           </a:p>
         </p:txBody>
       </p:sp>
@@ -4925,7 +4871,7 @@
           <p:cNvPr id="3" name="Marcador de texto 2">
             <a:extLst>
               <a:ext uri="{FF2B5EF4-FFF2-40B4-BE49-F238E27FC236}">
-                <a16:creationId xmlns:a16="http://schemas.microsoft.com/office/drawing/2014/main" xmlns="" id="{A9DA794A-A9ED-D74B-9816-ABA56B940347}"/>
+                <a16:creationId xmlns="" xmlns:a16="http://schemas.microsoft.com/office/drawing/2014/main" id="{A9DA794A-A9ED-D74B-9816-ABA56B940347}"/>
               </a:ext>
             </a:extLst>
           </p:cNvPr>
@@ -5034,7 +4980,7 @@
           <p:cNvPr id="4" name="Marcador de texto 3">
             <a:extLst>
               <a:ext uri="{FF2B5EF4-FFF2-40B4-BE49-F238E27FC236}">
-                <a16:creationId xmlns:a16="http://schemas.microsoft.com/office/drawing/2014/main" xmlns="" id="{3C5C67A1-29D7-1048-826C-D7445004ADF8}"/>
+                <a16:creationId xmlns="" xmlns:a16="http://schemas.microsoft.com/office/drawing/2014/main" id="{3C5C67A1-29D7-1048-826C-D7445004ADF8}"/>
               </a:ext>
             </a:extLst>
           </p:cNvPr>
@@ -5052,7 +4998,10 @@
           </a:bodyPr>
           <a:lstStyle/>
           <a:p>
-            <a:endParaRPr lang="es-419"/>
+            <a:endParaRPr lang="es-419" dirty="0" smtClean="0"/>
+          </a:p>
+          <a:p>
+            <a:endParaRPr lang="es-419" dirty="0"/>
           </a:p>
         </p:txBody>
       </p:sp>
@@ -5091,7 +5040,7 @@
           <p:cNvPr id="2" name="Título 1">
             <a:extLst>
               <a:ext uri="{FF2B5EF4-FFF2-40B4-BE49-F238E27FC236}">
-                <a16:creationId xmlns:a16="http://schemas.microsoft.com/office/drawing/2014/main" xmlns="" id="{3FD696AD-97AE-0A4B-866A-8E7F94749276}"/>
+                <a16:creationId xmlns="" xmlns:a16="http://schemas.microsoft.com/office/drawing/2014/main" id="{3FD696AD-97AE-0A4B-866A-8E7F94749276}"/>
               </a:ext>
             </a:extLst>
           </p:cNvPr>
@@ -5109,13 +5058,8 @@
           <a:p>
             <a:r>
               <a:rPr lang="es-419" dirty="0"/>
-              <a:t>Marco </a:t>
+              <a:t>Marco muestral</a:t>
             </a:r>
-            <a:r>
-              <a:rPr lang="es-419" dirty="0" err="1"/>
-              <a:t>muestral</a:t>
-            </a:r>
-            <a:endParaRPr lang="es-419" dirty="0"/>
           </a:p>
         </p:txBody>
       </p:sp>
@@ -5124,7 +5068,7 @@
           <p:cNvPr id="3" name="Marcador de texto 2">
             <a:extLst>
               <a:ext uri="{FF2B5EF4-FFF2-40B4-BE49-F238E27FC236}">
-                <a16:creationId xmlns:a16="http://schemas.microsoft.com/office/drawing/2014/main" xmlns="" id="{A9DA794A-A9ED-D74B-9816-ABA56B940347}"/>
+                <a16:creationId xmlns="" xmlns:a16="http://schemas.microsoft.com/office/drawing/2014/main" id="{A9DA794A-A9ED-D74B-9816-ABA56B940347}"/>
               </a:ext>
             </a:extLst>
           </p:cNvPr>
@@ -5153,12 +5097,13 @@
             </a:pPr>
             <a:r>
               <a:rPr lang="es-ES" dirty="0"/>
-              <a:t>El marco de muestreo queda constituido de la siguiente forma</a:t>
+              <a:t>El marco de muestreo queda constituido </a:t>
             </a:r>
             <a:r>
               <a:rPr lang="es-ES" dirty="0" smtClean="0"/>
-              <a:t>:</a:t>
+              <a:t>por 5.965 empresas:</a:t>
             </a:r>
+            <a:endParaRPr lang="es-ES" dirty="0" smtClean="0"/>
           </a:p>
           <a:p>
             <a:pPr marL="342900" indent="-342900" algn="just">
@@ -5178,37 +5123,10 @@
       </p:sp>
       <p:sp>
         <p:nvSpPr>
-          <p:cNvPr id="4" name="Marcador de texto 3">
-            <a:extLst>
-              <a:ext uri="{FF2B5EF4-FFF2-40B4-BE49-F238E27FC236}">
-                <a16:creationId xmlns:a16="http://schemas.microsoft.com/office/drawing/2014/main" xmlns="" id="{3C5C67A1-29D7-1048-826C-D7445004ADF8}"/>
-              </a:ext>
-            </a:extLst>
-          </p:cNvPr>
-          <p:cNvSpPr>
-            <a:spLocks noGrp="1"/>
-          </p:cNvSpPr>
-          <p:nvPr>
-            <p:ph type="body" sz="quarter" idx="11"/>
-          </p:nvPr>
-        </p:nvSpPr>
-        <p:spPr/>
-        <p:txBody>
-          <a:bodyPr>
-            <a:normAutofit lnSpcReduction="10000"/>
-          </a:bodyPr>
-          <a:lstStyle/>
-          <a:p>
-            <a:endParaRPr lang="es-419"/>
-          </a:p>
-        </p:txBody>
-      </p:sp>
-      <p:sp>
-        <p:nvSpPr>
           <p:cNvPr id="7" name="Marcador de texto 2">
             <a:extLst>
               <a:ext uri="{FF2B5EF4-FFF2-40B4-BE49-F238E27FC236}">
-                <a16:creationId xmlns:a16="http://schemas.microsoft.com/office/drawing/2014/main" xmlns="" id="{A9DA794A-A9ED-D74B-9816-ABA56B940347}"/>
+                <a16:creationId xmlns="" xmlns:a16="http://schemas.microsoft.com/office/drawing/2014/main" id="{A9DA794A-A9ED-D74B-9816-ABA56B940347}"/>
               </a:ext>
             </a:extLst>
           </p:cNvPr>
@@ -5419,14 +5337,14 @@
           <p:nvPr>
             <p:extLst>
               <p:ext uri="{D42A27DB-BD31-4B8C-83A1-F6EECF244321}">
-                <p14:modId xmlns:p14="http://schemas.microsoft.com/office/powerpoint/2010/main" val="591280482"/>
+                <p14:modId xmlns:p14="http://schemas.microsoft.com/office/powerpoint/2010/main" val="2300477947"/>
               </p:ext>
             </p:extLst>
           </p:nvPr>
         </p:nvGraphicFramePr>
         <p:xfrm>
-          <a:off x="1190445" y="2007079"/>
-          <a:ext cx="9739225" cy="4351339"/>
+          <a:off x="1190445" y="1781669"/>
+          <a:ext cx="9739225" cy="4576750"/>
         </p:xfrm>
         <a:graphic>
           <a:graphicData uri="http://schemas.openxmlformats.org/drawingml/2006/table">
@@ -5443,7 +5361,7 @@
                 <a:gridCol w="868087"/>
                 <a:gridCol w="737280"/>
               </a:tblGrid>
-              <a:tr h="187289">
+              <a:tr h="196991">
                 <a:tc rowSpan="2">
                   <a:txBody>
                     <a:bodyPr/>
@@ -5567,7 +5485,7 @@
                   <a:tcPr marL="6243" marR="6243" marT="6243" marB="0" anchor="ctr"/>
                 </a:tc>
               </a:tr>
-              <a:tr h="355848">
+              <a:tr h="374282">
                 <a:tc vMerge="1">
                   <a:txBody>
                     <a:bodyPr/>
@@ -5691,7 +5609,7 @@
                   <a:tcPr/>
                 </a:tc>
               </a:tr>
-              <a:tr h="362091">
+              <a:tr h="380848">
                 <a:tc>
                   <a:txBody>
                     <a:bodyPr/>
@@ -5854,7 +5772,7 @@
                   <a:tcPr marL="6243" marR="6243" marT="6243" marB="0" anchor="ctr"/>
                 </a:tc>
               </a:tr>
-              <a:tr h="187289">
+              <a:tr h="196991">
                 <a:tc>
                   <a:txBody>
                     <a:bodyPr/>
@@ -6017,7 +5935,7 @@
                   <a:tcPr marL="6243" marR="6243" marT="6243" marB="0" anchor="ctr"/>
                 </a:tc>
               </a:tr>
-              <a:tr h="187289">
+              <a:tr h="196991">
                 <a:tc>
                   <a:txBody>
                     <a:bodyPr/>
@@ -6180,7 +6098,7 @@
                   <a:tcPr marL="6243" marR="6243" marT="6243" marB="0" anchor="ctr"/>
                 </a:tc>
               </a:tr>
-              <a:tr h="355848">
+              <a:tr h="374282">
                 <a:tc>
                   <a:txBody>
                     <a:bodyPr/>
@@ -6211,10 +6129,499 @@
                     <a:p>
                       <a:pPr algn="l" rtl="0" fontAlgn="ctr"/>
                       <a:r>
+                        <a:rPr lang="es-ES" sz="1100" u="none" strike="noStrike" dirty="0">
+                          <a:effectLst/>
+                        </a:rPr>
+                        <a:t>Distribución agua; alcantarillado, desechos y saneamiento</a:t>
+                      </a:r>
+                      <a:endParaRPr lang="es-ES" sz="1100" b="0" i="0" u="none" strike="noStrike" dirty="0">
+                        <a:solidFill>
+                          <a:srgbClr val="000000"/>
+                        </a:solidFill>
+                        <a:effectLst/>
+                        <a:latin typeface="Century Gothic" panose="020B0502020202020204" pitchFamily="34" charset="0"/>
+                      </a:endParaRPr>
+                    </a:p>
+                  </a:txBody>
+                  <a:tcPr marL="6243" marR="6243" marT="6243" marB="0" anchor="ctr"/>
+                </a:tc>
+                <a:tc>
+                  <a:txBody>
+                    <a:bodyPr/>
+                    <a:lstStyle/>
+                    <a:p>
+                      <a:pPr algn="ctr" rtl="0" fontAlgn="ctr"/>
+                      <a:r>
+                        <a:rPr lang="es-EC" sz="1100" u="none" strike="noStrike">
+                          <a:effectLst/>
+                        </a:rPr>
+                        <a:t>31</a:t>
+                      </a:r>
+                      <a:endParaRPr lang="es-EC" sz="1100" b="0" i="0" u="none" strike="noStrike">
+                        <a:solidFill>
+                          <a:srgbClr val="000000"/>
+                        </a:solidFill>
+                        <a:effectLst/>
+                        <a:latin typeface="Century Gothic" panose="020B0502020202020204" pitchFamily="34" charset="0"/>
+                      </a:endParaRPr>
+                    </a:p>
+                  </a:txBody>
+                  <a:tcPr marL="6243" marR="6243" marT="6243" marB="0" anchor="ctr"/>
+                </a:tc>
+                <a:tc>
+                  <a:txBody>
+                    <a:bodyPr/>
+                    <a:lstStyle/>
+                    <a:p>
+                      <a:pPr algn="ctr" rtl="0" fontAlgn="ctr"/>
+                      <a:r>
+                        <a:rPr lang="es-EC" sz="1100" u="none" strike="noStrike">
+                          <a:effectLst/>
+                        </a:rPr>
+                        <a:t>3</a:t>
+                      </a:r>
+                      <a:endParaRPr lang="es-EC" sz="1100" b="0" i="0" u="none" strike="noStrike">
+                        <a:solidFill>
+                          <a:srgbClr val="000000"/>
+                        </a:solidFill>
+                        <a:effectLst/>
+                        <a:latin typeface="Century Gothic" panose="020B0502020202020204" pitchFamily="34" charset="0"/>
+                      </a:endParaRPr>
+                    </a:p>
+                  </a:txBody>
+                  <a:tcPr marL="6243" marR="6243" marT="6243" marB="0" anchor="ctr"/>
+                </a:tc>
+                <a:tc>
+                  <a:txBody>
+                    <a:bodyPr/>
+                    <a:lstStyle/>
+                    <a:p>
+                      <a:pPr algn="ctr" rtl="0" fontAlgn="ctr"/>
+                      <a:r>
+                        <a:rPr lang="es-EC" sz="1100" u="none" strike="noStrike">
+                          <a:effectLst/>
+                        </a:rPr>
+                        <a:t>3</a:t>
+                      </a:r>
+                      <a:endParaRPr lang="es-EC" sz="1100" b="0" i="0" u="none" strike="noStrike">
+                        <a:solidFill>
+                          <a:srgbClr val="000000"/>
+                        </a:solidFill>
+                        <a:effectLst/>
+                        <a:latin typeface="Century Gothic" panose="020B0502020202020204" pitchFamily="34" charset="0"/>
+                      </a:endParaRPr>
+                    </a:p>
+                  </a:txBody>
+                  <a:tcPr marL="6243" marR="6243" marT="6243" marB="0" anchor="ctr"/>
+                </a:tc>
+                <a:tc>
+                  <a:txBody>
+                    <a:bodyPr/>
+                    <a:lstStyle/>
+                    <a:p>
+                      <a:pPr algn="ctr" rtl="0" fontAlgn="ctr"/>
+                      <a:r>
+                        <a:rPr lang="es-EC" sz="1100" u="none" strike="noStrike">
+                          <a:effectLst/>
+                        </a:rPr>
+                        <a:t>2</a:t>
+                      </a:r>
+                      <a:endParaRPr lang="es-EC" sz="1100" b="0" i="0" u="none" strike="noStrike">
+                        <a:solidFill>
+                          <a:srgbClr val="000000"/>
+                        </a:solidFill>
+                        <a:effectLst/>
+                        <a:latin typeface="Century Gothic" panose="020B0502020202020204" pitchFamily="34" charset="0"/>
+                      </a:endParaRPr>
+                    </a:p>
+                  </a:txBody>
+                  <a:tcPr marL="6243" marR="6243" marT="6243" marB="0" anchor="ctr"/>
+                </a:tc>
+                <a:tc>
+                  <a:txBody>
+                    <a:bodyPr/>
+                    <a:lstStyle/>
+                    <a:p>
+                      <a:pPr algn="ctr" rtl="0" fontAlgn="ctr"/>
+                      <a:r>
+                        <a:rPr lang="es-EC" sz="1100" u="none" strike="noStrike">
+                          <a:effectLst/>
+                        </a:rPr>
+                        <a:t>39</a:t>
+                      </a:r>
+                      <a:endParaRPr lang="es-EC" sz="1100" b="0" i="0" u="none" strike="noStrike">
+                        <a:solidFill>
+                          <a:srgbClr val="000000"/>
+                        </a:solidFill>
+                        <a:effectLst/>
+                        <a:latin typeface="Century Gothic" panose="020B0502020202020204" pitchFamily="34" charset="0"/>
+                      </a:endParaRPr>
+                    </a:p>
+                  </a:txBody>
+                  <a:tcPr marL="6243" marR="6243" marT="6243" marB="0" anchor="ctr"/>
+                </a:tc>
+              </a:tr>
+              <a:tr h="374282">
+                <a:tc>
+                  <a:txBody>
+                    <a:bodyPr/>
+                    <a:lstStyle/>
+                    <a:p>
+                      <a:pPr algn="ctr" rtl="0" fontAlgn="ctr"/>
+                      <a:r>
+                        <a:rPr lang="es-EC" sz="1100" u="none" strike="noStrike">
+                          <a:effectLst/>
+                        </a:rPr>
+                        <a:t>G</a:t>
+                      </a:r>
+                      <a:endParaRPr lang="es-EC" sz="1100" b="1" i="0" u="none" strike="noStrike">
+                        <a:solidFill>
+                          <a:srgbClr val="FFFFFF"/>
+                        </a:solidFill>
+                        <a:effectLst/>
+                        <a:latin typeface="Century Gothic" panose="020B0502020202020204" pitchFamily="34" charset="0"/>
+                      </a:endParaRPr>
+                    </a:p>
+                  </a:txBody>
+                  <a:tcPr marL="6243" marR="6243" marT="6243" marB="0" anchor="ctr"/>
+                </a:tc>
+                <a:tc>
+                  <a:txBody>
+                    <a:bodyPr/>
+                    <a:lstStyle/>
+                    <a:p>
+                      <a:pPr algn="l" rtl="0" fontAlgn="ctr"/>
+                      <a:r>
+                        <a:rPr lang="es-ES" sz="1100" u="none" strike="noStrike" dirty="0">
+                          <a:effectLst/>
+                        </a:rPr>
+                        <a:t>Comercio, reparación automotores y motocicletas</a:t>
+                      </a:r>
+                      <a:endParaRPr lang="es-ES" sz="1100" b="0" i="0" u="none" strike="noStrike" dirty="0">
+                        <a:solidFill>
+                          <a:srgbClr val="000000"/>
+                        </a:solidFill>
+                        <a:effectLst/>
+                        <a:latin typeface="Century Gothic" panose="020B0502020202020204" pitchFamily="34" charset="0"/>
+                      </a:endParaRPr>
+                    </a:p>
+                  </a:txBody>
+                  <a:tcPr marL="6243" marR="6243" marT="6243" marB="0" anchor="ctr"/>
+                </a:tc>
+                <a:tc>
+                  <a:txBody>
+                    <a:bodyPr/>
+                    <a:lstStyle/>
+                    <a:p>
+                      <a:pPr algn="ctr" rtl="0" fontAlgn="ctr"/>
+                      <a:r>
+                        <a:rPr lang="es-EC" sz="1100" u="none" strike="noStrike">
+                          <a:effectLst/>
+                        </a:rPr>
+                        <a:t>12</a:t>
+                      </a:r>
+                      <a:endParaRPr lang="es-EC" sz="1100" b="0" i="0" u="none" strike="noStrike">
+                        <a:solidFill>
+                          <a:srgbClr val="000000"/>
+                        </a:solidFill>
+                        <a:effectLst/>
+                        <a:latin typeface="Century Gothic" panose="020B0502020202020204" pitchFamily="34" charset="0"/>
+                      </a:endParaRPr>
+                    </a:p>
+                  </a:txBody>
+                  <a:tcPr marL="6243" marR="6243" marT="6243" marB="0" anchor="ctr"/>
+                </a:tc>
+                <a:tc>
+                  <a:txBody>
+                    <a:bodyPr/>
+                    <a:lstStyle/>
+                    <a:p>
+                      <a:pPr algn="ctr" rtl="0" fontAlgn="ctr"/>
+                      <a:r>
+                        <a:rPr lang="es-EC" sz="1100" u="none" strike="noStrike">
+                          <a:effectLst/>
+                        </a:rPr>
+                        <a:t>1</a:t>
+                      </a:r>
+                      <a:endParaRPr lang="es-EC" sz="1100" b="0" i="0" u="none" strike="noStrike">
+                        <a:solidFill>
+                          <a:srgbClr val="000000"/>
+                        </a:solidFill>
+                        <a:effectLst/>
+                        <a:latin typeface="Century Gothic" panose="020B0502020202020204" pitchFamily="34" charset="0"/>
+                      </a:endParaRPr>
+                    </a:p>
+                  </a:txBody>
+                  <a:tcPr marL="6243" marR="6243" marT="6243" marB="0" anchor="ctr"/>
+                </a:tc>
+                <a:tc>
+                  <a:txBody>
+                    <a:bodyPr/>
+                    <a:lstStyle/>
+                    <a:p>
+                      <a:pPr algn="ctr" rtl="0" fontAlgn="ctr"/>
+                      <a:r>
+                        <a:rPr lang="es-EC" sz="1100" u="none" strike="noStrike">
+                          <a:effectLst/>
+                        </a:rPr>
+                        <a:t>-</a:t>
+                      </a:r>
+                      <a:endParaRPr lang="es-EC" sz="1100" b="0" i="0" u="none" strike="noStrike">
+                        <a:solidFill>
+                          <a:srgbClr val="000000"/>
+                        </a:solidFill>
+                        <a:effectLst/>
+                        <a:latin typeface="Century Gothic" panose="020B0502020202020204" pitchFamily="34" charset="0"/>
+                      </a:endParaRPr>
+                    </a:p>
+                  </a:txBody>
+                  <a:tcPr marL="6243" marR="6243" marT="6243" marB="0" anchor="ctr"/>
+                </a:tc>
+                <a:tc>
+                  <a:txBody>
+                    <a:bodyPr/>
+                    <a:lstStyle/>
+                    <a:p>
+                      <a:pPr algn="ctr" rtl="0" fontAlgn="ctr"/>
+                      <a:r>
+                        <a:rPr lang="es-EC" sz="1100" u="none" strike="noStrike">
+                          <a:effectLst/>
+                        </a:rPr>
+                        <a:t>-</a:t>
+                      </a:r>
+                      <a:endParaRPr lang="es-EC" sz="1100" b="0" i="0" u="none" strike="noStrike">
+                        <a:solidFill>
+                          <a:srgbClr val="000000"/>
+                        </a:solidFill>
+                        <a:effectLst/>
+                        <a:latin typeface="Century Gothic" panose="020B0502020202020204" pitchFamily="34" charset="0"/>
+                      </a:endParaRPr>
+                    </a:p>
+                  </a:txBody>
+                  <a:tcPr marL="6243" marR="6243" marT="6243" marB="0" anchor="ctr"/>
+                </a:tc>
+                <a:tc>
+                  <a:txBody>
+                    <a:bodyPr/>
+                    <a:lstStyle/>
+                    <a:p>
+                      <a:pPr algn="ctr" rtl="0" fontAlgn="ctr"/>
+                      <a:r>
+                        <a:rPr lang="es-EC" sz="1100" u="none" strike="noStrike">
+                          <a:effectLst/>
+                        </a:rPr>
+                        <a:t>13</a:t>
+                      </a:r>
+                      <a:endParaRPr lang="es-EC" sz="1100" b="0" i="0" u="none" strike="noStrike">
+                        <a:solidFill>
+                          <a:srgbClr val="000000"/>
+                        </a:solidFill>
+                        <a:effectLst/>
+                        <a:latin typeface="Century Gothic" panose="020B0502020202020204" pitchFamily="34" charset="0"/>
+                      </a:endParaRPr>
+                    </a:p>
+                  </a:txBody>
+                  <a:tcPr marL="6243" marR="6243" marT="6243" marB="0" anchor="ctr"/>
+                </a:tc>
+              </a:tr>
+              <a:tr h="196991">
+                <a:tc>
+                  <a:txBody>
+                    <a:bodyPr/>
+                    <a:lstStyle/>
+                    <a:p>
+                      <a:pPr algn="ctr" rtl="0" fontAlgn="ctr"/>
+                      <a:r>
+                        <a:rPr lang="es-EC" sz="1100" u="none" strike="noStrike">
+                          <a:effectLst/>
+                        </a:rPr>
+                        <a:t>H</a:t>
+                      </a:r>
+                      <a:endParaRPr lang="es-EC" sz="1100" b="1" i="0" u="none" strike="noStrike">
+                        <a:solidFill>
+                          <a:srgbClr val="FFFFFF"/>
+                        </a:solidFill>
+                        <a:effectLst/>
+                        <a:latin typeface="Century Gothic" panose="020B0502020202020204" pitchFamily="34" charset="0"/>
+                      </a:endParaRPr>
+                    </a:p>
+                  </a:txBody>
+                  <a:tcPr marL="6243" marR="6243" marT="6243" marB="0" anchor="ctr"/>
+                </a:tc>
+                <a:tc>
+                  <a:txBody>
+                    <a:bodyPr/>
+                    <a:lstStyle/>
+                    <a:p>
+                      <a:pPr algn="l" rtl="0" fontAlgn="ctr"/>
+                      <a:r>
+                        <a:rPr lang="es-EC" sz="1100" u="none" strike="noStrike">
+                          <a:effectLst/>
+                        </a:rPr>
+                        <a:t>Transporte y almacenamiento</a:t>
+                      </a:r>
+                      <a:endParaRPr lang="es-EC" sz="1100" b="0" i="0" u="none" strike="noStrike">
+                        <a:solidFill>
+                          <a:srgbClr val="000000"/>
+                        </a:solidFill>
+                        <a:effectLst/>
+                        <a:latin typeface="Century Gothic" panose="020B0502020202020204" pitchFamily="34" charset="0"/>
+                      </a:endParaRPr>
+                    </a:p>
+                  </a:txBody>
+                  <a:tcPr marL="6243" marR="6243" marT="6243" marB="0" anchor="ctr"/>
+                </a:tc>
+                <a:tc>
+                  <a:txBody>
+                    <a:bodyPr/>
+                    <a:lstStyle/>
+                    <a:p>
+                      <a:pPr algn="ctr" rtl="0" fontAlgn="ctr"/>
+                      <a:r>
+                        <a:rPr lang="es-EC" sz="1100" u="none" strike="noStrike">
+                          <a:effectLst/>
+                        </a:rPr>
+                        <a:t>113</a:t>
+                      </a:r>
+                      <a:endParaRPr lang="es-EC" sz="1100" b="0" i="0" u="none" strike="noStrike">
+                        <a:solidFill>
+                          <a:srgbClr val="000000"/>
+                        </a:solidFill>
+                        <a:effectLst/>
+                        <a:latin typeface="Century Gothic" panose="020B0502020202020204" pitchFamily="34" charset="0"/>
+                      </a:endParaRPr>
+                    </a:p>
+                  </a:txBody>
+                  <a:tcPr marL="6243" marR="6243" marT="6243" marB="0" anchor="ctr"/>
+                </a:tc>
+                <a:tc>
+                  <a:txBody>
+                    <a:bodyPr/>
+                    <a:lstStyle/>
+                    <a:p>
+                      <a:pPr algn="ctr" rtl="0" fontAlgn="ctr"/>
+                      <a:r>
+                        <a:rPr lang="es-EC" sz="1100" u="none" strike="noStrike">
+                          <a:effectLst/>
+                        </a:rPr>
+                        <a:t>22</a:t>
+                      </a:r>
+                      <a:endParaRPr lang="es-EC" sz="1100" b="0" i="0" u="none" strike="noStrike">
+                        <a:solidFill>
+                          <a:srgbClr val="000000"/>
+                        </a:solidFill>
+                        <a:effectLst/>
+                        <a:latin typeface="Century Gothic" panose="020B0502020202020204" pitchFamily="34" charset="0"/>
+                      </a:endParaRPr>
+                    </a:p>
+                  </a:txBody>
+                  <a:tcPr marL="6243" marR="6243" marT="6243" marB="0" anchor="ctr"/>
+                </a:tc>
+                <a:tc>
+                  <a:txBody>
+                    <a:bodyPr/>
+                    <a:lstStyle/>
+                    <a:p>
+                      <a:pPr algn="ctr" rtl="0" fontAlgn="ctr"/>
+                      <a:r>
+                        <a:rPr lang="es-EC" sz="1100" u="none" strike="noStrike">
+                          <a:effectLst/>
+                        </a:rPr>
+                        <a:t>12</a:t>
+                      </a:r>
+                      <a:endParaRPr lang="es-EC" sz="1100" b="0" i="0" u="none" strike="noStrike">
+                        <a:solidFill>
+                          <a:srgbClr val="000000"/>
+                        </a:solidFill>
+                        <a:effectLst/>
+                        <a:latin typeface="Century Gothic" panose="020B0502020202020204" pitchFamily="34" charset="0"/>
+                      </a:endParaRPr>
+                    </a:p>
+                  </a:txBody>
+                  <a:tcPr marL="6243" marR="6243" marT="6243" marB="0" anchor="ctr"/>
+                </a:tc>
+                <a:tc>
+                  <a:txBody>
+                    <a:bodyPr/>
+                    <a:lstStyle/>
+                    <a:p>
+                      <a:pPr algn="ctr" rtl="0" fontAlgn="ctr"/>
+                      <a:r>
+                        <a:rPr lang="es-EC" sz="1100" u="none" strike="noStrike">
+                          <a:effectLst/>
+                        </a:rPr>
+                        <a:t>16</a:t>
+                      </a:r>
+                      <a:endParaRPr lang="es-EC" sz="1100" b="0" i="0" u="none" strike="noStrike">
+                        <a:solidFill>
+                          <a:srgbClr val="000000"/>
+                        </a:solidFill>
+                        <a:effectLst/>
+                        <a:latin typeface="Century Gothic" panose="020B0502020202020204" pitchFamily="34" charset="0"/>
+                      </a:endParaRPr>
+                    </a:p>
+                  </a:txBody>
+                  <a:tcPr marL="6243" marR="6243" marT="6243" marB="0" anchor="ctr"/>
+                </a:tc>
+                <a:tc>
+                  <a:txBody>
+                    <a:bodyPr/>
+                    <a:lstStyle/>
+                    <a:p>
+                      <a:pPr algn="ctr" rtl="0" fontAlgn="ctr"/>
+                      <a:r>
+                        <a:rPr lang="es-EC" sz="1100" u="none" strike="noStrike">
+                          <a:effectLst/>
+                        </a:rPr>
+                        <a:t>163</a:t>
+                      </a:r>
+                      <a:endParaRPr lang="es-EC" sz="1100" b="0" i="0" u="none" strike="noStrike">
+                        <a:solidFill>
+                          <a:srgbClr val="000000"/>
+                        </a:solidFill>
+                        <a:effectLst/>
+                        <a:latin typeface="Century Gothic" panose="020B0502020202020204" pitchFamily="34" charset="0"/>
+                      </a:endParaRPr>
+                    </a:p>
+                  </a:txBody>
+                  <a:tcPr marL="6243" marR="6243" marT="6243" marB="0" anchor="ctr"/>
+                </a:tc>
+              </a:tr>
+              <a:tr h="374282">
+                <a:tc>
+                  <a:txBody>
+                    <a:bodyPr/>
+                    <a:lstStyle/>
+                    <a:p>
+                      <a:pPr algn="ctr" rtl="0" fontAlgn="ctr"/>
+                      <a:r>
+                        <a:rPr lang="es-EC" sz="1100" u="none" strike="noStrike">
+                          <a:effectLst/>
+                        </a:rPr>
+                        <a:t>I</a:t>
+                      </a:r>
+                      <a:endParaRPr lang="es-EC" sz="1100" b="1" i="0" u="none" strike="noStrike">
+                        <a:solidFill>
+                          <a:srgbClr val="FFFFFF"/>
+                        </a:solidFill>
+                        <a:effectLst/>
+                        <a:latin typeface="Century Gothic" panose="020B0502020202020204" pitchFamily="34" charset="0"/>
+                      </a:endParaRPr>
+                    </a:p>
+                  </a:txBody>
+                  <a:tcPr marL="6243" marR="6243" marT="6243" marB="0" anchor="ctr"/>
+                </a:tc>
+                <a:tc>
+                  <a:txBody>
+                    <a:bodyPr/>
+                    <a:lstStyle/>
+                    <a:p>
+                      <a:pPr algn="l" rtl="0" fontAlgn="ctr"/>
+                      <a:r>
                         <a:rPr lang="es-ES" sz="1100" u="none" strike="noStrike">
                           <a:effectLst/>
                         </a:rPr>
-                        <a:t>Distribución agua; alcantarillado, desechos y saneamiento</a:t>
+                        <a:t>Actividades de alojamiento y de servicio de comidas</a:t>
                       </a:r>
                       <a:endParaRPr lang="es-ES" sz="1100" b="0" i="0" u="none" strike="noStrike">
                         <a:solidFill>
@@ -6237,6 +6644,844 @@
                         <a:rPr lang="es-EC" sz="1100" u="none" strike="noStrike">
                           <a:effectLst/>
                         </a:rPr>
+                        <a:t>77</a:t>
+                      </a:r>
+                      <a:endParaRPr lang="es-EC" sz="1100" b="0" i="0" u="none" strike="noStrike">
+                        <a:solidFill>
+                          <a:srgbClr val="000000"/>
+                        </a:solidFill>
+                        <a:effectLst/>
+                        <a:latin typeface="Century Gothic" panose="020B0502020202020204" pitchFamily="34" charset="0"/>
+                      </a:endParaRPr>
+                    </a:p>
+                  </a:txBody>
+                  <a:tcPr marL="6243" marR="6243" marT="6243" marB="0" anchor="ctr"/>
+                </a:tc>
+                <a:tc>
+                  <a:txBody>
+                    <a:bodyPr/>
+                    <a:lstStyle/>
+                    <a:p>
+                      <a:pPr algn="ctr" rtl="0" fontAlgn="ctr"/>
+                      <a:r>
+                        <a:rPr lang="es-EC" sz="1100" u="none" strike="noStrike">
+                          <a:effectLst/>
+                        </a:rPr>
+                        <a:t>4</a:t>
+                      </a:r>
+                      <a:endParaRPr lang="es-EC" sz="1100" b="0" i="0" u="none" strike="noStrike">
+                        <a:solidFill>
+                          <a:srgbClr val="000000"/>
+                        </a:solidFill>
+                        <a:effectLst/>
+                        <a:latin typeface="Century Gothic" panose="020B0502020202020204" pitchFamily="34" charset="0"/>
+                      </a:endParaRPr>
+                    </a:p>
+                  </a:txBody>
+                  <a:tcPr marL="6243" marR="6243" marT="6243" marB="0" anchor="ctr"/>
+                </a:tc>
+                <a:tc>
+                  <a:txBody>
+                    <a:bodyPr/>
+                    <a:lstStyle/>
+                    <a:p>
+                      <a:pPr algn="ctr" rtl="0" fontAlgn="ctr"/>
+                      <a:r>
+                        <a:rPr lang="es-EC" sz="1100" u="none" strike="noStrike">
+                          <a:effectLst/>
+                        </a:rPr>
+                        <a:t>3</a:t>
+                      </a:r>
+                      <a:endParaRPr lang="es-EC" sz="1100" b="0" i="0" u="none" strike="noStrike">
+                        <a:solidFill>
+                          <a:srgbClr val="000000"/>
+                        </a:solidFill>
+                        <a:effectLst/>
+                        <a:latin typeface="Century Gothic" panose="020B0502020202020204" pitchFamily="34" charset="0"/>
+                      </a:endParaRPr>
+                    </a:p>
+                  </a:txBody>
+                  <a:tcPr marL="6243" marR="6243" marT="6243" marB="0" anchor="ctr"/>
+                </a:tc>
+                <a:tc>
+                  <a:txBody>
+                    <a:bodyPr/>
+                    <a:lstStyle/>
+                    <a:p>
+                      <a:pPr algn="ctr" rtl="0" fontAlgn="ctr"/>
+                      <a:r>
+                        <a:rPr lang="es-EC" sz="1100" u="none" strike="noStrike">
+                          <a:effectLst/>
+                        </a:rPr>
+                        <a:t>-</a:t>
+                      </a:r>
+                      <a:endParaRPr lang="es-EC" sz="1100" b="0" i="0" u="none" strike="noStrike">
+                        <a:solidFill>
+                          <a:srgbClr val="000000"/>
+                        </a:solidFill>
+                        <a:effectLst/>
+                        <a:latin typeface="Century Gothic" panose="020B0502020202020204" pitchFamily="34" charset="0"/>
+                      </a:endParaRPr>
+                    </a:p>
+                  </a:txBody>
+                  <a:tcPr marL="6243" marR="6243" marT="6243" marB="0" anchor="ctr"/>
+                </a:tc>
+                <a:tc>
+                  <a:txBody>
+                    <a:bodyPr/>
+                    <a:lstStyle/>
+                    <a:p>
+                      <a:pPr algn="ctr" rtl="0" fontAlgn="ctr"/>
+                      <a:r>
+                        <a:rPr lang="es-EC" sz="1100" u="none" strike="noStrike">
+                          <a:effectLst/>
+                        </a:rPr>
+                        <a:t>84</a:t>
+                      </a:r>
+                      <a:endParaRPr lang="es-EC" sz="1100" b="0" i="0" u="none" strike="noStrike">
+                        <a:solidFill>
+                          <a:srgbClr val="000000"/>
+                        </a:solidFill>
+                        <a:effectLst/>
+                        <a:latin typeface="Century Gothic" panose="020B0502020202020204" pitchFamily="34" charset="0"/>
+                      </a:endParaRPr>
+                    </a:p>
+                  </a:txBody>
+                  <a:tcPr marL="6243" marR="6243" marT="6243" marB="0" anchor="ctr"/>
+                </a:tc>
+              </a:tr>
+              <a:tr h="196991">
+                <a:tc>
+                  <a:txBody>
+                    <a:bodyPr/>
+                    <a:lstStyle/>
+                    <a:p>
+                      <a:pPr algn="ctr" rtl="0" fontAlgn="ctr"/>
+                      <a:r>
+                        <a:rPr lang="es-EC" sz="1100" u="none" strike="noStrike">
+                          <a:effectLst/>
+                        </a:rPr>
+                        <a:t>J</a:t>
+                      </a:r>
+                      <a:endParaRPr lang="es-EC" sz="1100" b="1" i="0" u="none" strike="noStrike">
+                        <a:solidFill>
+                          <a:srgbClr val="FFFFFF"/>
+                        </a:solidFill>
+                        <a:effectLst/>
+                        <a:latin typeface="Century Gothic" panose="020B0502020202020204" pitchFamily="34" charset="0"/>
+                      </a:endParaRPr>
+                    </a:p>
+                  </a:txBody>
+                  <a:tcPr marL="6243" marR="6243" marT="6243" marB="0" anchor="ctr"/>
+                </a:tc>
+                <a:tc>
+                  <a:txBody>
+                    <a:bodyPr/>
+                    <a:lstStyle/>
+                    <a:p>
+                      <a:pPr algn="l" rtl="0" fontAlgn="ctr"/>
+                      <a:r>
+                        <a:rPr lang="es-EC" sz="1100" u="none" strike="noStrike">
+                          <a:effectLst/>
+                        </a:rPr>
+                        <a:t>Información y comunicación</a:t>
+                      </a:r>
+                      <a:endParaRPr lang="es-EC" sz="1100" b="0" i="0" u="none" strike="noStrike">
+                        <a:solidFill>
+                          <a:srgbClr val="000000"/>
+                        </a:solidFill>
+                        <a:effectLst/>
+                        <a:latin typeface="Century Gothic" panose="020B0502020202020204" pitchFamily="34" charset="0"/>
+                      </a:endParaRPr>
+                    </a:p>
+                  </a:txBody>
+                  <a:tcPr marL="6243" marR="6243" marT="6243" marB="0" anchor="ctr"/>
+                </a:tc>
+                <a:tc>
+                  <a:txBody>
+                    <a:bodyPr/>
+                    <a:lstStyle/>
+                    <a:p>
+                      <a:pPr algn="ctr" rtl="0" fontAlgn="ctr"/>
+                      <a:r>
+                        <a:rPr lang="es-EC" sz="1100" u="none" strike="noStrike">
+                          <a:effectLst/>
+                        </a:rPr>
+                        <a:t>87</a:t>
+                      </a:r>
+                      <a:endParaRPr lang="es-EC" sz="1100" b="0" i="0" u="none" strike="noStrike">
+                        <a:solidFill>
+                          <a:srgbClr val="000000"/>
+                        </a:solidFill>
+                        <a:effectLst/>
+                        <a:latin typeface="Century Gothic" panose="020B0502020202020204" pitchFamily="34" charset="0"/>
+                      </a:endParaRPr>
+                    </a:p>
+                  </a:txBody>
+                  <a:tcPr marL="6243" marR="6243" marT="6243" marB="0" anchor="ctr"/>
+                </a:tc>
+                <a:tc>
+                  <a:txBody>
+                    <a:bodyPr/>
+                    <a:lstStyle/>
+                    <a:p>
+                      <a:pPr algn="ctr" rtl="0" fontAlgn="ctr"/>
+                      <a:r>
+                        <a:rPr lang="es-EC" sz="1100" u="none" strike="noStrike">
+                          <a:effectLst/>
+                        </a:rPr>
+                        <a:t>10</a:t>
+                      </a:r>
+                      <a:endParaRPr lang="es-EC" sz="1100" b="0" i="0" u="none" strike="noStrike">
+                        <a:solidFill>
+                          <a:srgbClr val="000000"/>
+                        </a:solidFill>
+                        <a:effectLst/>
+                        <a:latin typeface="Century Gothic" panose="020B0502020202020204" pitchFamily="34" charset="0"/>
+                      </a:endParaRPr>
+                    </a:p>
+                  </a:txBody>
+                  <a:tcPr marL="6243" marR="6243" marT="6243" marB="0" anchor="ctr"/>
+                </a:tc>
+                <a:tc>
+                  <a:txBody>
+                    <a:bodyPr/>
+                    <a:lstStyle/>
+                    <a:p>
+                      <a:pPr algn="ctr" rtl="0" fontAlgn="ctr"/>
+                      <a:r>
+                        <a:rPr lang="es-EC" sz="1100" u="none" strike="noStrike">
+                          <a:effectLst/>
+                        </a:rPr>
+                        <a:t>8</a:t>
+                      </a:r>
+                      <a:endParaRPr lang="es-EC" sz="1100" b="0" i="0" u="none" strike="noStrike">
+                        <a:solidFill>
+                          <a:srgbClr val="000000"/>
+                        </a:solidFill>
+                        <a:effectLst/>
+                        <a:latin typeface="Century Gothic" panose="020B0502020202020204" pitchFamily="34" charset="0"/>
+                      </a:endParaRPr>
+                    </a:p>
+                  </a:txBody>
+                  <a:tcPr marL="6243" marR="6243" marT="6243" marB="0" anchor="ctr"/>
+                </a:tc>
+                <a:tc>
+                  <a:txBody>
+                    <a:bodyPr/>
+                    <a:lstStyle/>
+                    <a:p>
+                      <a:pPr algn="ctr" rtl="0" fontAlgn="ctr"/>
+                      <a:r>
+                        <a:rPr lang="es-EC" sz="1100" u="none" strike="noStrike">
+                          <a:effectLst/>
+                        </a:rPr>
+                        <a:t>7</a:t>
+                      </a:r>
+                      <a:endParaRPr lang="es-EC" sz="1100" b="0" i="0" u="none" strike="noStrike">
+                        <a:solidFill>
+                          <a:srgbClr val="000000"/>
+                        </a:solidFill>
+                        <a:effectLst/>
+                        <a:latin typeface="Century Gothic" panose="020B0502020202020204" pitchFamily="34" charset="0"/>
+                      </a:endParaRPr>
+                    </a:p>
+                  </a:txBody>
+                  <a:tcPr marL="6243" marR="6243" marT="6243" marB="0" anchor="ctr"/>
+                </a:tc>
+                <a:tc>
+                  <a:txBody>
+                    <a:bodyPr/>
+                    <a:lstStyle/>
+                    <a:p>
+                      <a:pPr algn="ctr" rtl="0" fontAlgn="ctr"/>
+                      <a:r>
+                        <a:rPr lang="es-EC" sz="1100" u="none" strike="noStrike">
+                          <a:effectLst/>
+                        </a:rPr>
+                        <a:t>112</a:t>
+                      </a:r>
+                      <a:endParaRPr lang="es-EC" sz="1100" b="0" i="0" u="none" strike="noStrike">
+                        <a:solidFill>
+                          <a:srgbClr val="000000"/>
+                        </a:solidFill>
+                        <a:effectLst/>
+                        <a:latin typeface="Century Gothic" panose="020B0502020202020204" pitchFamily="34" charset="0"/>
+                      </a:endParaRPr>
+                    </a:p>
+                  </a:txBody>
+                  <a:tcPr marL="6243" marR="6243" marT="6243" marB="0" anchor="ctr"/>
+                </a:tc>
+              </a:tr>
+              <a:tr h="374282">
+                <a:tc>
+                  <a:txBody>
+                    <a:bodyPr/>
+                    <a:lstStyle/>
+                    <a:p>
+                      <a:pPr algn="ctr" rtl="0" fontAlgn="ctr"/>
+                      <a:r>
+                        <a:rPr lang="es-EC" sz="1100" u="none" strike="noStrike">
+                          <a:effectLst/>
+                        </a:rPr>
+                        <a:t>K</a:t>
+                      </a:r>
+                      <a:endParaRPr lang="es-EC" sz="1100" b="1" i="0" u="none" strike="noStrike">
+                        <a:solidFill>
+                          <a:srgbClr val="FFFFFF"/>
+                        </a:solidFill>
+                        <a:effectLst/>
+                        <a:latin typeface="Century Gothic" panose="020B0502020202020204" pitchFamily="34" charset="0"/>
+                      </a:endParaRPr>
+                    </a:p>
+                  </a:txBody>
+                  <a:tcPr marL="6243" marR="6243" marT="6243" marB="0" anchor="ctr"/>
+                </a:tc>
+                <a:tc>
+                  <a:txBody>
+                    <a:bodyPr/>
+                    <a:lstStyle/>
+                    <a:p>
+                      <a:pPr algn="l" rtl="0" fontAlgn="ctr"/>
+                      <a:r>
+                        <a:rPr lang="es-ES" sz="1100" u="none" strike="noStrike">
+                          <a:effectLst/>
+                        </a:rPr>
+                        <a:t>Actividades financieras y de seguros</a:t>
+                      </a:r>
+                      <a:endParaRPr lang="es-ES" sz="1100" b="0" i="0" u="none" strike="noStrike">
+                        <a:solidFill>
+                          <a:srgbClr val="000000"/>
+                        </a:solidFill>
+                        <a:effectLst/>
+                        <a:latin typeface="Century Gothic" panose="020B0502020202020204" pitchFamily="34" charset="0"/>
+                      </a:endParaRPr>
+                    </a:p>
+                  </a:txBody>
+                  <a:tcPr marL="6243" marR="6243" marT="6243" marB="0" anchor="ctr"/>
+                </a:tc>
+                <a:tc>
+                  <a:txBody>
+                    <a:bodyPr/>
+                    <a:lstStyle/>
+                    <a:p>
+                      <a:pPr algn="ctr" rtl="0" fontAlgn="ctr"/>
+                      <a:r>
+                        <a:rPr lang="es-EC" sz="1100" u="none" strike="noStrike">
+                          <a:effectLst/>
+                        </a:rPr>
+                        <a:t>21</a:t>
+                      </a:r>
+                      <a:endParaRPr lang="es-EC" sz="1100" b="0" i="0" u="none" strike="noStrike">
+                        <a:solidFill>
+                          <a:srgbClr val="000000"/>
+                        </a:solidFill>
+                        <a:effectLst/>
+                        <a:latin typeface="Century Gothic" panose="020B0502020202020204" pitchFamily="34" charset="0"/>
+                      </a:endParaRPr>
+                    </a:p>
+                  </a:txBody>
+                  <a:tcPr marL="6243" marR="6243" marT="6243" marB="0" anchor="ctr"/>
+                </a:tc>
+                <a:tc>
+                  <a:txBody>
+                    <a:bodyPr/>
+                    <a:lstStyle/>
+                    <a:p>
+                      <a:pPr algn="ctr" rtl="0" fontAlgn="ctr"/>
+                      <a:r>
+                        <a:rPr lang="es-EC" sz="1100" u="none" strike="noStrike">
+                          <a:effectLst/>
+                        </a:rPr>
+                        <a:t>9</a:t>
+                      </a:r>
+                      <a:endParaRPr lang="es-EC" sz="1100" b="0" i="0" u="none" strike="noStrike">
+                        <a:solidFill>
+                          <a:srgbClr val="000000"/>
+                        </a:solidFill>
+                        <a:effectLst/>
+                        <a:latin typeface="Century Gothic" panose="020B0502020202020204" pitchFamily="34" charset="0"/>
+                      </a:endParaRPr>
+                    </a:p>
+                  </a:txBody>
+                  <a:tcPr marL="6243" marR="6243" marT="6243" marB="0" anchor="ctr"/>
+                </a:tc>
+                <a:tc>
+                  <a:txBody>
+                    <a:bodyPr/>
+                    <a:lstStyle/>
+                    <a:p>
+                      <a:pPr algn="ctr" rtl="0" fontAlgn="ctr"/>
+                      <a:r>
+                        <a:rPr lang="es-EC" sz="1100" u="none" strike="noStrike">
+                          <a:effectLst/>
+                        </a:rPr>
+                        <a:t>9</a:t>
+                      </a:r>
+                      <a:endParaRPr lang="es-EC" sz="1100" b="0" i="0" u="none" strike="noStrike">
+                        <a:solidFill>
+                          <a:srgbClr val="000000"/>
+                        </a:solidFill>
+                        <a:effectLst/>
+                        <a:latin typeface="Century Gothic" panose="020B0502020202020204" pitchFamily="34" charset="0"/>
+                      </a:endParaRPr>
+                    </a:p>
+                  </a:txBody>
+                  <a:tcPr marL="6243" marR="6243" marT="6243" marB="0" anchor="ctr"/>
+                </a:tc>
+                <a:tc>
+                  <a:txBody>
+                    <a:bodyPr/>
+                    <a:lstStyle/>
+                    <a:p>
+                      <a:pPr algn="ctr" rtl="0" fontAlgn="ctr"/>
+                      <a:r>
+                        <a:rPr lang="es-EC" sz="1100" u="none" strike="noStrike">
+                          <a:effectLst/>
+                        </a:rPr>
+                        <a:t>63</a:t>
+                      </a:r>
+                      <a:endParaRPr lang="es-EC" sz="1100" b="0" i="0" u="none" strike="noStrike">
+                        <a:solidFill>
+                          <a:srgbClr val="000000"/>
+                        </a:solidFill>
+                        <a:effectLst/>
+                        <a:latin typeface="Century Gothic" panose="020B0502020202020204" pitchFamily="34" charset="0"/>
+                      </a:endParaRPr>
+                    </a:p>
+                  </a:txBody>
+                  <a:tcPr marL="6243" marR="6243" marT="6243" marB="0" anchor="ctr"/>
+                </a:tc>
+                <a:tc>
+                  <a:txBody>
+                    <a:bodyPr/>
+                    <a:lstStyle/>
+                    <a:p>
+                      <a:pPr algn="ctr" rtl="0" fontAlgn="ctr"/>
+                      <a:r>
+                        <a:rPr lang="es-EC" sz="1100" u="none" strike="noStrike">
+                          <a:effectLst/>
+                        </a:rPr>
+                        <a:t>102</a:t>
+                      </a:r>
+                      <a:endParaRPr lang="es-EC" sz="1100" b="0" i="0" u="none" strike="noStrike">
+                        <a:solidFill>
+                          <a:srgbClr val="000000"/>
+                        </a:solidFill>
+                        <a:effectLst/>
+                        <a:latin typeface="Century Gothic" panose="020B0502020202020204" pitchFamily="34" charset="0"/>
+                      </a:endParaRPr>
+                    </a:p>
+                  </a:txBody>
+                  <a:tcPr marL="6243" marR="6243" marT="6243" marB="0" anchor="ctr"/>
+                </a:tc>
+              </a:tr>
+              <a:tr h="196991">
+                <a:tc>
+                  <a:txBody>
+                    <a:bodyPr/>
+                    <a:lstStyle/>
+                    <a:p>
+                      <a:pPr algn="ctr" rtl="0" fontAlgn="ctr"/>
+                      <a:r>
+                        <a:rPr lang="es-EC" sz="1100" u="none" strike="noStrike">
+                          <a:effectLst/>
+                        </a:rPr>
+                        <a:t>L</a:t>
+                      </a:r>
+                      <a:endParaRPr lang="es-EC" sz="1100" b="1" i="0" u="none" strike="noStrike">
+                        <a:solidFill>
+                          <a:srgbClr val="FFFFFF"/>
+                        </a:solidFill>
+                        <a:effectLst/>
+                        <a:latin typeface="Century Gothic" panose="020B0502020202020204" pitchFamily="34" charset="0"/>
+                      </a:endParaRPr>
+                    </a:p>
+                  </a:txBody>
+                  <a:tcPr marL="6243" marR="6243" marT="6243" marB="0" anchor="ctr"/>
+                </a:tc>
+                <a:tc>
+                  <a:txBody>
+                    <a:bodyPr/>
+                    <a:lstStyle/>
+                    <a:p>
+                      <a:pPr algn="l" rtl="0" fontAlgn="ctr"/>
+                      <a:r>
+                        <a:rPr lang="es-EC" sz="1100" u="none" strike="noStrike">
+                          <a:effectLst/>
+                        </a:rPr>
+                        <a:t>Actividades inmobiliarias</a:t>
+                      </a:r>
+                      <a:endParaRPr lang="es-EC" sz="1100" b="0" i="0" u="none" strike="noStrike">
+                        <a:solidFill>
+                          <a:srgbClr val="000000"/>
+                        </a:solidFill>
+                        <a:effectLst/>
+                        <a:latin typeface="Century Gothic" panose="020B0502020202020204" pitchFamily="34" charset="0"/>
+                      </a:endParaRPr>
+                    </a:p>
+                  </a:txBody>
+                  <a:tcPr marL="6243" marR="6243" marT="6243" marB="0" anchor="ctr"/>
+                </a:tc>
+                <a:tc>
+                  <a:txBody>
+                    <a:bodyPr/>
+                    <a:lstStyle/>
+                    <a:p>
+                      <a:pPr algn="ctr" rtl="0" fontAlgn="ctr"/>
+                      <a:r>
+                        <a:rPr lang="es-EC" sz="1100" u="none" strike="noStrike">
+                          <a:effectLst/>
+                        </a:rPr>
+                        <a:t>225</a:t>
+                      </a:r>
+                      <a:endParaRPr lang="es-EC" sz="1100" b="0" i="0" u="none" strike="noStrike">
+                        <a:solidFill>
+                          <a:srgbClr val="000000"/>
+                        </a:solidFill>
+                        <a:effectLst/>
+                        <a:latin typeface="Century Gothic" panose="020B0502020202020204" pitchFamily="34" charset="0"/>
+                      </a:endParaRPr>
+                    </a:p>
+                  </a:txBody>
+                  <a:tcPr marL="6243" marR="6243" marT="6243" marB="0" anchor="ctr"/>
+                </a:tc>
+                <a:tc>
+                  <a:txBody>
+                    <a:bodyPr/>
+                    <a:lstStyle/>
+                    <a:p>
+                      <a:pPr algn="ctr" rtl="0" fontAlgn="ctr"/>
+                      <a:r>
+                        <a:rPr lang="es-EC" sz="1100" u="none" strike="noStrike">
+                          <a:effectLst/>
+                        </a:rPr>
+                        <a:t>16</a:t>
+                      </a:r>
+                      <a:endParaRPr lang="es-EC" sz="1100" b="0" i="0" u="none" strike="noStrike">
+                        <a:solidFill>
+                          <a:srgbClr val="000000"/>
+                        </a:solidFill>
+                        <a:effectLst/>
+                        <a:latin typeface="Century Gothic" panose="020B0502020202020204" pitchFamily="34" charset="0"/>
+                      </a:endParaRPr>
+                    </a:p>
+                  </a:txBody>
+                  <a:tcPr marL="6243" marR="6243" marT="6243" marB="0" anchor="ctr"/>
+                </a:tc>
+                <a:tc>
+                  <a:txBody>
+                    <a:bodyPr/>
+                    <a:lstStyle/>
+                    <a:p>
+                      <a:pPr algn="ctr" rtl="0" fontAlgn="ctr"/>
+                      <a:r>
+                        <a:rPr lang="es-EC" sz="1100" u="none" strike="noStrike">
+                          <a:effectLst/>
+                        </a:rPr>
+                        <a:t>5</a:t>
+                      </a:r>
+                      <a:endParaRPr lang="es-EC" sz="1100" b="0" i="0" u="none" strike="noStrike">
+                        <a:solidFill>
+                          <a:srgbClr val="000000"/>
+                        </a:solidFill>
+                        <a:effectLst/>
+                        <a:latin typeface="Century Gothic" panose="020B0502020202020204" pitchFamily="34" charset="0"/>
+                      </a:endParaRPr>
+                    </a:p>
+                  </a:txBody>
+                  <a:tcPr marL="6243" marR="6243" marT="6243" marB="0" anchor="ctr"/>
+                </a:tc>
+                <a:tc>
+                  <a:txBody>
+                    <a:bodyPr/>
+                    <a:lstStyle/>
+                    <a:p>
+                      <a:pPr algn="ctr" rtl="0" fontAlgn="ctr"/>
+                      <a:r>
+                        <a:rPr lang="es-EC" sz="1100" u="none" strike="noStrike">
+                          <a:effectLst/>
+                        </a:rPr>
+                        <a:t>3</a:t>
+                      </a:r>
+                      <a:endParaRPr lang="es-EC" sz="1100" b="0" i="0" u="none" strike="noStrike">
+                        <a:solidFill>
+                          <a:srgbClr val="000000"/>
+                        </a:solidFill>
+                        <a:effectLst/>
+                        <a:latin typeface="Century Gothic" panose="020B0502020202020204" pitchFamily="34" charset="0"/>
+                      </a:endParaRPr>
+                    </a:p>
+                  </a:txBody>
+                  <a:tcPr marL="6243" marR="6243" marT="6243" marB="0" anchor="ctr"/>
+                </a:tc>
+                <a:tc>
+                  <a:txBody>
+                    <a:bodyPr/>
+                    <a:lstStyle/>
+                    <a:p>
+                      <a:pPr algn="ctr" rtl="0" fontAlgn="ctr"/>
+                      <a:r>
+                        <a:rPr lang="es-EC" sz="1100" u="none" strike="noStrike">
+                          <a:effectLst/>
+                        </a:rPr>
+                        <a:t>249</a:t>
+                      </a:r>
+                      <a:endParaRPr lang="es-EC" sz="1100" b="0" i="0" u="none" strike="noStrike">
+                        <a:solidFill>
+                          <a:srgbClr val="000000"/>
+                        </a:solidFill>
+                        <a:effectLst/>
+                        <a:latin typeface="Century Gothic" panose="020B0502020202020204" pitchFamily="34" charset="0"/>
+                      </a:endParaRPr>
+                    </a:p>
+                  </a:txBody>
+                  <a:tcPr marL="6243" marR="6243" marT="6243" marB="0" anchor="ctr"/>
+                </a:tc>
+              </a:tr>
+              <a:tr h="374282">
+                <a:tc>
+                  <a:txBody>
+                    <a:bodyPr/>
+                    <a:lstStyle/>
+                    <a:p>
+                      <a:pPr algn="ctr" rtl="0" fontAlgn="ctr"/>
+                      <a:r>
+                        <a:rPr lang="es-EC" sz="1100" u="none" strike="noStrike">
+                          <a:effectLst/>
+                        </a:rPr>
+                        <a:t>M</a:t>
+                      </a:r>
+                      <a:endParaRPr lang="es-EC" sz="1100" b="1" i="0" u="none" strike="noStrike">
+                        <a:solidFill>
+                          <a:srgbClr val="FFFFFF"/>
+                        </a:solidFill>
+                        <a:effectLst/>
+                        <a:latin typeface="Century Gothic" panose="020B0502020202020204" pitchFamily="34" charset="0"/>
+                      </a:endParaRPr>
+                    </a:p>
+                  </a:txBody>
+                  <a:tcPr marL="6243" marR="6243" marT="6243" marB="0" anchor="ctr"/>
+                </a:tc>
+                <a:tc>
+                  <a:txBody>
+                    <a:bodyPr/>
+                    <a:lstStyle/>
+                    <a:p>
+                      <a:pPr algn="l" rtl="0" fontAlgn="ctr"/>
+                      <a:r>
+                        <a:rPr lang="es-ES" sz="1100" u="none" strike="noStrike">
+                          <a:effectLst/>
+                        </a:rPr>
+                        <a:t>Actividades profesionales, científicas y técnicas</a:t>
+                      </a:r>
+                      <a:endParaRPr lang="es-ES" sz="1100" b="0" i="0" u="none" strike="noStrike">
+                        <a:solidFill>
+                          <a:srgbClr val="000000"/>
+                        </a:solidFill>
+                        <a:effectLst/>
+                        <a:latin typeface="Century Gothic" panose="020B0502020202020204" pitchFamily="34" charset="0"/>
+                      </a:endParaRPr>
+                    </a:p>
+                  </a:txBody>
+                  <a:tcPr marL="6243" marR="6243" marT="6243" marB="0" anchor="ctr"/>
+                </a:tc>
+                <a:tc>
+                  <a:txBody>
+                    <a:bodyPr/>
+                    <a:lstStyle/>
+                    <a:p>
+                      <a:pPr algn="ctr" rtl="0" fontAlgn="ctr"/>
+                      <a:r>
+                        <a:rPr lang="es-EC" sz="1100" u="none" strike="noStrike">
+                          <a:effectLst/>
+                        </a:rPr>
+                        <a:t>523</a:t>
+                      </a:r>
+                      <a:endParaRPr lang="es-EC" sz="1100" b="0" i="0" u="none" strike="noStrike">
+                        <a:solidFill>
+                          <a:srgbClr val="000000"/>
+                        </a:solidFill>
+                        <a:effectLst/>
+                        <a:latin typeface="Century Gothic" panose="020B0502020202020204" pitchFamily="34" charset="0"/>
+                      </a:endParaRPr>
+                    </a:p>
+                  </a:txBody>
+                  <a:tcPr marL="6243" marR="6243" marT="6243" marB="0" anchor="ctr"/>
+                </a:tc>
+                <a:tc>
+                  <a:txBody>
+                    <a:bodyPr/>
+                    <a:lstStyle/>
+                    <a:p>
+                      <a:pPr algn="ctr" rtl="0" fontAlgn="ctr"/>
+                      <a:r>
+                        <a:rPr lang="es-EC" sz="1100" u="none" strike="noStrike">
+                          <a:effectLst/>
+                        </a:rPr>
+                        <a:t>35</a:t>
+                      </a:r>
+                      <a:endParaRPr lang="es-EC" sz="1100" b="0" i="0" u="none" strike="noStrike">
+                        <a:solidFill>
+                          <a:srgbClr val="000000"/>
+                        </a:solidFill>
+                        <a:effectLst/>
+                        <a:latin typeface="Century Gothic" panose="020B0502020202020204" pitchFamily="34" charset="0"/>
+                      </a:endParaRPr>
+                    </a:p>
+                  </a:txBody>
+                  <a:tcPr marL="6243" marR="6243" marT="6243" marB="0" anchor="ctr"/>
+                </a:tc>
+                <a:tc>
+                  <a:txBody>
+                    <a:bodyPr/>
+                    <a:lstStyle/>
+                    <a:p>
+                      <a:pPr algn="ctr" rtl="0" fontAlgn="ctr"/>
+                      <a:r>
+                        <a:rPr lang="es-EC" sz="1100" u="none" strike="noStrike">
+                          <a:effectLst/>
+                        </a:rPr>
+                        <a:t>20</a:t>
+                      </a:r>
+                      <a:endParaRPr lang="es-EC" sz="1100" b="0" i="0" u="none" strike="noStrike">
+                        <a:solidFill>
+                          <a:srgbClr val="000000"/>
+                        </a:solidFill>
+                        <a:effectLst/>
+                        <a:latin typeface="Century Gothic" panose="020B0502020202020204" pitchFamily="34" charset="0"/>
+                      </a:endParaRPr>
+                    </a:p>
+                  </a:txBody>
+                  <a:tcPr marL="6243" marR="6243" marT="6243" marB="0" anchor="ctr"/>
+                </a:tc>
+                <a:tc>
+                  <a:txBody>
+                    <a:bodyPr/>
+                    <a:lstStyle/>
+                    <a:p>
+                      <a:pPr algn="ctr" rtl="0" fontAlgn="ctr"/>
+                      <a:r>
+                        <a:rPr lang="es-EC" sz="1100" u="none" strike="noStrike">
+                          <a:effectLst/>
+                        </a:rPr>
+                        <a:t>5</a:t>
+                      </a:r>
+                      <a:endParaRPr lang="es-EC" sz="1100" b="0" i="0" u="none" strike="noStrike">
+                        <a:solidFill>
+                          <a:srgbClr val="000000"/>
+                        </a:solidFill>
+                        <a:effectLst/>
+                        <a:latin typeface="Century Gothic" panose="020B0502020202020204" pitchFamily="34" charset="0"/>
+                      </a:endParaRPr>
+                    </a:p>
+                  </a:txBody>
+                  <a:tcPr marL="6243" marR="6243" marT="6243" marB="0" anchor="ctr"/>
+                </a:tc>
+                <a:tc>
+                  <a:txBody>
+                    <a:bodyPr/>
+                    <a:lstStyle/>
+                    <a:p>
+                      <a:pPr algn="ctr" rtl="0" fontAlgn="ctr"/>
+                      <a:r>
+                        <a:rPr lang="es-EC" sz="1100" u="none" strike="noStrike">
+                          <a:effectLst/>
+                        </a:rPr>
+                        <a:t>583</a:t>
+                      </a:r>
+                      <a:endParaRPr lang="es-EC" sz="1100" b="0" i="0" u="none" strike="noStrike">
+                        <a:solidFill>
+                          <a:srgbClr val="000000"/>
+                        </a:solidFill>
+                        <a:effectLst/>
+                        <a:latin typeface="Century Gothic" panose="020B0502020202020204" pitchFamily="34" charset="0"/>
+                      </a:endParaRPr>
+                    </a:p>
+                  </a:txBody>
+                  <a:tcPr marL="6243" marR="6243" marT="6243" marB="0" anchor="ctr"/>
+                </a:tc>
+              </a:tr>
+              <a:tr h="374282">
+                <a:tc>
+                  <a:txBody>
+                    <a:bodyPr/>
+                    <a:lstStyle/>
+                    <a:p>
+                      <a:pPr algn="ctr" rtl="0" fontAlgn="ctr"/>
+                      <a:r>
+                        <a:rPr lang="es-EC" sz="1100" u="none" strike="noStrike">
+                          <a:effectLst/>
+                        </a:rPr>
+                        <a:t>N</a:t>
+                      </a:r>
+                      <a:endParaRPr lang="es-EC" sz="1100" b="1" i="0" u="none" strike="noStrike">
+                        <a:solidFill>
+                          <a:srgbClr val="FFFFFF"/>
+                        </a:solidFill>
+                        <a:effectLst/>
+                        <a:latin typeface="Century Gothic" panose="020B0502020202020204" pitchFamily="34" charset="0"/>
+                      </a:endParaRPr>
+                    </a:p>
+                  </a:txBody>
+                  <a:tcPr marL="6243" marR="6243" marT="6243" marB="0" anchor="ctr"/>
+                </a:tc>
+                <a:tc>
+                  <a:txBody>
+                    <a:bodyPr/>
+                    <a:lstStyle/>
+                    <a:p>
+                      <a:pPr algn="l" rtl="0" fontAlgn="ctr"/>
+                      <a:r>
+                        <a:rPr lang="es-ES" sz="1100" u="none" strike="noStrike">
+                          <a:effectLst/>
+                        </a:rPr>
+                        <a:t>Actividades de servicios administrativos y de apoyo</a:t>
+                      </a:r>
+                      <a:endParaRPr lang="es-ES" sz="1100" b="0" i="0" u="none" strike="noStrike">
+                        <a:solidFill>
+                          <a:srgbClr val="000000"/>
+                        </a:solidFill>
+                        <a:effectLst/>
+                        <a:latin typeface="Century Gothic" panose="020B0502020202020204" pitchFamily="34" charset="0"/>
+                      </a:endParaRPr>
+                    </a:p>
+                  </a:txBody>
+                  <a:tcPr marL="6243" marR="6243" marT="6243" marB="0" anchor="ctr"/>
+                </a:tc>
+                <a:tc>
+                  <a:txBody>
+                    <a:bodyPr/>
+                    <a:lstStyle/>
+                    <a:p>
+                      <a:pPr algn="ctr" rtl="0" fontAlgn="ctr"/>
+                      <a:r>
+                        <a:rPr lang="es-EC" sz="1100" u="none" strike="noStrike">
+                          <a:effectLst/>
+                        </a:rPr>
+                        <a:t>219</a:t>
+                      </a:r>
+                      <a:endParaRPr lang="es-EC" sz="1100" b="0" i="0" u="none" strike="noStrike">
+                        <a:solidFill>
+                          <a:srgbClr val="000000"/>
+                        </a:solidFill>
+                        <a:effectLst/>
+                        <a:latin typeface="Century Gothic" panose="020B0502020202020204" pitchFamily="34" charset="0"/>
+                      </a:endParaRPr>
+                    </a:p>
+                  </a:txBody>
+                  <a:tcPr marL="6243" marR="6243" marT="6243" marB="0" anchor="ctr"/>
+                </a:tc>
+                <a:tc>
+                  <a:txBody>
+                    <a:bodyPr/>
+                    <a:lstStyle/>
+                    <a:p>
+                      <a:pPr algn="ctr" rtl="0" fontAlgn="ctr"/>
+                      <a:r>
+                        <a:rPr lang="es-EC" sz="1100" u="none" strike="noStrike">
+                          <a:effectLst/>
+                        </a:rPr>
                         <a:t>31</a:t>
                       </a:r>
                       <a:endParaRPr lang="es-EC" sz="1100" b="0" i="0" u="none" strike="noStrike">
@@ -6260,7 +7505,7 @@
                         <a:rPr lang="es-EC" sz="1100" u="none" strike="noStrike">
                           <a:effectLst/>
                         </a:rPr>
-                        <a:t>3</a:t>
+                        <a:t>20</a:t>
                       </a:r>
                       <a:endParaRPr lang="es-EC" sz="1100" b="0" i="0" u="none" strike="noStrike">
                         <a:solidFill>
@@ -6283,7 +7528,7 @@
                         <a:rPr lang="es-EC" sz="1100" u="none" strike="noStrike">
                           <a:effectLst/>
                         </a:rPr>
-                        <a:t>3</a:t>
+                        <a:t>17</a:t>
                       </a:r>
                       <a:endParaRPr lang="es-EC" sz="1100" b="0" i="0" u="none" strike="noStrike">
                         <a:solidFill>
@@ -6306,6 +7551,146 @@
                         <a:rPr lang="es-EC" sz="1100" u="none" strike="noStrike">
                           <a:effectLst/>
                         </a:rPr>
+                        <a:t>287</a:t>
+                      </a:r>
+                      <a:endParaRPr lang="es-EC" sz="1100" b="0" i="0" u="none" strike="noStrike">
+                        <a:solidFill>
+                          <a:srgbClr val="000000"/>
+                        </a:solidFill>
+                        <a:effectLst/>
+                        <a:latin typeface="Century Gothic" panose="020B0502020202020204" pitchFamily="34" charset="0"/>
+                      </a:endParaRPr>
+                    </a:p>
+                  </a:txBody>
+                  <a:tcPr marL="6243" marR="6243" marT="6243" marB="0" anchor="ctr"/>
+                </a:tc>
+              </a:tr>
+              <a:tr h="196991">
+                <a:tc>
+                  <a:txBody>
+                    <a:bodyPr/>
+                    <a:lstStyle/>
+                    <a:p>
+                      <a:pPr algn="ctr" rtl="0" fontAlgn="ctr"/>
+                      <a:r>
+                        <a:rPr lang="es-EC" sz="1100" u="none" strike="noStrike">
+                          <a:effectLst/>
+                        </a:rPr>
+                        <a:t>P</a:t>
+                      </a:r>
+                      <a:endParaRPr lang="es-EC" sz="1100" b="1" i="0" u="none" strike="noStrike">
+                        <a:solidFill>
+                          <a:srgbClr val="FFFFFF"/>
+                        </a:solidFill>
+                        <a:effectLst/>
+                        <a:latin typeface="Century Gothic" panose="020B0502020202020204" pitchFamily="34" charset="0"/>
+                      </a:endParaRPr>
+                    </a:p>
+                  </a:txBody>
+                  <a:tcPr marL="6243" marR="6243" marT="6243" marB="0" anchor="ctr"/>
+                </a:tc>
+                <a:tc>
+                  <a:txBody>
+                    <a:bodyPr/>
+                    <a:lstStyle/>
+                    <a:p>
+                      <a:pPr algn="l" rtl="0" fontAlgn="ctr"/>
+                      <a:r>
+                        <a:rPr lang="es-EC" sz="1100" u="none" strike="noStrike">
+                          <a:effectLst/>
+                        </a:rPr>
+                        <a:t>Enseñanza</a:t>
+                      </a:r>
+                      <a:endParaRPr lang="es-EC" sz="1100" b="0" i="0" u="none" strike="noStrike">
+                        <a:solidFill>
+                          <a:srgbClr val="000000"/>
+                        </a:solidFill>
+                        <a:effectLst/>
+                        <a:latin typeface="Century Gothic" panose="020B0502020202020204" pitchFamily="34" charset="0"/>
+                      </a:endParaRPr>
+                    </a:p>
+                  </a:txBody>
+                  <a:tcPr marL="6243" marR="6243" marT="6243" marB="0" anchor="ctr"/>
+                </a:tc>
+                <a:tc>
+                  <a:txBody>
+                    <a:bodyPr/>
+                    <a:lstStyle/>
+                    <a:p>
+                      <a:pPr algn="ctr" rtl="0" fontAlgn="ctr"/>
+                      <a:r>
+                        <a:rPr lang="es-EC" sz="1100" u="none" strike="noStrike">
+                          <a:effectLst/>
+                        </a:rPr>
+                        <a:t>45</a:t>
+                      </a:r>
+                      <a:endParaRPr lang="es-EC" sz="1100" b="0" i="0" u="none" strike="noStrike">
+                        <a:solidFill>
+                          <a:srgbClr val="000000"/>
+                        </a:solidFill>
+                        <a:effectLst/>
+                        <a:latin typeface="Century Gothic" panose="020B0502020202020204" pitchFamily="34" charset="0"/>
+                      </a:endParaRPr>
+                    </a:p>
+                  </a:txBody>
+                  <a:tcPr marL="6243" marR="6243" marT="6243" marB="0" anchor="ctr"/>
+                </a:tc>
+                <a:tc>
+                  <a:txBody>
+                    <a:bodyPr/>
+                    <a:lstStyle/>
+                    <a:p>
+                      <a:pPr algn="ctr" rtl="0" fontAlgn="ctr"/>
+                      <a:r>
+                        <a:rPr lang="es-EC" sz="1100" u="none" strike="noStrike">
+                          <a:effectLst/>
+                        </a:rPr>
+                        <a:t>13</a:t>
+                      </a:r>
+                      <a:endParaRPr lang="es-EC" sz="1100" b="0" i="0" u="none" strike="noStrike">
+                        <a:solidFill>
+                          <a:srgbClr val="000000"/>
+                        </a:solidFill>
+                        <a:effectLst/>
+                        <a:latin typeface="Century Gothic" panose="020B0502020202020204" pitchFamily="34" charset="0"/>
+                      </a:endParaRPr>
+                    </a:p>
+                  </a:txBody>
+                  <a:tcPr marL="6243" marR="6243" marT="6243" marB="0" anchor="ctr"/>
+                </a:tc>
+                <a:tc>
+                  <a:txBody>
+                    <a:bodyPr/>
+                    <a:lstStyle/>
+                    <a:p>
+                      <a:pPr algn="ctr" rtl="0" fontAlgn="ctr"/>
+                      <a:r>
+                        <a:rPr lang="es-EC" sz="1100" u="none" strike="noStrike">
+                          <a:effectLst/>
+                        </a:rPr>
+                        <a:t>7</a:t>
+                      </a:r>
+                      <a:endParaRPr lang="es-EC" sz="1100" b="0" i="0" u="none" strike="noStrike">
+                        <a:solidFill>
+                          <a:srgbClr val="000000"/>
+                        </a:solidFill>
+                        <a:effectLst/>
+                        <a:latin typeface="Century Gothic" panose="020B0502020202020204" pitchFamily="34" charset="0"/>
+                      </a:endParaRPr>
+                    </a:p>
+                  </a:txBody>
+                  <a:tcPr marL="6243" marR="6243" marT="6243" marB="0" anchor="ctr"/>
+                </a:tc>
+                <a:tc>
+                  <a:txBody>
+                    <a:bodyPr/>
+                    <a:lstStyle/>
+                    <a:p>
+                      <a:pPr algn="ctr" rtl="0" fontAlgn="ctr"/>
+                      <a:r>
+                        <a:rPr lang="es-EC" sz="1100" u="none" strike="noStrike">
+                          <a:effectLst/>
+                        </a:rPr>
                         <a:t>2</a:t>
                       </a:r>
                       <a:endParaRPr lang="es-EC" sz="1100" b="0" i="0" u="none" strike="noStrike">
@@ -6329,7 +7714,7 @@
                         <a:rPr lang="es-EC" sz="1100" u="none" strike="noStrike">
                           <a:effectLst/>
                         </a:rPr>
-                        <a:t>39</a:t>
+                        <a:t>67</a:t>
                       </a:r>
                       <a:endParaRPr lang="es-EC" sz="1100" b="0" i="0" u="none" strike="noStrike">
                         <a:solidFill>
@@ -6343,1474 +7728,7 @@
                   <a:tcPr marL="6243" marR="6243" marT="6243" marB="0" anchor="ctr"/>
                 </a:tc>
               </a:tr>
-              <a:tr h="355848">
-                <a:tc>
-                  <a:txBody>
-                    <a:bodyPr/>
-                    <a:lstStyle/>
-                    <a:p>
-                      <a:pPr algn="ctr" rtl="0" fontAlgn="ctr"/>
-                      <a:r>
-                        <a:rPr lang="es-EC" sz="1100" u="none" strike="noStrike">
-                          <a:effectLst/>
-                        </a:rPr>
-                        <a:t>G</a:t>
-                      </a:r>
-                      <a:endParaRPr lang="es-EC" sz="1100" b="1" i="0" u="none" strike="noStrike">
-                        <a:solidFill>
-                          <a:srgbClr val="FFFFFF"/>
-                        </a:solidFill>
-                        <a:effectLst/>
-                        <a:latin typeface="Century Gothic" panose="020B0502020202020204" pitchFamily="34" charset="0"/>
-                      </a:endParaRPr>
-                    </a:p>
-                  </a:txBody>
-                  <a:tcPr marL="6243" marR="6243" marT="6243" marB="0" anchor="ctr"/>
-                </a:tc>
-                <a:tc>
-                  <a:txBody>
-                    <a:bodyPr/>
-                    <a:lstStyle/>
-                    <a:p>
-                      <a:pPr algn="l" rtl="0" fontAlgn="ctr"/>
-                      <a:r>
-                        <a:rPr lang="es-ES" sz="1100" u="none" strike="noStrike" dirty="0">
-                          <a:effectLst/>
-                        </a:rPr>
-                        <a:t>Comercio, reparación automotores y motocicletas</a:t>
-                      </a:r>
-                      <a:endParaRPr lang="es-ES" sz="1100" b="0" i="0" u="none" strike="noStrike" dirty="0">
-                        <a:solidFill>
-                          <a:srgbClr val="000000"/>
-                        </a:solidFill>
-                        <a:effectLst/>
-                        <a:latin typeface="Century Gothic" panose="020B0502020202020204" pitchFamily="34" charset="0"/>
-                      </a:endParaRPr>
-                    </a:p>
-                  </a:txBody>
-                  <a:tcPr marL="6243" marR="6243" marT="6243" marB="0" anchor="ctr"/>
-                </a:tc>
-                <a:tc>
-                  <a:txBody>
-                    <a:bodyPr/>
-                    <a:lstStyle/>
-                    <a:p>
-                      <a:pPr algn="ctr" rtl="0" fontAlgn="ctr"/>
-                      <a:r>
-                        <a:rPr lang="es-EC" sz="1100" u="none" strike="noStrike">
-                          <a:effectLst/>
-                        </a:rPr>
-                        <a:t>12</a:t>
-                      </a:r>
-                      <a:endParaRPr lang="es-EC" sz="1100" b="0" i="0" u="none" strike="noStrike">
-                        <a:solidFill>
-                          <a:srgbClr val="000000"/>
-                        </a:solidFill>
-                        <a:effectLst/>
-                        <a:latin typeface="Century Gothic" panose="020B0502020202020204" pitchFamily="34" charset="0"/>
-                      </a:endParaRPr>
-                    </a:p>
-                  </a:txBody>
-                  <a:tcPr marL="6243" marR="6243" marT="6243" marB="0" anchor="ctr"/>
-                </a:tc>
-                <a:tc>
-                  <a:txBody>
-                    <a:bodyPr/>
-                    <a:lstStyle/>
-                    <a:p>
-                      <a:pPr algn="ctr" rtl="0" fontAlgn="ctr"/>
-                      <a:r>
-                        <a:rPr lang="es-EC" sz="1100" u="none" strike="noStrike">
-                          <a:effectLst/>
-                        </a:rPr>
-                        <a:t>1</a:t>
-                      </a:r>
-                      <a:endParaRPr lang="es-EC" sz="1100" b="0" i="0" u="none" strike="noStrike">
-                        <a:solidFill>
-                          <a:srgbClr val="000000"/>
-                        </a:solidFill>
-                        <a:effectLst/>
-                        <a:latin typeface="Century Gothic" panose="020B0502020202020204" pitchFamily="34" charset="0"/>
-                      </a:endParaRPr>
-                    </a:p>
-                  </a:txBody>
-                  <a:tcPr marL="6243" marR="6243" marT="6243" marB="0" anchor="ctr"/>
-                </a:tc>
-                <a:tc>
-                  <a:txBody>
-                    <a:bodyPr/>
-                    <a:lstStyle/>
-                    <a:p>
-                      <a:pPr algn="ctr" rtl="0" fontAlgn="ctr"/>
-                      <a:r>
-                        <a:rPr lang="es-EC" sz="1100" u="none" strike="noStrike">
-                          <a:effectLst/>
-                        </a:rPr>
-                        <a:t>-</a:t>
-                      </a:r>
-                      <a:endParaRPr lang="es-EC" sz="1100" b="0" i="0" u="none" strike="noStrike">
-                        <a:solidFill>
-                          <a:srgbClr val="000000"/>
-                        </a:solidFill>
-                        <a:effectLst/>
-                        <a:latin typeface="Century Gothic" panose="020B0502020202020204" pitchFamily="34" charset="0"/>
-                      </a:endParaRPr>
-                    </a:p>
-                  </a:txBody>
-                  <a:tcPr marL="6243" marR="6243" marT="6243" marB="0" anchor="ctr"/>
-                </a:tc>
-                <a:tc>
-                  <a:txBody>
-                    <a:bodyPr/>
-                    <a:lstStyle/>
-                    <a:p>
-                      <a:pPr algn="ctr" rtl="0" fontAlgn="ctr"/>
-                      <a:r>
-                        <a:rPr lang="es-EC" sz="1100" u="none" strike="noStrike">
-                          <a:effectLst/>
-                        </a:rPr>
-                        <a:t>-</a:t>
-                      </a:r>
-                      <a:endParaRPr lang="es-EC" sz="1100" b="0" i="0" u="none" strike="noStrike">
-                        <a:solidFill>
-                          <a:srgbClr val="000000"/>
-                        </a:solidFill>
-                        <a:effectLst/>
-                        <a:latin typeface="Century Gothic" panose="020B0502020202020204" pitchFamily="34" charset="0"/>
-                      </a:endParaRPr>
-                    </a:p>
-                  </a:txBody>
-                  <a:tcPr marL="6243" marR="6243" marT="6243" marB="0" anchor="ctr"/>
-                </a:tc>
-                <a:tc>
-                  <a:txBody>
-                    <a:bodyPr/>
-                    <a:lstStyle/>
-                    <a:p>
-                      <a:pPr algn="ctr" rtl="0" fontAlgn="ctr"/>
-                      <a:r>
-                        <a:rPr lang="es-EC" sz="1100" u="none" strike="noStrike">
-                          <a:effectLst/>
-                        </a:rPr>
-                        <a:t>13</a:t>
-                      </a:r>
-                      <a:endParaRPr lang="es-EC" sz="1100" b="0" i="0" u="none" strike="noStrike">
-                        <a:solidFill>
-                          <a:srgbClr val="000000"/>
-                        </a:solidFill>
-                        <a:effectLst/>
-                        <a:latin typeface="Century Gothic" panose="020B0502020202020204" pitchFamily="34" charset="0"/>
-                      </a:endParaRPr>
-                    </a:p>
-                  </a:txBody>
-                  <a:tcPr marL="6243" marR="6243" marT="6243" marB="0" anchor="ctr"/>
-                </a:tc>
-              </a:tr>
-              <a:tr h="187289">
-                <a:tc>
-                  <a:txBody>
-                    <a:bodyPr/>
-                    <a:lstStyle/>
-                    <a:p>
-                      <a:pPr algn="ctr" rtl="0" fontAlgn="ctr"/>
-                      <a:r>
-                        <a:rPr lang="es-EC" sz="1100" u="none" strike="noStrike">
-                          <a:effectLst/>
-                        </a:rPr>
-                        <a:t>H</a:t>
-                      </a:r>
-                      <a:endParaRPr lang="es-EC" sz="1100" b="1" i="0" u="none" strike="noStrike">
-                        <a:solidFill>
-                          <a:srgbClr val="FFFFFF"/>
-                        </a:solidFill>
-                        <a:effectLst/>
-                        <a:latin typeface="Century Gothic" panose="020B0502020202020204" pitchFamily="34" charset="0"/>
-                      </a:endParaRPr>
-                    </a:p>
-                  </a:txBody>
-                  <a:tcPr marL="6243" marR="6243" marT="6243" marB="0" anchor="ctr"/>
-                </a:tc>
-                <a:tc>
-                  <a:txBody>
-                    <a:bodyPr/>
-                    <a:lstStyle/>
-                    <a:p>
-                      <a:pPr algn="l" rtl="0" fontAlgn="ctr"/>
-                      <a:r>
-                        <a:rPr lang="es-EC" sz="1100" u="none" strike="noStrike">
-                          <a:effectLst/>
-                        </a:rPr>
-                        <a:t>Transporte y almacenamiento</a:t>
-                      </a:r>
-                      <a:endParaRPr lang="es-EC" sz="1100" b="0" i="0" u="none" strike="noStrike">
-                        <a:solidFill>
-                          <a:srgbClr val="000000"/>
-                        </a:solidFill>
-                        <a:effectLst/>
-                        <a:latin typeface="Century Gothic" panose="020B0502020202020204" pitchFamily="34" charset="0"/>
-                      </a:endParaRPr>
-                    </a:p>
-                  </a:txBody>
-                  <a:tcPr marL="6243" marR="6243" marT="6243" marB="0" anchor="ctr"/>
-                </a:tc>
-                <a:tc>
-                  <a:txBody>
-                    <a:bodyPr/>
-                    <a:lstStyle/>
-                    <a:p>
-                      <a:pPr algn="ctr" rtl="0" fontAlgn="ctr"/>
-                      <a:r>
-                        <a:rPr lang="es-EC" sz="1100" u="none" strike="noStrike">
-                          <a:effectLst/>
-                        </a:rPr>
-                        <a:t>113</a:t>
-                      </a:r>
-                      <a:endParaRPr lang="es-EC" sz="1100" b="0" i="0" u="none" strike="noStrike">
-                        <a:solidFill>
-                          <a:srgbClr val="000000"/>
-                        </a:solidFill>
-                        <a:effectLst/>
-                        <a:latin typeface="Century Gothic" panose="020B0502020202020204" pitchFamily="34" charset="0"/>
-                      </a:endParaRPr>
-                    </a:p>
-                  </a:txBody>
-                  <a:tcPr marL="6243" marR="6243" marT="6243" marB="0" anchor="ctr"/>
-                </a:tc>
-                <a:tc>
-                  <a:txBody>
-                    <a:bodyPr/>
-                    <a:lstStyle/>
-                    <a:p>
-                      <a:pPr algn="ctr" rtl="0" fontAlgn="ctr"/>
-                      <a:r>
-                        <a:rPr lang="es-EC" sz="1100" u="none" strike="noStrike">
-                          <a:effectLst/>
-                        </a:rPr>
-                        <a:t>22</a:t>
-                      </a:r>
-                      <a:endParaRPr lang="es-EC" sz="1100" b="0" i="0" u="none" strike="noStrike">
-                        <a:solidFill>
-                          <a:srgbClr val="000000"/>
-                        </a:solidFill>
-                        <a:effectLst/>
-                        <a:latin typeface="Century Gothic" panose="020B0502020202020204" pitchFamily="34" charset="0"/>
-                      </a:endParaRPr>
-                    </a:p>
-                  </a:txBody>
-                  <a:tcPr marL="6243" marR="6243" marT="6243" marB="0" anchor="ctr"/>
-                </a:tc>
-                <a:tc>
-                  <a:txBody>
-                    <a:bodyPr/>
-                    <a:lstStyle/>
-                    <a:p>
-                      <a:pPr algn="ctr" rtl="0" fontAlgn="ctr"/>
-                      <a:r>
-                        <a:rPr lang="es-EC" sz="1100" u="none" strike="noStrike">
-                          <a:effectLst/>
-                        </a:rPr>
-                        <a:t>12</a:t>
-                      </a:r>
-                      <a:endParaRPr lang="es-EC" sz="1100" b="0" i="0" u="none" strike="noStrike">
-                        <a:solidFill>
-                          <a:srgbClr val="000000"/>
-                        </a:solidFill>
-                        <a:effectLst/>
-                        <a:latin typeface="Century Gothic" panose="020B0502020202020204" pitchFamily="34" charset="0"/>
-                      </a:endParaRPr>
-                    </a:p>
-                  </a:txBody>
-                  <a:tcPr marL="6243" marR="6243" marT="6243" marB="0" anchor="ctr"/>
-                </a:tc>
-                <a:tc>
-                  <a:txBody>
-                    <a:bodyPr/>
-                    <a:lstStyle/>
-                    <a:p>
-                      <a:pPr algn="ctr" rtl="0" fontAlgn="ctr"/>
-                      <a:r>
-                        <a:rPr lang="es-EC" sz="1100" u="none" strike="noStrike">
-                          <a:effectLst/>
-                        </a:rPr>
-                        <a:t>16</a:t>
-                      </a:r>
-                      <a:endParaRPr lang="es-EC" sz="1100" b="0" i="0" u="none" strike="noStrike">
-                        <a:solidFill>
-                          <a:srgbClr val="000000"/>
-                        </a:solidFill>
-                        <a:effectLst/>
-                        <a:latin typeface="Century Gothic" panose="020B0502020202020204" pitchFamily="34" charset="0"/>
-                      </a:endParaRPr>
-                    </a:p>
-                  </a:txBody>
-                  <a:tcPr marL="6243" marR="6243" marT="6243" marB="0" anchor="ctr"/>
-                </a:tc>
-                <a:tc>
-                  <a:txBody>
-                    <a:bodyPr/>
-                    <a:lstStyle/>
-                    <a:p>
-                      <a:pPr algn="ctr" rtl="0" fontAlgn="ctr"/>
-                      <a:r>
-                        <a:rPr lang="es-EC" sz="1100" u="none" strike="noStrike">
-                          <a:effectLst/>
-                        </a:rPr>
-                        <a:t>163</a:t>
-                      </a:r>
-                      <a:endParaRPr lang="es-EC" sz="1100" b="0" i="0" u="none" strike="noStrike">
-                        <a:solidFill>
-                          <a:srgbClr val="000000"/>
-                        </a:solidFill>
-                        <a:effectLst/>
-                        <a:latin typeface="Century Gothic" panose="020B0502020202020204" pitchFamily="34" charset="0"/>
-                      </a:endParaRPr>
-                    </a:p>
-                  </a:txBody>
-                  <a:tcPr marL="6243" marR="6243" marT="6243" marB="0" anchor="ctr"/>
-                </a:tc>
-              </a:tr>
-              <a:tr h="355848">
-                <a:tc>
-                  <a:txBody>
-                    <a:bodyPr/>
-                    <a:lstStyle/>
-                    <a:p>
-                      <a:pPr algn="ctr" rtl="0" fontAlgn="ctr"/>
-                      <a:r>
-                        <a:rPr lang="es-EC" sz="1100" u="none" strike="noStrike">
-                          <a:effectLst/>
-                        </a:rPr>
-                        <a:t>I</a:t>
-                      </a:r>
-                      <a:endParaRPr lang="es-EC" sz="1100" b="1" i="0" u="none" strike="noStrike">
-                        <a:solidFill>
-                          <a:srgbClr val="FFFFFF"/>
-                        </a:solidFill>
-                        <a:effectLst/>
-                        <a:latin typeface="Century Gothic" panose="020B0502020202020204" pitchFamily="34" charset="0"/>
-                      </a:endParaRPr>
-                    </a:p>
-                  </a:txBody>
-                  <a:tcPr marL="6243" marR="6243" marT="6243" marB="0" anchor="ctr"/>
-                </a:tc>
-                <a:tc>
-                  <a:txBody>
-                    <a:bodyPr/>
-                    <a:lstStyle/>
-                    <a:p>
-                      <a:pPr algn="l" rtl="0" fontAlgn="ctr"/>
-                      <a:r>
-                        <a:rPr lang="es-ES" sz="1100" u="none" strike="noStrike">
-                          <a:effectLst/>
-                        </a:rPr>
-                        <a:t>Actividades de alojamiento y de servicio de comidas</a:t>
-                      </a:r>
-                      <a:endParaRPr lang="es-ES" sz="1100" b="0" i="0" u="none" strike="noStrike">
-                        <a:solidFill>
-                          <a:srgbClr val="000000"/>
-                        </a:solidFill>
-                        <a:effectLst/>
-                        <a:latin typeface="Century Gothic" panose="020B0502020202020204" pitchFamily="34" charset="0"/>
-                      </a:endParaRPr>
-                    </a:p>
-                  </a:txBody>
-                  <a:tcPr marL="6243" marR="6243" marT="6243" marB="0" anchor="ctr"/>
-                </a:tc>
-                <a:tc>
-                  <a:txBody>
-                    <a:bodyPr/>
-                    <a:lstStyle/>
-                    <a:p>
-                      <a:pPr algn="ctr" rtl="0" fontAlgn="ctr"/>
-                      <a:r>
-                        <a:rPr lang="es-EC" sz="1100" u="none" strike="noStrike">
-                          <a:effectLst/>
-                        </a:rPr>
-                        <a:t>77</a:t>
-                      </a:r>
-                      <a:endParaRPr lang="es-EC" sz="1100" b="0" i="0" u="none" strike="noStrike">
-                        <a:solidFill>
-                          <a:srgbClr val="000000"/>
-                        </a:solidFill>
-                        <a:effectLst/>
-                        <a:latin typeface="Century Gothic" panose="020B0502020202020204" pitchFamily="34" charset="0"/>
-                      </a:endParaRPr>
-                    </a:p>
-                  </a:txBody>
-                  <a:tcPr marL="6243" marR="6243" marT="6243" marB="0" anchor="ctr"/>
-                </a:tc>
-                <a:tc>
-                  <a:txBody>
-                    <a:bodyPr/>
-                    <a:lstStyle/>
-                    <a:p>
-                      <a:pPr algn="ctr" rtl="0" fontAlgn="ctr"/>
-                      <a:r>
-                        <a:rPr lang="es-EC" sz="1100" u="none" strike="noStrike">
-                          <a:effectLst/>
-                        </a:rPr>
-                        <a:t>4</a:t>
-                      </a:r>
-                      <a:endParaRPr lang="es-EC" sz="1100" b="0" i="0" u="none" strike="noStrike">
-                        <a:solidFill>
-                          <a:srgbClr val="000000"/>
-                        </a:solidFill>
-                        <a:effectLst/>
-                        <a:latin typeface="Century Gothic" panose="020B0502020202020204" pitchFamily="34" charset="0"/>
-                      </a:endParaRPr>
-                    </a:p>
-                  </a:txBody>
-                  <a:tcPr marL="6243" marR="6243" marT="6243" marB="0" anchor="ctr"/>
-                </a:tc>
-                <a:tc>
-                  <a:txBody>
-                    <a:bodyPr/>
-                    <a:lstStyle/>
-                    <a:p>
-                      <a:pPr algn="ctr" rtl="0" fontAlgn="ctr"/>
-                      <a:r>
-                        <a:rPr lang="es-EC" sz="1100" u="none" strike="noStrike">
-                          <a:effectLst/>
-                        </a:rPr>
-                        <a:t>3</a:t>
-                      </a:r>
-                      <a:endParaRPr lang="es-EC" sz="1100" b="0" i="0" u="none" strike="noStrike">
-                        <a:solidFill>
-                          <a:srgbClr val="000000"/>
-                        </a:solidFill>
-                        <a:effectLst/>
-                        <a:latin typeface="Century Gothic" panose="020B0502020202020204" pitchFamily="34" charset="0"/>
-                      </a:endParaRPr>
-                    </a:p>
-                  </a:txBody>
-                  <a:tcPr marL="6243" marR="6243" marT="6243" marB="0" anchor="ctr"/>
-                </a:tc>
-                <a:tc>
-                  <a:txBody>
-                    <a:bodyPr/>
-                    <a:lstStyle/>
-                    <a:p>
-                      <a:pPr algn="ctr" rtl="0" fontAlgn="ctr"/>
-                      <a:r>
-                        <a:rPr lang="es-EC" sz="1100" u="none" strike="noStrike">
-                          <a:effectLst/>
-                        </a:rPr>
-                        <a:t>-</a:t>
-                      </a:r>
-                      <a:endParaRPr lang="es-EC" sz="1100" b="0" i="0" u="none" strike="noStrike">
-                        <a:solidFill>
-                          <a:srgbClr val="000000"/>
-                        </a:solidFill>
-                        <a:effectLst/>
-                        <a:latin typeface="Century Gothic" panose="020B0502020202020204" pitchFamily="34" charset="0"/>
-                      </a:endParaRPr>
-                    </a:p>
-                  </a:txBody>
-                  <a:tcPr marL="6243" marR="6243" marT="6243" marB="0" anchor="ctr"/>
-                </a:tc>
-                <a:tc>
-                  <a:txBody>
-                    <a:bodyPr/>
-                    <a:lstStyle/>
-                    <a:p>
-                      <a:pPr algn="ctr" rtl="0" fontAlgn="ctr"/>
-                      <a:r>
-                        <a:rPr lang="es-EC" sz="1100" u="none" strike="noStrike">
-                          <a:effectLst/>
-                        </a:rPr>
-                        <a:t>84</a:t>
-                      </a:r>
-                      <a:endParaRPr lang="es-EC" sz="1100" b="0" i="0" u="none" strike="noStrike">
-                        <a:solidFill>
-                          <a:srgbClr val="000000"/>
-                        </a:solidFill>
-                        <a:effectLst/>
-                        <a:latin typeface="Century Gothic" panose="020B0502020202020204" pitchFamily="34" charset="0"/>
-                      </a:endParaRPr>
-                    </a:p>
-                  </a:txBody>
-                  <a:tcPr marL="6243" marR="6243" marT="6243" marB="0" anchor="ctr"/>
-                </a:tc>
-              </a:tr>
-              <a:tr h="187289">
-                <a:tc>
-                  <a:txBody>
-                    <a:bodyPr/>
-                    <a:lstStyle/>
-                    <a:p>
-                      <a:pPr algn="ctr" rtl="0" fontAlgn="ctr"/>
-                      <a:r>
-                        <a:rPr lang="es-EC" sz="1100" u="none" strike="noStrike">
-                          <a:effectLst/>
-                        </a:rPr>
-                        <a:t>J</a:t>
-                      </a:r>
-                      <a:endParaRPr lang="es-EC" sz="1100" b="1" i="0" u="none" strike="noStrike">
-                        <a:solidFill>
-                          <a:srgbClr val="FFFFFF"/>
-                        </a:solidFill>
-                        <a:effectLst/>
-                        <a:latin typeface="Century Gothic" panose="020B0502020202020204" pitchFamily="34" charset="0"/>
-                      </a:endParaRPr>
-                    </a:p>
-                  </a:txBody>
-                  <a:tcPr marL="6243" marR="6243" marT="6243" marB="0" anchor="ctr"/>
-                </a:tc>
-                <a:tc>
-                  <a:txBody>
-                    <a:bodyPr/>
-                    <a:lstStyle/>
-                    <a:p>
-                      <a:pPr algn="l" rtl="0" fontAlgn="ctr"/>
-                      <a:r>
-                        <a:rPr lang="es-EC" sz="1100" u="none" strike="noStrike">
-                          <a:effectLst/>
-                        </a:rPr>
-                        <a:t>Información y comunicación</a:t>
-                      </a:r>
-                      <a:endParaRPr lang="es-EC" sz="1100" b="0" i="0" u="none" strike="noStrike">
-                        <a:solidFill>
-                          <a:srgbClr val="000000"/>
-                        </a:solidFill>
-                        <a:effectLst/>
-                        <a:latin typeface="Century Gothic" panose="020B0502020202020204" pitchFamily="34" charset="0"/>
-                      </a:endParaRPr>
-                    </a:p>
-                  </a:txBody>
-                  <a:tcPr marL="6243" marR="6243" marT="6243" marB="0" anchor="ctr"/>
-                </a:tc>
-                <a:tc>
-                  <a:txBody>
-                    <a:bodyPr/>
-                    <a:lstStyle/>
-                    <a:p>
-                      <a:pPr algn="ctr" rtl="0" fontAlgn="ctr"/>
-                      <a:r>
-                        <a:rPr lang="es-EC" sz="1100" u="none" strike="noStrike">
-                          <a:effectLst/>
-                        </a:rPr>
-                        <a:t>87</a:t>
-                      </a:r>
-                      <a:endParaRPr lang="es-EC" sz="1100" b="0" i="0" u="none" strike="noStrike">
-                        <a:solidFill>
-                          <a:srgbClr val="000000"/>
-                        </a:solidFill>
-                        <a:effectLst/>
-                        <a:latin typeface="Century Gothic" panose="020B0502020202020204" pitchFamily="34" charset="0"/>
-                      </a:endParaRPr>
-                    </a:p>
-                  </a:txBody>
-                  <a:tcPr marL="6243" marR="6243" marT="6243" marB="0" anchor="ctr"/>
-                </a:tc>
-                <a:tc>
-                  <a:txBody>
-                    <a:bodyPr/>
-                    <a:lstStyle/>
-                    <a:p>
-                      <a:pPr algn="ctr" rtl="0" fontAlgn="ctr"/>
-                      <a:r>
-                        <a:rPr lang="es-EC" sz="1100" u="none" strike="noStrike">
-                          <a:effectLst/>
-                        </a:rPr>
-                        <a:t>10</a:t>
-                      </a:r>
-                      <a:endParaRPr lang="es-EC" sz="1100" b="0" i="0" u="none" strike="noStrike">
-                        <a:solidFill>
-                          <a:srgbClr val="000000"/>
-                        </a:solidFill>
-                        <a:effectLst/>
-                        <a:latin typeface="Century Gothic" panose="020B0502020202020204" pitchFamily="34" charset="0"/>
-                      </a:endParaRPr>
-                    </a:p>
-                  </a:txBody>
-                  <a:tcPr marL="6243" marR="6243" marT="6243" marB="0" anchor="ctr"/>
-                </a:tc>
-                <a:tc>
-                  <a:txBody>
-                    <a:bodyPr/>
-                    <a:lstStyle/>
-                    <a:p>
-                      <a:pPr algn="ctr" rtl="0" fontAlgn="ctr"/>
-                      <a:r>
-                        <a:rPr lang="es-EC" sz="1100" u="none" strike="noStrike">
-                          <a:effectLst/>
-                        </a:rPr>
-                        <a:t>8</a:t>
-                      </a:r>
-                      <a:endParaRPr lang="es-EC" sz="1100" b="0" i="0" u="none" strike="noStrike">
-                        <a:solidFill>
-                          <a:srgbClr val="000000"/>
-                        </a:solidFill>
-                        <a:effectLst/>
-                        <a:latin typeface="Century Gothic" panose="020B0502020202020204" pitchFamily="34" charset="0"/>
-                      </a:endParaRPr>
-                    </a:p>
-                  </a:txBody>
-                  <a:tcPr marL="6243" marR="6243" marT="6243" marB="0" anchor="ctr"/>
-                </a:tc>
-                <a:tc>
-                  <a:txBody>
-                    <a:bodyPr/>
-                    <a:lstStyle/>
-                    <a:p>
-                      <a:pPr algn="ctr" rtl="0" fontAlgn="ctr"/>
-                      <a:r>
-                        <a:rPr lang="es-EC" sz="1100" u="none" strike="noStrike">
-                          <a:effectLst/>
-                        </a:rPr>
-                        <a:t>7</a:t>
-                      </a:r>
-                      <a:endParaRPr lang="es-EC" sz="1100" b="0" i="0" u="none" strike="noStrike">
-                        <a:solidFill>
-                          <a:srgbClr val="000000"/>
-                        </a:solidFill>
-                        <a:effectLst/>
-                        <a:latin typeface="Century Gothic" panose="020B0502020202020204" pitchFamily="34" charset="0"/>
-                      </a:endParaRPr>
-                    </a:p>
-                  </a:txBody>
-                  <a:tcPr marL="6243" marR="6243" marT="6243" marB="0" anchor="ctr"/>
-                </a:tc>
-                <a:tc>
-                  <a:txBody>
-                    <a:bodyPr/>
-                    <a:lstStyle/>
-                    <a:p>
-                      <a:pPr algn="ctr" rtl="0" fontAlgn="ctr"/>
-                      <a:r>
-                        <a:rPr lang="es-EC" sz="1100" u="none" strike="noStrike">
-                          <a:effectLst/>
-                        </a:rPr>
-                        <a:t>112</a:t>
-                      </a:r>
-                      <a:endParaRPr lang="es-EC" sz="1100" b="0" i="0" u="none" strike="noStrike">
-                        <a:solidFill>
-                          <a:srgbClr val="000000"/>
-                        </a:solidFill>
-                        <a:effectLst/>
-                        <a:latin typeface="Century Gothic" panose="020B0502020202020204" pitchFamily="34" charset="0"/>
-                      </a:endParaRPr>
-                    </a:p>
-                  </a:txBody>
-                  <a:tcPr marL="6243" marR="6243" marT="6243" marB="0" anchor="ctr"/>
-                </a:tc>
-              </a:tr>
-              <a:tr h="355848">
-                <a:tc>
-                  <a:txBody>
-                    <a:bodyPr/>
-                    <a:lstStyle/>
-                    <a:p>
-                      <a:pPr algn="ctr" rtl="0" fontAlgn="ctr"/>
-                      <a:r>
-                        <a:rPr lang="es-EC" sz="1100" u="none" strike="noStrike">
-                          <a:effectLst/>
-                        </a:rPr>
-                        <a:t>K</a:t>
-                      </a:r>
-                      <a:endParaRPr lang="es-EC" sz="1100" b="1" i="0" u="none" strike="noStrike">
-                        <a:solidFill>
-                          <a:srgbClr val="FFFFFF"/>
-                        </a:solidFill>
-                        <a:effectLst/>
-                        <a:latin typeface="Century Gothic" panose="020B0502020202020204" pitchFamily="34" charset="0"/>
-                      </a:endParaRPr>
-                    </a:p>
-                  </a:txBody>
-                  <a:tcPr marL="6243" marR="6243" marT="6243" marB="0" anchor="ctr"/>
-                </a:tc>
-                <a:tc>
-                  <a:txBody>
-                    <a:bodyPr/>
-                    <a:lstStyle/>
-                    <a:p>
-                      <a:pPr algn="l" rtl="0" fontAlgn="ctr"/>
-                      <a:r>
-                        <a:rPr lang="es-ES" sz="1100" u="none" strike="noStrike">
-                          <a:effectLst/>
-                        </a:rPr>
-                        <a:t>Actividades financieras y de seguros</a:t>
-                      </a:r>
-                      <a:endParaRPr lang="es-ES" sz="1100" b="0" i="0" u="none" strike="noStrike">
-                        <a:solidFill>
-                          <a:srgbClr val="000000"/>
-                        </a:solidFill>
-                        <a:effectLst/>
-                        <a:latin typeface="Century Gothic" panose="020B0502020202020204" pitchFamily="34" charset="0"/>
-                      </a:endParaRPr>
-                    </a:p>
-                  </a:txBody>
-                  <a:tcPr marL="6243" marR="6243" marT="6243" marB="0" anchor="ctr"/>
-                </a:tc>
-                <a:tc>
-                  <a:txBody>
-                    <a:bodyPr/>
-                    <a:lstStyle/>
-                    <a:p>
-                      <a:pPr algn="ctr" rtl="0" fontAlgn="ctr"/>
-                      <a:r>
-                        <a:rPr lang="es-EC" sz="1100" u="none" strike="noStrike">
-                          <a:effectLst/>
-                        </a:rPr>
-                        <a:t>21</a:t>
-                      </a:r>
-                      <a:endParaRPr lang="es-EC" sz="1100" b="0" i="0" u="none" strike="noStrike">
-                        <a:solidFill>
-                          <a:srgbClr val="000000"/>
-                        </a:solidFill>
-                        <a:effectLst/>
-                        <a:latin typeface="Century Gothic" panose="020B0502020202020204" pitchFamily="34" charset="0"/>
-                      </a:endParaRPr>
-                    </a:p>
-                  </a:txBody>
-                  <a:tcPr marL="6243" marR="6243" marT="6243" marB="0" anchor="ctr"/>
-                </a:tc>
-                <a:tc>
-                  <a:txBody>
-                    <a:bodyPr/>
-                    <a:lstStyle/>
-                    <a:p>
-                      <a:pPr algn="ctr" rtl="0" fontAlgn="ctr"/>
-                      <a:r>
-                        <a:rPr lang="es-EC" sz="1100" u="none" strike="noStrike">
-                          <a:effectLst/>
-                        </a:rPr>
-                        <a:t>9</a:t>
-                      </a:r>
-                      <a:endParaRPr lang="es-EC" sz="1100" b="0" i="0" u="none" strike="noStrike">
-                        <a:solidFill>
-                          <a:srgbClr val="000000"/>
-                        </a:solidFill>
-                        <a:effectLst/>
-                        <a:latin typeface="Century Gothic" panose="020B0502020202020204" pitchFamily="34" charset="0"/>
-                      </a:endParaRPr>
-                    </a:p>
-                  </a:txBody>
-                  <a:tcPr marL="6243" marR="6243" marT="6243" marB="0" anchor="ctr"/>
-                </a:tc>
-                <a:tc>
-                  <a:txBody>
-                    <a:bodyPr/>
-                    <a:lstStyle/>
-                    <a:p>
-                      <a:pPr algn="ctr" rtl="0" fontAlgn="ctr"/>
-                      <a:r>
-                        <a:rPr lang="es-EC" sz="1100" u="none" strike="noStrike">
-                          <a:effectLst/>
-                        </a:rPr>
-                        <a:t>9</a:t>
-                      </a:r>
-                      <a:endParaRPr lang="es-EC" sz="1100" b="0" i="0" u="none" strike="noStrike">
-                        <a:solidFill>
-                          <a:srgbClr val="000000"/>
-                        </a:solidFill>
-                        <a:effectLst/>
-                        <a:latin typeface="Century Gothic" panose="020B0502020202020204" pitchFamily="34" charset="0"/>
-                      </a:endParaRPr>
-                    </a:p>
-                  </a:txBody>
-                  <a:tcPr marL="6243" marR="6243" marT="6243" marB="0" anchor="ctr"/>
-                </a:tc>
-                <a:tc>
-                  <a:txBody>
-                    <a:bodyPr/>
-                    <a:lstStyle/>
-                    <a:p>
-                      <a:pPr algn="ctr" rtl="0" fontAlgn="ctr"/>
-                      <a:r>
-                        <a:rPr lang="es-EC" sz="1100" u="none" strike="noStrike">
-                          <a:effectLst/>
-                        </a:rPr>
-                        <a:t>63</a:t>
-                      </a:r>
-                      <a:endParaRPr lang="es-EC" sz="1100" b="0" i="0" u="none" strike="noStrike">
-                        <a:solidFill>
-                          <a:srgbClr val="000000"/>
-                        </a:solidFill>
-                        <a:effectLst/>
-                        <a:latin typeface="Century Gothic" panose="020B0502020202020204" pitchFamily="34" charset="0"/>
-                      </a:endParaRPr>
-                    </a:p>
-                  </a:txBody>
-                  <a:tcPr marL="6243" marR="6243" marT="6243" marB="0" anchor="ctr"/>
-                </a:tc>
-                <a:tc>
-                  <a:txBody>
-                    <a:bodyPr/>
-                    <a:lstStyle/>
-                    <a:p>
-                      <a:pPr algn="ctr" rtl="0" fontAlgn="ctr"/>
-                      <a:r>
-                        <a:rPr lang="es-EC" sz="1100" u="none" strike="noStrike">
-                          <a:effectLst/>
-                        </a:rPr>
-                        <a:t>102</a:t>
-                      </a:r>
-                      <a:endParaRPr lang="es-EC" sz="1100" b="0" i="0" u="none" strike="noStrike">
-                        <a:solidFill>
-                          <a:srgbClr val="000000"/>
-                        </a:solidFill>
-                        <a:effectLst/>
-                        <a:latin typeface="Century Gothic" panose="020B0502020202020204" pitchFamily="34" charset="0"/>
-                      </a:endParaRPr>
-                    </a:p>
-                  </a:txBody>
-                  <a:tcPr marL="6243" marR="6243" marT="6243" marB="0" anchor="ctr"/>
-                </a:tc>
-              </a:tr>
-              <a:tr h="187289">
-                <a:tc>
-                  <a:txBody>
-                    <a:bodyPr/>
-                    <a:lstStyle/>
-                    <a:p>
-                      <a:pPr algn="ctr" rtl="0" fontAlgn="ctr"/>
-                      <a:r>
-                        <a:rPr lang="es-EC" sz="1100" u="none" strike="noStrike">
-                          <a:effectLst/>
-                        </a:rPr>
-                        <a:t>L</a:t>
-                      </a:r>
-                      <a:endParaRPr lang="es-EC" sz="1100" b="1" i="0" u="none" strike="noStrike">
-                        <a:solidFill>
-                          <a:srgbClr val="FFFFFF"/>
-                        </a:solidFill>
-                        <a:effectLst/>
-                        <a:latin typeface="Century Gothic" panose="020B0502020202020204" pitchFamily="34" charset="0"/>
-                      </a:endParaRPr>
-                    </a:p>
-                  </a:txBody>
-                  <a:tcPr marL="6243" marR="6243" marT="6243" marB="0" anchor="ctr"/>
-                </a:tc>
-                <a:tc>
-                  <a:txBody>
-                    <a:bodyPr/>
-                    <a:lstStyle/>
-                    <a:p>
-                      <a:pPr algn="l" rtl="0" fontAlgn="ctr"/>
-                      <a:r>
-                        <a:rPr lang="es-EC" sz="1100" u="none" strike="noStrike">
-                          <a:effectLst/>
-                        </a:rPr>
-                        <a:t>Actividades inmobiliarias</a:t>
-                      </a:r>
-                      <a:endParaRPr lang="es-EC" sz="1100" b="0" i="0" u="none" strike="noStrike">
-                        <a:solidFill>
-                          <a:srgbClr val="000000"/>
-                        </a:solidFill>
-                        <a:effectLst/>
-                        <a:latin typeface="Century Gothic" panose="020B0502020202020204" pitchFamily="34" charset="0"/>
-                      </a:endParaRPr>
-                    </a:p>
-                  </a:txBody>
-                  <a:tcPr marL="6243" marR="6243" marT="6243" marB="0" anchor="ctr"/>
-                </a:tc>
-                <a:tc>
-                  <a:txBody>
-                    <a:bodyPr/>
-                    <a:lstStyle/>
-                    <a:p>
-                      <a:pPr algn="ctr" rtl="0" fontAlgn="ctr"/>
-                      <a:r>
-                        <a:rPr lang="es-EC" sz="1100" u="none" strike="noStrike">
-                          <a:effectLst/>
-                        </a:rPr>
-                        <a:t>225</a:t>
-                      </a:r>
-                      <a:endParaRPr lang="es-EC" sz="1100" b="0" i="0" u="none" strike="noStrike">
-                        <a:solidFill>
-                          <a:srgbClr val="000000"/>
-                        </a:solidFill>
-                        <a:effectLst/>
-                        <a:latin typeface="Century Gothic" panose="020B0502020202020204" pitchFamily="34" charset="0"/>
-                      </a:endParaRPr>
-                    </a:p>
-                  </a:txBody>
-                  <a:tcPr marL="6243" marR="6243" marT="6243" marB="0" anchor="ctr"/>
-                </a:tc>
-                <a:tc>
-                  <a:txBody>
-                    <a:bodyPr/>
-                    <a:lstStyle/>
-                    <a:p>
-                      <a:pPr algn="ctr" rtl="0" fontAlgn="ctr"/>
-                      <a:r>
-                        <a:rPr lang="es-EC" sz="1100" u="none" strike="noStrike">
-                          <a:effectLst/>
-                        </a:rPr>
-                        <a:t>16</a:t>
-                      </a:r>
-                      <a:endParaRPr lang="es-EC" sz="1100" b="0" i="0" u="none" strike="noStrike">
-                        <a:solidFill>
-                          <a:srgbClr val="000000"/>
-                        </a:solidFill>
-                        <a:effectLst/>
-                        <a:latin typeface="Century Gothic" panose="020B0502020202020204" pitchFamily="34" charset="0"/>
-                      </a:endParaRPr>
-                    </a:p>
-                  </a:txBody>
-                  <a:tcPr marL="6243" marR="6243" marT="6243" marB="0" anchor="ctr"/>
-                </a:tc>
-                <a:tc>
-                  <a:txBody>
-                    <a:bodyPr/>
-                    <a:lstStyle/>
-                    <a:p>
-                      <a:pPr algn="ctr" rtl="0" fontAlgn="ctr"/>
-                      <a:r>
-                        <a:rPr lang="es-EC" sz="1100" u="none" strike="noStrike">
-                          <a:effectLst/>
-                        </a:rPr>
-                        <a:t>5</a:t>
-                      </a:r>
-                      <a:endParaRPr lang="es-EC" sz="1100" b="0" i="0" u="none" strike="noStrike">
-                        <a:solidFill>
-                          <a:srgbClr val="000000"/>
-                        </a:solidFill>
-                        <a:effectLst/>
-                        <a:latin typeface="Century Gothic" panose="020B0502020202020204" pitchFamily="34" charset="0"/>
-                      </a:endParaRPr>
-                    </a:p>
-                  </a:txBody>
-                  <a:tcPr marL="6243" marR="6243" marT="6243" marB="0" anchor="ctr"/>
-                </a:tc>
-                <a:tc>
-                  <a:txBody>
-                    <a:bodyPr/>
-                    <a:lstStyle/>
-                    <a:p>
-                      <a:pPr algn="ctr" rtl="0" fontAlgn="ctr"/>
-                      <a:r>
-                        <a:rPr lang="es-EC" sz="1100" u="none" strike="noStrike">
-                          <a:effectLst/>
-                        </a:rPr>
-                        <a:t>3</a:t>
-                      </a:r>
-                      <a:endParaRPr lang="es-EC" sz="1100" b="0" i="0" u="none" strike="noStrike">
-                        <a:solidFill>
-                          <a:srgbClr val="000000"/>
-                        </a:solidFill>
-                        <a:effectLst/>
-                        <a:latin typeface="Century Gothic" panose="020B0502020202020204" pitchFamily="34" charset="0"/>
-                      </a:endParaRPr>
-                    </a:p>
-                  </a:txBody>
-                  <a:tcPr marL="6243" marR="6243" marT="6243" marB="0" anchor="ctr"/>
-                </a:tc>
-                <a:tc>
-                  <a:txBody>
-                    <a:bodyPr/>
-                    <a:lstStyle/>
-                    <a:p>
-                      <a:pPr algn="ctr" rtl="0" fontAlgn="ctr"/>
-                      <a:r>
-                        <a:rPr lang="es-EC" sz="1100" u="none" strike="noStrike">
-                          <a:effectLst/>
-                        </a:rPr>
-                        <a:t>249</a:t>
-                      </a:r>
-                      <a:endParaRPr lang="es-EC" sz="1100" b="0" i="0" u="none" strike="noStrike">
-                        <a:solidFill>
-                          <a:srgbClr val="000000"/>
-                        </a:solidFill>
-                        <a:effectLst/>
-                        <a:latin typeface="Century Gothic" panose="020B0502020202020204" pitchFamily="34" charset="0"/>
-                      </a:endParaRPr>
-                    </a:p>
-                  </a:txBody>
-                  <a:tcPr marL="6243" marR="6243" marT="6243" marB="0" anchor="ctr"/>
-                </a:tc>
-              </a:tr>
-              <a:tr h="355848">
-                <a:tc>
-                  <a:txBody>
-                    <a:bodyPr/>
-                    <a:lstStyle/>
-                    <a:p>
-                      <a:pPr algn="ctr" rtl="0" fontAlgn="ctr"/>
-                      <a:r>
-                        <a:rPr lang="es-EC" sz="1100" u="none" strike="noStrike">
-                          <a:effectLst/>
-                        </a:rPr>
-                        <a:t>M</a:t>
-                      </a:r>
-                      <a:endParaRPr lang="es-EC" sz="1100" b="1" i="0" u="none" strike="noStrike">
-                        <a:solidFill>
-                          <a:srgbClr val="FFFFFF"/>
-                        </a:solidFill>
-                        <a:effectLst/>
-                        <a:latin typeface="Century Gothic" panose="020B0502020202020204" pitchFamily="34" charset="0"/>
-                      </a:endParaRPr>
-                    </a:p>
-                  </a:txBody>
-                  <a:tcPr marL="6243" marR="6243" marT="6243" marB="0" anchor="ctr"/>
-                </a:tc>
-                <a:tc>
-                  <a:txBody>
-                    <a:bodyPr/>
-                    <a:lstStyle/>
-                    <a:p>
-                      <a:pPr algn="l" rtl="0" fontAlgn="ctr"/>
-                      <a:r>
-                        <a:rPr lang="es-ES" sz="1100" u="none" strike="noStrike">
-                          <a:effectLst/>
-                        </a:rPr>
-                        <a:t>Actividades profesionales, científicas y técnicas</a:t>
-                      </a:r>
-                      <a:endParaRPr lang="es-ES" sz="1100" b="0" i="0" u="none" strike="noStrike">
-                        <a:solidFill>
-                          <a:srgbClr val="000000"/>
-                        </a:solidFill>
-                        <a:effectLst/>
-                        <a:latin typeface="Century Gothic" panose="020B0502020202020204" pitchFamily="34" charset="0"/>
-                      </a:endParaRPr>
-                    </a:p>
-                  </a:txBody>
-                  <a:tcPr marL="6243" marR="6243" marT="6243" marB="0" anchor="ctr"/>
-                </a:tc>
-                <a:tc>
-                  <a:txBody>
-                    <a:bodyPr/>
-                    <a:lstStyle/>
-                    <a:p>
-                      <a:pPr algn="ctr" rtl="0" fontAlgn="ctr"/>
-                      <a:r>
-                        <a:rPr lang="es-EC" sz="1100" u="none" strike="noStrike">
-                          <a:effectLst/>
-                        </a:rPr>
-                        <a:t>523</a:t>
-                      </a:r>
-                      <a:endParaRPr lang="es-EC" sz="1100" b="0" i="0" u="none" strike="noStrike">
-                        <a:solidFill>
-                          <a:srgbClr val="000000"/>
-                        </a:solidFill>
-                        <a:effectLst/>
-                        <a:latin typeface="Century Gothic" panose="020B0502020202020204" pitchFamily="34" charset="0"/>
-                      </a:endParaRPr>
-                    </a:p>
-                  </a:txBody>
-                  <a:tcPr marL="6243" marR="6243" marT="6243" marB="0" anchor="ctr"/>
-                </a:tc>
-                <a:tc>
-                  <a:txBody>
-                    <a:bodyPr/>
-                    <a:lstStyle/>
-                    <a:p>
-                      <a:pPr algn="ctr" rtl="0" fontAlgn="ctr"/>
-                      <a:r>
-                        <a:rPr lang="es-EC" sz="1100" u="none" strike="noStrike">
-                          <a:effectLst/>
-                        </a:rPr>
-                        <a:t>35</a:t>
-                      </a:r>
-                      <a:endParaRPr lang="es-EC" sz="1100" b="0" i="0" u="none" strike="noStrike">
-                        <a:solidFill>
-                          <a:srgbClr val="000000"/>
-                        </a:solidFill>
-                        <a:effectLst/>
-                        <a:latin typeface="Century Gothic" panose="020B0502020202020204" pitchFamily="34" charset="0"/>
-                      </a:endParaRPr>
-                    </a:p>
-                  </a:txBody>
-                  <a:tcPr marL="6243" marR="6243" marT="6243" marB="0" anchor="ctr"/>
-                </a:tc>
-                <a:tc>
-                  <a:txBody>
-                    <a:bodyPr/>
-                    <a:lstStyle/>
-                    <a:p>
-                      <a:pPr algn="ctr" rtl="0" fontAlgn="ctr"/>
-                      <a:r>
-                        <a:rPr lang="es-EC" sz="1100" u="none" strike="noStrike">
-                          <a:effectLst/>
-                        </a:rPr>
-                        <a:t>20</a:t>
-                      </a:r>
-                      <a:endParaRPr lang="es-EC" sz="1100" b="0" i="0" u="none" strike="noStrike">
-                        <a:solidFill>
-                          <a:srgbClr val="000000"/>
-                        </a:solidFill>
-                        <a:effectLst/>
-                        <a:latin typeface="Century Gothic" panose="020B0502020202020204" pitchFamily="34" charset="0"/>
-                      </a:endParaRPr>
-                    </a:p>
-                  </a:txBody>
-                  <a:tcPr marL="6243" marR="6243" marT="6243" marB="0" anchor="ctr"/>
-                </a:tc>
-                <a:tc>
-                  <a:txBody>
-                    <a:bodyPr/>
-                    <a:lstStyle/>
-                    <a:p>
-                      <a:pPr algn="ctr" rtl="0" fontAlgn="ctr"/>
-                      <a:r>
-                        <a:rPr lang="es-EC" sz="1100" u="none" strike="noStrike">
-                          <a:effectLst/>
-                        </a:rPr>
-                        <a:t>5</a:t>
-                      </a:r>
-                      <a:endParaRPr lang="es-EC" sz="1100" b="0" i="0" u="none" strike="noStrike">
-                        <a:solidFill>
-                          <a:srgbClr val="000000"/>
-                        </a:solidFill>
-                        <a:effectLst/>
-                        <a:latin typeface="Century Gothic" panose="020B0502020202020204" pitchFamily="34" charset="0"/>
-                      </a:endParaRPr>
-                    </a:p>
-                  </a:txBody>
-                  <a:tcPr marL="6243" marR="6243" marT="6243" marB="0" anchor="ctr"/>
-                </a:tc>
-                <a:tc>
-                  <a:txBody>
-                    <a:bodyPr/>
-                    <a:lstStyle/>
-                    <a:p>
-                      <a:pPr algn="ctr" rtl="0" fontAlgn="ctr"/>
-                      <a:r>
-                        <a:rPr lang="es-EC" sz="1100" u="none" strike="noStrike">
-                          <a:effectLst/>
-                        </a:rPr>
-                        <a:t>583</a:t>
-                      </a:r>
-                      <a:endParaRPr lang="es-EC" sz="1100" b="0" i="0" u="none" strike="noStrike">
-                        <a:solidFill>
-                          <a:srgbClr val="000000"/>
-                        </a:solidFill>
-                        <a:effectLst/>
-                        <a:latin typeface="Century Gothic" panose="020B0502020202020204" pitchFamily="34" charset="0"/>
-                      </a:endParaRPr>
-                    </a:p>
-                  </a:txBody>
-                  <a:tcPr marL="6243" marR="6243" marT="6243" marB="0" anchor="ctr"/>
-                </a:tc>
-              </a:tr>
-              <a:tr h="355848">
-                <a:tc>
-                  <a:txBody>
-                    <a:bodyPr/>
-                    <a:lstStyle/>
-                    <a:p>
-                      <a:pPr algn="ctr" rtl="0" fontAlgn="ctr"/>
-                      <a:r>
-                        <a:rPr lang="es-EC" sz="1100" u="none" strike="noStrike">
-                          <a:effectLst/>
-                        </a:rPr>
-                        <a:t>N</a:t>
-                      </a:r>
-                      <a:endParaRPr lang="es-EC" sz="1100" b="1" i="0" u="none" strike="noStrike">
-                        <a:solidFill>
-                          <a:srgbClr val="FFFFFF"/>
-                        </a:solidFill>
-                        <a:effectLst/>
-                        <a:latin typeface="Century Gothic" panose="020B0502020202020204" pitchFamily="34" charset="0"/>
-                      </a:endParaRPr>
-                    </a:p>
-                  </a:txBody>
-                  <a:tcPr marL="6243" marR="6243" marT="6243" marB="0" anchor="ctr"/>
-                </a:tc>
-                <a:tc>
-                  <a:txBody>
-                    <a:bodyPr/>
-                    <a:lstStyle/>
-                    <a:p>
-                      <a:pPr algn="l" rtl="0" fontAlgn="ctr"/>
-                      <a:r>
-                        <a:rPr lang="es-ES" sz="1100" u="none" strike="noStrike">
-                          <a:effectLst/>
-                        </a:rPr>
-                        <a:t>Actividades de servicios administrativos y de apoyo</a:t>
-                      </a:r>
-                      <a:endParaRPr lang="es-ES" sz="1100" b="0" i="0" u="none" strike="noStrike">
-                        <a:solidFill>
-                          <a:srgbClr val="000000"/>
-                        </a:solidFill>
-                        <a:effectLst/>
-                        <a:latin typeface="Century Gothic" panose="020B0502020202020204" pitchFamily="34" charset="0"/>
-                      </a:endParaRPr>
-                    </a:p>
-                  </a:txBody>
-                  <a:tcPr marL="6243" marR="6243" marT="6243" marB="0" anchor="ctr"/>
-                </a:tc>
-                <a:tc>
-                  <a:txBody>
-                    <a:bodyPr/>
-                    <a:lstStyle/>
-                    <a:p>
-                      <a:pPr algn="ctr" rtl="0" fontAlgn="ctr"/>
-                      <a:r>
-                        <a:rPr lang="es-EC" sz="1100" u="none" strike="noStrike">
-                          <a:effectLst/>
-                        </a:rPr>
-                        <a:t>219</a:t>
-                      </a:r>
-                      <a:endParaRPr lang="es-EC" sz="1100" b="0" i="0" u="none" strike="noStrike">
-                        <a:solidFill>
-                          <a:srgbClr val="000000"/>
-                        </a:solidFill>
-                        <a:effectLst/>
-                        <a:latin typeface="Century Gothic" panose="020B0502020202020204" pitchFamily="34" charset="0"/>
-                      </a:endParaRPr>
-                    </a:p>
-                  </a:txBody>
-                  <a:tcPr marL="6243" marR="6243" marT="6243" marB="0" anchor="ctr"/>
-                </a:tc>
-                <a:tc>
-                  <a:txBody>
-                    <a:bodyPr/>
-                    <a:lstStyle/>
-                    <a:p>
-                      <a:pPr algn="ctr" rtl="0" fontAlgn="ctr"/>
-                      <a:r>
-                        <a:rPr lang="es-EC" sz="1100" u="none" strike="noStrike">
-                          <a:effectLst/>
-                        </a:rPr>
-                        <a:t>31</a:t>
-                      </a:r>
-                      <a:endParaRPr lang="es-EC" sz="1100" b="0" i="0" u="none" strike="noStrike">
-                        <a:solidFill>
-                          <a:srgbClr val="000000"/>
-                        </a:solidFill>
-                        <a:effectLst/>
-                        <a:latin typeface="Century Gothic" panose="020B0502020202020204" pitchFamily="34" charset="0"/>
-                      </a:endParaRPr>
-                    </a:p>
-                  </a:txBody>
-                  <a:tcPr marL="6243" marR="6243" marT="6243" marB="0" anchor="ctr"/>
-                </a:tc>
-                <a:tc>
-                  <a:txBody>
-                    <a:bodyPr/>
-                    <a:lstStyle/>
-                    <a:p>
-                      <a:pPr algn="ctr" rtl="0" fontAlgn="ctr"/>
-                      <a:r>
-                        <a:rPr lang="es-EC" sz="1100" u="none" strike="noStrike">
-                          <a:effectLst/>
-                        </a:rPr>
-                        <a:t>20</a:t>
-                      </a:r>
-                      <a:endParaRPr lang="es-EC" sz="1100" b="0" i="0" u="none" strike="noStrike">
-                        <a:solidFill>
-                          <a:srgbClr val="000000"/>
-                        </a:solidFill>
-                        <a:effectLst/>
-                        <a:latin typeface="Century Gothic" panose="020B0502020202020204" pitchFamily="34" charset="0"/>
-                      </a:endParaRPr>
-                    </a:p>
-                  </a:txBody>
-                  <a:tcPr marL="6243" marR="6243" marT="6243" marB="0" anchor="ctr"/>
-                </a:tc>
-                <a:tc>
-                  <a:txBody>
-                    <a:bodyPr/>
-                    <a:lstStyle/>
-                    <a:p>
-                      <a:pPr algn="ctr" rtl="0" fontAlgn="ctr"/>
-                      <a:r>
-                        <a:rPr lang="es-EC" sz="1100" u="none" strike="noStrike">
-                          <a:effectLst/>
-                        </a:rPr>
-                        <a:t>17</a:t>
-                      </a:r>
-                      <a:endParaRPr lang="es-EC" sz="1100" b="0" i="0" u="none" strike="noStrike">
-                        <a:solidFill>
-                          <a:srgbClr val="000000"/>
-                        </a:solidFill>
-                        <a:effectLst/>
-                        <a:latin typeface="Century Gothic" panose="020B0502020202020204" pitchFamily="34" charset="0"/>
-                      </a:endParaRPr>
-                    </a:p>
-                  </a:txBody>
-                  <a:tcPr marL="6243" marR="6243" marT="6243" marB="0" anchor="ctr"/>
-                </a:tc>
-                <a:tc>
-                  <a:txBody>
-                    <a:bodyPr/>
-                    <a:lstStyle/>
-                    <a:p>
-                      <a:pPr algn="ctr" rtl="0" fontAlgn="ctr"/>
-                      <a:r>
-                        <a:rPr lang="es-EC" sz="1100" u="none" strike="noStrike">
-                          <a:effectLst/>
-                        </a:rPr>
-                        <a:t>287</a:t>
-                      </a:r>
-                      <a:endParaRPr lang="es-EC" sz="1100" b="0" i="0" u="none" strike="noStrike">
-                        <a:solidFill>
-                          <a:srgbClr val="000000"/>
-                        </a:solidFill>
-                        <a:effectLst/>
-                        <a:latin typeface="Century Gothic" panose="020B0502020202020204" pitchFamily="34" charset="0"/>
-                      </a:endParaRPr>
-                    </a:p>
-                  </a:txBody>
-                  <a:tcPr marL="6243" marR="6243" marT="6243" marB="0" anchor="ctr"/>
-                </a:tc>
-              </a:tr>
-              <a:tr h="187289">
-                <a:tc>
-                  <a:txBody>
-                    <a:bodyPr/>
-                    <a:lstStyle/>
-                    <a:p>
-                      <a:pPr algn="ctr" rtl="0" fontAlgn="ctr"/>
-                      <a:r>
-                        <a:rPr lang="es-EC" sz="1100" u="none" strike="noStrike">
-                          <a:effectLst/>
-                        </a:rPr>
-                        <a:t>P</a:t>
-                      </a:r>
-                      <a:endParaRPr lang="es-EC" sz="1100" b="1" i="0" u="none" strike="noStrike">
-                        <a:solidFill>
-                          <a:srgbClr val="FFFFFF"/>
-                        </a:solidFill>
-                        <a:effectLst/>
-                        <a:latin typeface="Century Gothic" panose="020B0502020202020204" pitchFamily="34" charset="0"/>
-                      </a:endParaRPr>
-                    </a:p>
-                  </a:txBody>
-                  <a:tcPr marL="6243" marR="6243" marT="6243" marB="0" anchor="ctr"/>
-                </a:tc>
-                <a:tc>
-                  <a:txBody>
-                    <a:bodyPr/>
-                    <a:lstStyle/>
-                    <a:p>
-                      <a:pPr algn="l" rtl="0" fontAlgn="ctr"/>
-                      <a:r>
-                        <a:rPr lang="es-EC" sz="1100" u="none" strike="noStrike">
-                          <a:effectLst/>
-                        </a:rPr>
-                        <a:t>Enseñanza</a:t>
-                      </a:r>
-                      <a:endParaRPr lang="es-EC" sz="1100" b="0" i="0" u="none" strike="noStrike">
-                        <a:solidFill>
-                          <a:srgbClr val="000000"/>
-                        </a:solidFill>
-                        <a:effectLst/>
-                        <a:latin typeface="Century Gothic" panose="020B0502020202020204" pitchFamily="34" charset="0"/>
-                      </a:endParaRPr>
-                    </a:p>
-                  </a:txBody>
-                  <a:tcPr marL="6243" marR="6243" marT="6243" marB="0" anchor="ctr"/>
-                </a:tc>
-                <a:tc>
-                  <a:txBody>
-                    <a:bodyPr/>
-                    <a:lstStyle/>
-                    <a:p>
-                      <a:pPr algn="ctr" rtl="0" fontAlgn="ctr"/>
-                      <a:r>
-                        <a:rPr lang="es-EC" sz="1100" u="none" strike="noStrike">
-                          <a:effectLst/>
-                        </a:rPr>
-                        <a:t>45</a:t>
-                      </a:r>
-                      <a:endParaRPr lang="es-EC" sz="1100" b="0" i="0" u="none" strike="noStrike">
-                        <a:solidFill>
-                          <a:srgbClr val="000000"/>
-                        </a:solidFill>
-                        <a:effectLst/>
-                        <a:latin typeface="Century Gothic" panose="020B0502020202020204" pitchFamily="34" charset="0"/>
-                      </a:endParaRPr>
-                    </a:p>
-                  </a:txBody>
-                  <a:tcPr marL="6243" marR="6243" marT="6243" marB="0" anchor="ctr"/>
-                </a:tc>
-                <a:tc>
-                  <a:txBody>
-                    <a:bodyPr/>
-                    <a:lstStyle/>
-                    <a:p>
-                      <a:pPr algn="ctr" rtl="0" fontAlgn="ctr"/>
-                      <a:r>
-                        <a:rPr lang="es-EC" sz="1100" u="none" strike="noStrike">
-                          <a:effectLst/>
-                        </a:rPr>
-                        <a:t>13</a:t>
-                      </a:r>
-                      <a:endParaRPr lang="es-EC" sz="1100" b="0" i="0" u="none" strike="noStrike">
-                        <a:solidFill>
-                          <a:srgbClr val="000000"/>
-                        </a:solidFill>
-                        <a:effectLst/>
-                        <a:latin typeface="Century Gothic" panose="020B0502020202020204" pitchFamily="34" charset="0"/>
-                      </a:endParaRPr>
-                    </a:p>
-                  </a:txBody>
-                  <a:tcPr marL="6243" marR="6243" marT="6243" marB="0" anchor="ctr"/>
-                </a:tc>
-                <a:tc>
-                  <a:txBody>
-                    <a:bodyPr/>
-                    <a:lstStyle/>
-                    <a:p>
-                      <a:pPr algn="ctr" rtl="0" fontAlgn="ctr"/>
-                      <a:r>
-                        <a:rPr lang="es-EC" sz="1100" u="none" strike="noStrike">
-                          <a:effectLst/>
-                        </a:rPr>
-                        <a:t>7</a:t>
-                      </a:r>
-                      <a:endParaRPr lang="es-EC" sz="1100" b="0" i="0" u="none" strike="noStrike">
-                        <a:solidFill>
-                          <a:srgbClr val="000000"/>
-                        </a:solidFill>
-                        <a:effectLst/>
-                        <a:latin typeface="Century Gothic" panose="020B0502020202020204" pitchFamily="34" charset="0"/>
-                      </a:endParaRPr>
-                    </a:p>
-                  </a:txBody>
-                  <a:tcPr marL="6243" marR="6243" marT="6243" marB="0" anchor="ctr"/>
-                </a:tc>
-                <a:tc>
-                  <a:txBody>
-                    <a:bodyPr/>
-                    <a:lstStyle/>
-                    <a:p>
-                      <a:pPr algn="ctr" rtl="0" fontAlgn="ctr"/>
-                      <a:r>
-                        <a:rPr lang="es-EC" sz="1100" u="none" strike="noStrike">
-                          <a:effectLst/>
-                        </a:rPr>
-                        <a:t>2</a:t>
-                      </a:r>
-                      <a:endParaRPr lang="es-EC" sz="1100" b="0" i="0" u="none" strike="noStrike">
-                        <a:solidFill>
-                          <a:srgbClr val="000000"/>
-                        </a:solidFill>
-                        <a:effectLst/>
-                        <a:latin typeface="Century Gothic" panose="020B0502020202020204" pitchFamily="34" charset="0"/>
-                      </a:endParaRPr>
-                    </a:p>
-                  </a:txBody>
-                  <a:tcPr marL="6243" marR="6243" marT="6243" marB="0" anchor="ctr"/>
-                </a:tc>
-                <a:tc>
-                  <a:txBody>
-                    <a:bodyPr/>
-                    <a:lstStyle/>
-                    <a:p>
-                      <a:pPr algn="ctr" rtl="0" fontAlgn="ctr"/>
-                      <a:r>
-                        <a:rPr lang="es-EC" sz="1100" u="none" strike="noStrike">
-                          <a:effectLst/>
-                        </a:rPr>
-                        <a:t>67</a:t>
-                      </a:r>
-                      <a:endParaRPr lang="es-EC" sz="1100" b="0" i="0" u="none" strike="noStrike">
-                        <a:solidFill>
-                          <a:srgbClr val="000000"/>
-                        </a:solidFill>
-                        <a:effectLst/>
-                        <a:latin typeface="Century Gothic" panose="020B0502020202020204" pitchFamily="34" charset="0"/>
-                      </a:endParaRPr>
-                    </a:p>
-                  </a:txBody>
-                  <a:tcPr marL="6243" marR="6243" marT="6243" marB="0" anchor="ctr"/>
-                </a:tc>
-              </a:tr>
-              <a:tr h="187289">
+              <a:tr h="196991">
                 <a:tc>
                   <a:txBody>
                     <a:bodyPr/>
@@ -8012,7 +7930,7 @@
           <p:cNvPr id="4" name="Título 3">
             <a:extLst>
               <a:ext uri="{FF2B5EF4-FFF2-40B4-BE49-F238E27FC236}">
-                <a16:creationId xmlns:a16="http://schemas.microsoft.com/office/drawing/2014/main" xmlns="" id="{DAEFAD10-D531-A646-B780-2418143D9740}"/>
+                <a16:creationId xmlns="" xmlns:a16="http://schemas.microsoft.com/office/drawing/2014/main" id="{DAEFAD10-D531-A646-B780-2418143D9740}"/>
               </a:ext>
             </a:extLst>
           </p:cNvPr>
@@ -8043,7 +7961,7 @@
           <p:cNvPr id="5" name="Marcador de texto 4">
             <a:extLst>
               <a:ext uri="{FF2B5EF4-FFF2-40B4-BE49-F238E27FC236}">
-                <a16:creationId xmlns:a16="http://schemas.microsoft.com/office/drawing/2014/main" xmlns="" id="{5D931A0E-0B75-3D41-84A8-B9340AD00C6C}"/>
+                <a16:creationId xmlns="" xmlns:a16="http://schemas.microsoft.com/office/drawing/2014/main" id="{5D931A0E-0B75-3D41-84A8-B9340AD00C6C}"/>
               </a:ext>
             </a:extLst>
           </p:cNvPr>
@@ -8068,7 +7986,7 @@
           <p:cNvPr id="6" name="Marcador de texto 5">
             <a:extLst>
               <a:ext uri="{FF2B5EF4-FFF2-40B4-BE49-F238E27FC236}">
-                <a16:creationId xmlns:a16="http://schemas.microsoft.com/office/drawing/2014/main" xmlns="" id="{BFA92F3C-CE9E-1E45-9C49-25DA5E06B8E0}"/>
+                <a16:creationId xmlns="" xmlns:a16="http://schemas.microsoft.com/office/drawing/2014/main" id="{BFA92F3C-CE9E-1E45-9C49-25DA5E06B8E0}"/>
               </a:ext>
             </a:extLst>
           </p:cNvPr>
@@ -8127,7 +8045,7 @@
           <p:cNvPr id="2" name="Título 1">
             <a:extLst>
               <a:ext uri="{FF2B5EF4-FFF2-40B4-BE49-F238E27FC236}">
-                <a16:creationId xmlns:a16="http://schemas.microsoft.com/office/drawing/2014/main" xmlns="" id="{3FD696AD-97AE-0A4B-866A-8E7F94749276}"/>
+                <a16:creationId xmlns="" xmlns:a16="http://schemas.microsoft.com/office/drawing/2014/main" id="{3FD696AD-97AE-0A4B-866A-8E7F94749276}"/>
               </a:ext>
             </a:extLst>
           </p:cNvPr>
@@ -8156,7 +8074,7 @@
           <p:cNvPr id="3" name="Marcador de texto 2">
             <a:extLst>
               <a:ext uri="{FF2B5EF4-FFF2-40B4-BE49-F238E27FC236}">
-                <a16:creationId xmlns:a16="http://schemas.microsoft.com/office/drawing/2014/main" xmlns="" id="{A9DA794A-A9ED-D74B-9816-ABA56B940347}"/>
+                <a16:creationId xmlns="" xmlns:a16="http://schemas.microsoft.com/office/drawing/2014/main" id="{A9DA794A-A9ED-D74B-9816-ABA56B940347}"/>
               </a:ext>
             </a:extLst>
           </p:cNvPr>
@@ -8193,7 +8111,15 @@
             </a:r>
             <a:r>
               <a:rPr lang="es-ES" dirty="0"/>
-              <a:t> están definidos por los sectores económicos (Código CIIU4 - Sección - 1 dígito) y agrupados por el tamaño de la empresa</a:t>
+              <a:t> están definidos por los sectores económicos (</a:t>
+            </a:r>
+            <a:r>
+              <a:rPr lang="es-ES" dirty="0" smtClean="0"/>
+              <a:t>Código CIIU4-Sección-1 </a:t>
+            </a:r>
+            <a:r>
+              <a:rPr lang="es-ES" dirty="0"/>
+              <a:t>dígito) y agrupados por el tamaño de la empresa</a:t>
             </a:r>
             <a:r>
               <a:rPr lang="es-ES" dirty="0" smtClean="0"/>
@@ -8214,33 +8140,6 @@
               <a:rPr lang="es-ES" dirty="0"/>
               <a:t>de cada uno de los dominios de estudio se considera un grupo de inclusión forzosa, este grupo corresponde a aquellas empresas catalogadas como “Grande Empresa” (tamaño 5). </a:t>
             </a:r>
-          </a:p>
-        </p:txBody>
-      </p:sp>
-      <p:sp>
-        <p:nvSpPr>
-          <p:cNvPr id="4" name="Marcador de texto 3">
-            <a:extLst>
-              <a:ext uri="{FF2B5EF4-FFF2-40B4-BE49-F238E27FC236}">
-                <a16:creationId xmlns:a16="http://schemas.microsoft.com/office/drawing/2014/main" xmlns="" id="{3C5C67A1-29D7-1048-826C-D7445004ADF8}"/>
-              </a:ext>
-            </a:extLst>
-          </p:cNvPr>
-          <p:cNvSpPr>
-            <a:spLocks noGrp="1"/>
-          </p:cNvSpPr>
-          <p:nvPr>
-            <p:ph type="body" sz="quarter" idx="11"/>
-          </p:nvPr>
-        </p:nvSpPr>
-        <p:spPr/>
-        <p:txBody>
-          <a:bodyPr>
-            <a:normAutofit lnSpcReduction="10000"/>
-          </a:bodyPr>
-          <a:lstStyle/>
-          <a:p>
-            <a:endParaRPr lang="es-419"/>
           </a:p>
         </p:txBody>
       </p:sp>
@@ -10518,7 +10417,7 @@
           <p:cNvPr id="4" name="Título 3">
             <a:extLst>
               <a:ext uri="{FF2B5EF4-FFF2-40B4-BE49-F238E27FC236}">
-                <a16:creationId xmlns:a16="http://schemas.microsoft.com/office/drawing/2014/main" xmlns="" id="{DAEFAD10-D531-A646-B780-2418143D9740}"/>
+                <a16:creationId xmlns="" xmlns:a16="http://schemas.microsoft.com/office/drawing/2014/main" id="{DAEFAD10-D531-A646-B780-2418143D9740}"/>
               </a:ext>
             </a:extLst>
           </p:cNvPr>
@@ -10549,7 +10448,7 @@
           <p:cNvPr id="5" name="Marcador de texto 4">
             <a:extLst>
               <a:ext uri="{FF2B5EF4-FFF2-40B4-BE49-F238E27FC236}">
-                <a16:creationId xmlns:a16="http://schemas.microsoft.com/office/drawing/2014/main" xmlns="" id="{5D931A0E-0B75-3D41-84A8-B9340AD00C6C}"/>
+                <a16:creationId xmlns="" xmlns:a16="http://schemas.microsoft.com/office/drawing/2014/main" id="{5D931A0E-0B75-3D41-84A8-B9340AD00C6C}"/>
               </a:ext>
             </a:extLst>
           </p:cNvPr>
@@ -10574,7 +10473,7 @@
           <p:cNvPr id="6" name="Marcador de texto 5">
             <a:extLst>
               <a:ext uri="{FF2B5EF4-FFF2-40B4-BE49-F238E27FC236}">
-                <a16:creationId xmlns:a16="http://schemas.microsoft.com/office/drawing/2014/main" xmlns="" id="{BFA92F3C-CE9E-1E45-9C49-25DA5E06B8E0}"/>
+                <a16:creationId xmlns="" xmlns:a16="http://schemas.microsoft.com/office/drawing/2014/main" id="{BFA92F3C-CE9E-1E45-9C49-25DA5E06B8E0}"/>
               </a:ext>
             </a:extLst>
           </p:cNvPr>

--- a/PRODUCTOS/INFORMES/Plantilla_PPT_INEC_2022.pptx
+++ b/PRODUCTOS/INFORMES/Plantilla_PPT_INEC_2022.pptx
@@ -149,7 +149,7 @@
           <p:cNvPr id="8" name="Imagen 7">
             <a:extLst>
               <a:ext uri="{FF2B5EF4-FFF2-40B4-BE49-F238E27FC236}">
-                <a16:creationId xmlns="" xmlns:a16="http://schemas.microsoft.com/office/drawing/2014/main" id="{96F13414-8F03-A442-8ACD-2DC9B0A2CB5B}"/>
+                <a16:creationId xmlns:a16="http://schemas.microsoft.com/office/drawing/2014/main" id="{96F13414-8F03-A442-8ACD-2DC9B0A2CB5B}"/>
               </a:ext>
             </a:extLst>
           </p:cNvPr>
@@ -185,7 +185,7 @@
           <p:cNvPr id="2" name="Título 1">
             <a:extLst>
               <a:ext uri="{FF2B5EF4-FFF2-40B4-BE49-F238E27FC236}">
-                <a16:creationId xmlns="" xmlns:a16="http://schemas.microsoft.com/office/drawing/2014/main" id="{7735410B-9B5C-1D48-ACA9-2246B305F584}"/>
+                <a16:creationId xmlns:a16="http://schemas.microsoft.com/office/drawing/2014/main" id="{7735410B-9B5C-1D48-ACA9-2246B305F584}"/>
               </a:ext>
             </a:extLst>
           </p:cNvPr>
@@ -227,7 +227,7 @@
           <p:cNvPr id="3" name="Subtítulo 2">
             <a:extLst>
               <a:ext uri="{FF2B5EF4-FFF2-40B4-BE49-F238E27FC236}">
-                <a16:creationId xmlns="" xmlns:a16="http://schemas.microsoft.com/office/drawing/2014/main" id="{E21AF1D1-197D-4A4F-9050-E4D327563361}"/>
+                <a16:creationId xmlns:a16="http://schemas.microsoft.com/office/drawing/2014/main" id="{E21AF1D1-197D-4A4F-9050-E4D327563361}"/>
               </a:ext>
             </a:extLst>
           </p:cNvPr>
@@ -334,7 +334,7 @@
           <p:cNvPr id="8" name="Imagen 7">
             <a:extLst>
               <a:ext uri="{FF2B5EF4-FFF2-40B4-BE49-F238E27FC236}">
-                <a16:creationId xmlns="" xmlns:a16="http://schemas.microsoft.com/office/drawing/2014/main" id="{EBEF04C5-841F-5A4D-8783-DCC177228014}"/>
+                <a16:creationId xmlns:a16="http://schemas.microsoft.com/office/drawing/2014/main" id="{EBEF04C5-841F-5A4D-8783-DCC177228014}"/>
               </a:ext>
             </a:extLst>
           </p:cNvPr>
@@ -370,7 +370,7 @@
           <p:cNvPr id="2" name="Título 1">
             <a:extLst>
               <a:ext uri="{FF2B5EF4-FFF2-40B4-BE49-F238E27FC236}">
-                <a16:creationId xmlns="" xmlns:a16="http://schemas.microsoft.com/office/drawing/2014/main" id="{6BD8743C-6899-8944-AB92-EAB5AE3FB04E}"/>
+                <a16:creationId xmlns:a16="http://schemas.microsoft.com/office/drawing/2014/main" id="{6BD8743C-6899-8944-AB92-EAB5AE3FB04E}"/>
               </a:ext>
             </a:extLst>
           </p:cNvPr>
@@ -412,7 +412,7 @@
           <p:cNvPr id="3" name="Marcador de texto 2">
             <a:extLst>
               <a:ext uri="{FF2B5EF4-FFF2-40B4-BE49-F238E27FC236}">
-                <a16:creationId xmlns="" xmlns:a16="http://schemas.microsoft.com/office/drawing/2014/main" id="{65BCDE19-0EEF-0943-B986-6235A0F9902C}"/>
+                <a16:creationId xmlns:a16="http://schemas.microsoft.com/office/drawing/2014/main" id="{65BCDE19-0EEF-0943-B986-6235A0F9902C}"/>
               </a:ext>
             </a:extLst>
           </p:cNvPr>
@@ -537,7 +537,7 @@
           <p:cNvPr id="10" name="Marcador de texto 6">
             <a:extLst>
               <a:ext uri="{FF2B5EF4-FFF2-40B4-BE49-F238E27FC236}">
-                <a16:creationId xmlns="" xmlns:a16="http://schemas.microsoft.com/office/drawing/2014/main" id="{238A4921-827D-E746-ACF8-162C8F41417F}"/>
+                <a16:creationId xmlns:a16="http://schemas.microsoft.com/office/drawing/2014/main" id="{238A4921-827D-E746-ACF8-162C8F41417F}"/>
               </a:ext>
             </a:extLst>
           </p:cNvPr>
@@ -613,7 +613,7 @@
           <p:cNvPr id="8" name="Imagen 7">
             <a:extLst>
               <a:ext uri="{FF2B5EF4-FFF2-40B4-BE49-F238E27FC236}">
-                <a16:creationId xmlns="" xmlns:a16="http://schemas.microsoft.com/office/drawing/2014/main" id="{AC82C9D5-7EBB-B246-ABB9-5DCE94B35566}"/>
+                <a16:creationId xmlns:a16="http://schemas.microsoft.com/office/drawing/2014/main" id="{AC82C9D5-7EBB-B246-ABB9-5DCE94B35566}"/>
               </a:ext>
             </a:extLst>
           </p:cNvPr>
@@ -649,7 +649,7 @@
           <p:cNvPr id="9" name="Marcador de texto 12">
             <a:extLst>
               <a:ext uri="{FF2B5EF4-FFF2-40B4-BE49-F238E27FC236}">
-                <a16:creationId xmlns="" xmlns:a16="http://schemas.microsoft.com/office/drawing/2014/main" id="{5AA863C6-E4BB-7246-8E29-38C1A6D52323}"/>
+                <a16:creationId xmlns:a16="http://schemas.microsoft.com/office/drawing/2014/main" id="{5AA863C6-E4BB-7246-8E29-38C1A6D52323}"/>
               </a:ext>
             </a:extLst>
           </p:cNvPr>
@@ -722,7 +722,7 @@
           <p:cNvPr id="7" name="Imagen 6">
             <a:extLst>
               <a:ext uri="{FF2B5EF4-FFF2-40B4-BE49-F238E27FC236}">
-                <a16:creationId xmlns="" xmlns:a16="http://schemas.microsoft.com/office/drawing/2014/main" id="{A3A6E091-7C03-A443-A6D2-38D7BDCE83DA}"/>
+                <a16:creationId xmlns:a16="http://schemas.microsoft.com/office/drawing/2014/main" id="{A3A6E091-7C03-A443-A6D2-38D7BDCE83DA}"/>
               </a:ext>
             </a:extLst>
           </p:cNvPr>
@@ -758,7 +758,7 @@
           <p:cNvPr id="2" name="Título 1">
             <a:extLst>
               <a:ext uri="{FF2B5EF4-FFF2-40B4-BE49-F238E27FC236}">
-                <a16:creationId xmlns="" xmlns:a16="http://schemas.microsoft.com/office/drawing/2014/main" id="{850ADB42-67F8-B244-80CB-7A4A6F8B8139}"/>
+                <a16:creationId xmlns:a16="http://schemas.microsoft.com/office/drawing/2014/main" id="{850ADB42-67F8-B244-80CB-7A4A6F8B8139}"/>
               </a:ext>
             </a:extLst>
           </p:cNvPr>
@@ -802,7 +802,7 @@
           <p:cNvPr id="11" name="Marcador de texto 10">
             <a:extLst>
               <a:ext uri="{FF2B5EF4-FFF2-40B4-BE49-F238E27FC236}">
-                <a16:creationId xmlns="" xmlns:a16="http://schemas.microsoft.com/office/drawing/2014/main" id="{FE0C7826-BD6F-3F44-93EE-AB675BEF60DB}"/>
+                <a16:creationId xmlns:a16="http://schemas.microsoft.com/office/drawing/2014/main" id="{FE0C7826-BD6F-3F44-93EE-AB675BEF60DB}"/>
               </a:ext>
             </a:extLst>
           </p:cNvPr>
@@ -847,7 +847,7 @@
           <p:cNvPr id="13" name="Marcador de texto 12">
             <a:extLst>
               <a:ext uri="{FF2B5EF4-FFF2-40B4-BE49-F238E27FC236}">
-                <a16:creationId xmlns="" xmlns:a16="http://schemas.microsoft.com/office/drawing/2014/main" id="{8DAAF717-D746-FE4F-A5F1-E3136E0F16AD}"/>
+                <a16:creationId xmlns:a16="http://schemas.microsoft.com/office/drawing/2014/main" id="{8DAAF717-D746-FE4F-A5F1-E3136E0F16AD}"/>
               </a:ext>
             </a:extLst>
           </p:cNvPr>
@@ -920,7 +920,7 @@
           <p:cNvPr id="6" name="Imagen 5">
             <a:extLst>
               <a:ext uri="{FF2B5EF4-FFF2-40B4-BE49-F238E27FC236}">
-                <a16:creationId xmlns="" xmlns:a16="http://schemas.microsoft.com/office/drawing/2014/main" id="{872A9304-47E7-E44B-BC9B-3F5C92870A81}"/>
+                <a16:creationId xmlns:a16="http://schemas.microsoft.com/office/drawing/2014/main" id="{872A9304-47E7-E44B-BC9B-3F5C92870A81}"/>
               </a:ext>
             </a:extLst>
           </p:cNvPr>
@@ -991,7 +991,7 @@
           <p:cNvPr id="2" name="Marcador de título 1">
             <a:extLst>
               <a:ext uri="{FF2B5EF4-FFF2-40B4-BE49-F238E27FC236}">
-                <a16:creationId xmlns="" xmlns:a16="http://schemas.microsoft.com/office/drawing/2014/main" id="{01BABDA2-023C-7945-BF86-BEAA5004E0F1}"/>
+                <a16:creationId xmlns:a16="http://schemas.microsoft.com/office/drawing/2014/main" id="{01BABDA2-023C-7945-BF86-BEAA5004E0F1}"/>
               </a:ext>
             </a:extLst>
           </p:cNvPr>
@@ -1030,7 +1030,7 @@
           <p:cNvPr id="3" name="Marcador de texto 2">
             <a:extLst>
               <a:ext uri="{FF2B5EF4-FFF2-40B4-BE49-F238E27FC236}">
-                <a16:creationId xmlns="" xmlns:a16="http://schemas.microsoft.com/office/drawing/2014/main" id="{B7FA23C8-2E4E-5046-8259-E2E213978646}"/>
+                <a16:creationId xmlns:a16="http://schemas.microsoft.com/office/drawing/2014/main" id="{B7FA23C8-2E4E-5046-8259-E2E213978646}"/>
               </a:ext>
             </a:extLst>
           </p:cNvPr>
@@ -1073,7 +1073,7 @@
           <p:cNvPr id="4" name="Marcador de fecha 3">
             <a:extLst>
               <a:ext uri="{FF2B5EF4-FFF2-40B4-BE49-F238E27FC236}">
-                <a16:creationId xmlns="" xmlns:a16="http://schemas.microsoft.com/office/drawing/2014/main" id="{5C005DD2-86EC-2440-A7E7-B841DBFD7C5E}"/>
+                <a16:creationId xmlns:a16="http://schemas.microsoft.com/office/drawing/2014/main" id="{5C005DD2-86EC-2440-A7E7-B841DBFD7C5E}"/>
               </a:ext>
             </a:extLst>
           </p:cNvPr>
@@ -1120,7 +1120,7 @@
           <p:cNvPr id="5" name="Marcador de pie de página 4">
             <a:extLst>
               <a:ext uri="{FF2B5EF4-FFF2-40B4-BE49-F238E27FC236}">
-                <a16:creationId xmlns="" xmlns:a16="http://schemas.microsoft.com/office/drawing/2014/main" id="{FAAEDE95-BF79-354F-9D02-2C24B8EB6261}"/>
+                <a16:creationId xmlns:a16="http://schemas.microsoft.com/office/drawing/2014/main" id="{FAAEDE95-BF79-354F-9D02-2C24B8EB6261}"/>
               </a:ext>
             </a:extLst>
           </p:cNvPr>
@@ -1163,7 +1163,7 @@
           <p:cNvPr id="6" name="Marcador de número de diapositiva 5">
             <a:extLst>
               <a:ext uri="{FF2B5EF4-FFF2-40B4-BE49-F238E27FC236}">
-                <a16:creationId xmlns="" xmlns:a16="http://schemas.microsoft.com/office/drawing/2014/main" id="{75348DA7-A2C8-4B42-8734-0C9E18D34DF7}"/>
+                <a16:creationId xmlns:a16="http://schemas.microsoft.com/office/drawing/2014/main" id="{75348DA7-A2C8-4B42-8734-0C9E18D34DF7}"/>
               </a:ext>
             </a:extLst>
           </p:cNvPr>
@@ -1525,7 +1525,7 @@
           <p:cNvPr id="2" name="Título 1">
             <a:extLst>
               <a:ext uri="{FF2B5EF4-FFF2-40B4-BE49-F238E27FC236}">
-                <a16:creationId xmlns="" xmlns:a16="http://schemas.microsoft.com/office/drawing/2014/main" id="{BCE74EF7-2C04-A342-AAD9-E694CF9B7FF3}"/>
+                <a16:creationId xmlns:a16="http://schemas.microsoft.com/office/drawing/2014/main" id="{BCE74EF7-2C04-A342-AAD9-E694CF9B7FF3}"/>
               </a:ext>
             </a:extLst>
           </p:cNvPr>
@@ -1561,7 +1561,7 @@
           <p:cNvPr id="3" name="Subtítulo 2">
             <a:extLst>
               <a:ext uri="{FF2B5EF4-FFF2-40B4-BE49-F238E27FC236}">
-                <a16:creationId xmlns="" xmlns:a16="http://schemas.microsoft.com/office/drawing/2014/main" id="{B5FE04B9-C334-374C-9980-1DEA7FC07A62}"/>
+                <a16:creationId xmlns:a16="http://schemas.microsoft.com/office/drawing/2014/main" id="{B5FE04B9-C334-374C-9980-1DEA7FC07A62}"/>
               </a:ext>
             </a:extLst>
           </p:cNvPr>
@@ -1583,10 +1583,9 @@
           <a:lstStyle/>
           <a:p>
             <a:r>
-              <a:rPr lang="es-419" dirty="0" smtClean="0"/>
+              <a:rPr lang="es-419" dirty="0"/>
               <a:t>DINEM</a:t>
             </a:r>
-            <a:endParaRPr lang="es-419" dirty="0"/>
           </a:p>
         </p:txBody>
       </p:sp>
@@ -1595,7 +1594,7 @@
           <p:cNvPr id="4" name="Rectángulo redondeado 3">
             <a:extLst>
               <a:ext uri="{FF2B5EF4-FFF2-40B4-BE49-F238E27FC236}">
-                <a16:creationId xmlns="" xmlns:a16="http://schemas.microsoft.com/office/drawing/2014/main" id="{7501EF41-F281-6D48-9E26-1B14A4817180}"/>
+                <a16:creationId xmlns:a16="http://schemas.microsoft.com/office/drawing/2014/main" id="{7501EF41-F281-6D48-9E26-1B14A4817180}"/>
               </a:ext>
             </a:extLst>
           </p:cNvPr>
@@ -1636,10 +1635,9 @@
           <a:p>
             <a:pPr algn="ctr"/>
             <a:r>
-              <a:rPr lang="es-419" sz="2400" dirty="0" smtClean="0"/>
+              <a:rPr lang="es-419" sz="2400" dirty="0"/>
               <a:t>Septiembre, 2023</a:t>
             </a:r>
-            <a:endParaRPr lang="es-419" sz="2400" dirty="0"/>
           </a:p>
         </p:txBody>
       </p:sp>
@@ -1678,7 +1676,7 @@
           <p:cNvPr id="2" name="Título 1">
             <a:extLst>
               <a:ext uri="{FF2B5EF4-FFF2-40B4-BE49-F238E27FC236}">
-                <a16:creationId xmlns="" xmlns:a16="http://schemas.microsoft.com/office/drawing/2014/main" id="{3FD696AD-97AE-0A4B-866A-8E7F94749276}"/>
+                <a16:creationId xmlns:a16="http://schemas.microsoft.com/office/drawing/2014/main" id="{3FD696AD-97AE-0A4B-866A-8E7F94749276}"/>
               </a:ext>
             </a:extLst>
           </p:cNvPr>
@@ -1707,7 +1705,7 @@
           <p:cNvPr id="3" name="Marcador de texto 2">
             <a:extLst>
               <a:ext uri="{FF2B5EF4-FFF2-40B4-BE49-F238E27FC236}">
-                <a16:creationId xmlns="" xmlns:a16="http://schemas.microsoft.com/office/drawing/2014/main" id="{A9DA794A-A9ED-D74B-9816-ABA56B940347}"/>
+                <a16:creationId xmlns:a16="http://schemas.microsoft.com/office/drawing/2014/main" id="{A9DA794A-A9ED-D74B-9816-ABA56B940347}"/>
               </a:ext>
             </a:extLst>
           </p:cNvPr>
@@ -1720,7 +1718,7 @@
         </p:nvSpPr>
         <p:spPr>
           <a:xfrm>
-            <a:off x="796000" y="1168101"/>
+            <a:off x="796000" y="1512657"/>
             <a:ext cx="10582242" cy="3507416"/>
           </a:xfrm>
         </p:spPr>
@@ -1798,7 +1796,7 @@
           <p:cNvPr id="4" name="Título 3">
             <a:extLst>
               <a:ext uri="{FF2B5EF4-FFF2-40B4-BE49-F238E27FC236}">
-                <a16:creationId xmlns="" xmlns:a16="http://schemas.microsoft.com/office/drawing/2014/main" id="{DAEFAD10-D531-A646-B780-2418143D9740}"/>
+                <a16:creationId xmlns:a16="http://schemas.microsoft.com/office/drawing/2014/main" id="{DAEFAD10-D531-A646-B780-2418143D9740}"/>
               </a:ext>
             </a:extLst>
           </p:cNvPr>
@@ -1817,11 +1815,11 @@
           <a:lstStyle/>
           <a:p>
             <a:r>
-              <a:rPr lang="es-EC" dirty="0" smtClean="0"/>
+              <a:rPr lang="es-EC" dirty="0"/>
               <a:t>Tamaño </a:t>
             </a:r>
             <a:r>
-              <a:rPr lang="es-EC" dirty="0" err="1" smtClean="0"/>
+              <a:rPr lang="es-EC" dirty="0" err="1"/>
               <a:t>muestral</a:t>
             </a:r>
             <a:endParaRPr lang="es-EC" dirty="0"/>
@@ -1833,7 +1831,7 @@
           <p:cNvPr id="5" name="Marcador de texto 4">
             <a:extLst>
               <a:ext uri="{FF2B5EF4-FFF2-40B4-BE49-F238E27FC236}">
-                <a16:creationId xmlns="" xmlns:a16="http://schemas.microsoft.com/office/drawing/2014/main" id="{5D931A0E-0B75-3D41-84A8-B9340AD00C6C}"/>
+                <a16:creationId xmlns:a16="http://schemas.microsoft.com/office/drawing/2014/main" id="{5D931A0E-0B75-3D41-84A8-B9340AD00C6C}"/>
               </a:ext>
             </a:extLst>
           </p:cNvPr>
@@ -1858,7 +1856,7 @@
           <p:cNvPr id="6" name="Marcador de texto 5">
             <a:extLst>
               <a:ext uri="{FF2B5EF4-FFF2-40B4-BE49-F238E27FC236}">
-                <a16:creationId xmlns="" xmlns:a16="http://schemas.microsoft.com/office/drawing/2014/main" id="{BFA92F3C-CE9E-1E45-9C49-25DA5E06B8E0}"/>
+                <a16:creationId xmlns:a16="http://schemas.microsoft.com/office/drawing/2014/main" id="{BFA92F3C-CE9E-1E45-9C49-25DA5E06B8E0}"/>
               </a:ext>
             </a:extLst>
           </p:cNvPr>
@@ -1875,7 +1873,7 @@
           <a:lstStyle/>
           <a:p>
             <a:r>
-              <a:rPr lang="es-ES" dirty="0" smtClean="0"/>
+              <a:rPr lang="es-ES" dirty="0"/>
               <a:t>05</a:t>
             </a:r>
             <a:endParaRPr lang="es-EC" dirty="0"/>
@@ -1917,7 +1915,7 @@
           <p:cNvPr id="2" name="Título 1">
             <a:extLst>
               <a:ext uri="{FF2B5EF4-FFF2-40B4-BE49-F238E27FC236}">
-                <a16:creationId xmlns="" xmlns:a16="http://schemas.microsoft.com/office/drawing/2014/main" id="{3FD696AD-97AE-0A4B-866A-8E7F94749276}"/>
+                <a16:creationId xmlns:a16="http://schemas.microsoft.com/office/drawing/2014/main" id="{3FD696AD-97AE-0A4B-866A-8E7F94749276}"/>
               </a:ext>
             </a:extLst>
           </p:cNvPr>
@@ -1934,25 +1932,25 @@
           <a:lstStyle/>
           <a:p>
             <a:r>
-              <a:rPr lang="es-MX" dirty="0" smtClean="0"/>
+              <a:rPr lang="es-MX" dirty="0"/>
               <a:t>Tamaño </a:t>
             </a:r>
             <a:r>
-              <a:rPr lang="es-MX" dirty="0" err="1" smtClean="0"/>
+              <a:rPr lang="es-MX" dirty="0" err="1"/>
               <a:t>muestral</a:t>
             </a:r>
             <a:endParaRPr lang="es-419" dirty="0"/>
           </a:p>
         </p:txBody>
       </p:sp>
-      <mc:AlternateContent xmlns:mc="http://schemas.openxmlformats.org/markup-compatibility/2006">
-        <mc:Choice xmlns:a14="http://schemas.microsoft.com/office/drawing/2010/main" Requires="a14">
+      <mc:AlternateContent xmlns:mc="http://schemas.openxmlformats.org/markup-compatibility/2006" xmlns:a14="http://schemas.microsoft.com/office/drawing/2010/main">
+        <mc:Choice Requires="a14">
           <p:sp>
             <p:nvSpPr>
               <p:cNvPr id="3" name="Marcador de texto 2">
                 <a:extLst>
                   <a:ext uri="{FF2B5EF4-FFF2-40B4-BE49-F238E27FC236}">
-                    <a16:creationId xmlns="" xmlns:a16="http://schemas.microsoft.com/office/drawing/2014/main" id="{A9DA794A-A9ED-D74B-9816-ABA56B940347}"/>
+                    <a16:creationId xmlns:a16="http://schemas.microsoft.com/office/drawing/2014/main" id="{A9DA794A-A9ED-D74B-9816-ABA56B940347}"/>
                   </a:ext>
                 </a:extLst>
               </p:cNvPr>
@@ -1981,11 +1979,7 @@
                 </a:pPr>
                 <a:r>
                   <a:rPr lang="es-ES" dirty="0"/>
-                  <a:t>Para determinar el tamaño de la muestra se usa como variable de diseño “Ventas Totales”. La fórmula para dicho cálculo se presenta a continuación</a:t>
-                </a:r>
-                <a:r>
-                  <a:rPr lang="es-ES" dirty="0" smtClean="0"/>
-                  <a:t>:</a:t>
+                  <a:t>Para determinar el tamaño de la muestra se usa como variable de diseño “Ventas Totales”. La fórmula para dicho cálculo se presenta a continuación:</a:t>
                 </a:r>
               </a:p>
               <a:p>
@@ -2439,7 +2433,7 @@
                     </m:oMath>
                   </m:oMathPara>
                 </a14:m>
-                <a:endParaRPr lang="es-ES" dirty="0" smtClean="0"/>
+                <a:endParaRPr lang="es-ES" dirty="0"/>
               </a:p>
               <a:p>
                 <a:pPr algn="just"/>
@@ -2530,7 +2524,7 @@
             </p:txBody>
           </p:sp>
         </mc:Choice>
-        <mc:Fallback>
+        <mc:Fallback xmlns="">
           <p:sp>
             <p:nvSpPr>
               <p:cNvPr id="3" name="Marcador de texto 2">
@@ -2579,7 +2573,7 @@
           <p:cNvPr id="4" name="Marcador de texto 3">
             <a:extLst>
               <a:ext uri="{FF2B5EF4-FFF2-40B4-BE49-F238E27FC236}">
-                <a16:creationId xmlns="" xmlns:a16="http://schemas.microsoft.com/office/drawing/2014/main" id="{3C5C67A1-29D7-1048-826C-D7445004ADF8}"/>
+                <a16:creationId xmlns:a16="http://schemas.microsoft.com/office/drawing/2014/main" id="{3C5C67A1-29D7-1048-826C-D7445004ADF8}"/>
               </a:ext>
             </a:extLst>
           </p:cNvPr>
@@ -2636,7 +2630,7 @@
           <p:cNvPr id="2" name="Título 1">
             <a:extLst>
               <a:ext uri="{FF2B5EF4-FFF2-40B4-BE49-F238E27FC236}">
-                <a16:creationId xmlns="" xmlns:a16="http://schemas.microsoft.com/office/drawing/2014/main" id="{3FD696AD-97AE-0A4B-866A-8E7F94749276}"/>
+                <a16:creationId xmlns:a16="http://schemas.microsoft.com/office/drawing/2014/main" id="{3FD696AD-97AE-0A4B-866A-8E7F94749276}"/>
               </a:ext>
             </a:extLst>
           </p:cNvPr>
@@ -2653,7 +2647,7 @@
           <a:lstStyle/>
           <a:p>
             <a:r>
-              <a:rPr lang="es-MX" dirty="0" smtClean="0"/>
+              <a:rPr lang="es-MX" dirty="0"/>
               <a:t>Tasas de no respuesta (TNR)</a:t>
             </a:r>
             <a:endParaRPr lang="es-419" dirty="0"/>
@@ -2665,7 +2659,7 @@
           <p:cNvPr id="3" name="Marcador de texto 2">
             <a:extLst>
               <a:ext uri="{FF2B5EF4-FFF2-40B4-BE49-F238E27FC236}">
-                <a16:creationId xmlns="" xmlns:a16="http://schemas.microsoft.com/office/drawing/2014/main" id="{A9DA794A-A9ED-D74B-9816-ABA56B940347}"/>
+                <a16:creationId xmlns:a16="http://schemas.microsoft.com/office/drawing/2014/main" id="{A9DA794A-A9ED-D74B-9816-ABA56B940347}"/>
               </a:ext>
             </a:extLst>
           </p:cNvPr>
@@ -2694,39 +2688,15 @@
             </a:pPr>
             <a:r>
               <a:rPr lang="es-ES" dirty="0"/>
-              <a:t>Se </a:t>
+              <a:t>Se consideran las tasas de no respuesta de la cobertura histórica actualizada para la </a:t>
             </a:r>
             <a:r>
-              <a:rPr lang="es-ES" dirty="0" smtClean="0"/>
-              <a:t>consideran las tasas de </a:t>
+              <a:rPr lang="es-ES" i="1" dirty="0"/>
+              <a:t>Encuesta Estructural Empresarial </a:t>
             </a:r>
             <a:r>
               <a:rPr lang="es-ES" dirty="0"/>
-              <a:t>no respuesta </a:t>
-            </a:r>
-            <a:r>
-              <a:rPr lang="es-ES" dirty="0" smtClean="0"/>
-              <a:t>de </a:t>
-            </a:r>
-            <a:r>
-              <a:rPr lang="es-ES" dirty="0"/>
-              <a:t>la cobertura histórica actualizada para la </a:t>
-            </a:r>
-            <a:r>
-              <a:rPr lang="es-ES" i="1" dirty="0"/>
-              <a:t>Encuesta Estructural </a:t>
-            </a:r>
-            <a:r>
-              <a:rPr lang="es-ES" i="1" dirty="0" smtClean="0"/>
-              <a:t>Empresarial </a:t>
-            </a:r>
-            <a:r>
-              <a:rPr lang="es-ES" dirty="0" smtClean="0"/>
-              <a:t>ENESEM-2021</a:t>
-            </a:r>
-            <a:r>
-              <a:rPr lang="es-ES" dirty="0" smtClean="0"/>
-              <a:t>.</a:t>
+              <a:t>ENESEM-2021.</a:t>
             </a:r>
           </a:p>
           <a:p>
@@ -2735,7 +2705,7 @@
               <a:buChar char="•"/>
             </a:pPr>
             <a:r>
-              <a:rPr lang="es-ES" dirty="0" smtClean="0"/>
+              <a:rPr lang="es-ES" dirty="0"/>
               <a:t>Para las “Pequeñas Empresas” y algunos otros dominios no se cuenta con una tasa de no respuesta ya que la ENESEM no recolecta información para esos casos.</a:t>
             </a:r>
           </a:p>
@@ -2745,22 +2715,9 @@
               <a:buChar char="•"/>
             </a:pPr>
             <a:r>
-              <a:rPr lang="es-ES" dirty="0" smtClean="0"/>
-              <a:t>Para </a:t>
+              <a:rPr lang="es-ES" dirty="0"/>
+              <a:t>Para el caso de las “Pequeñas Empresas” se asigna como TNR el promedio de aquellos dominios de estudio que comparten la misma actividad principal. </a:t>
             </a:r>
-            <a:r>
-              <a:rPr lang="es-ES" dirty="0"/>
-              <a:t>el caso de las “Pequeñas Empresas” se asigna como TNR el promedio de aquellos dominios de estudio que </a:t>
-            </a:r>
-            <a:r>
-              <a:rPr lang="es-ES" dirty="0" smtClean="0"/>
-              <a:t>comparten </a:t>
-            </a:r>
-            <a:r>
-              <a:rPr lang="es-ES" dirty="0"/>
-              <a:t>la misma actividad principal. </a:t>
-            </a:r>
-            <a:endParaRPr lang="es-ES" dirty="0" smtClean="0"/>
           </a:p>
           <a:p>
             <a:pPr marL="342900" indent="-342900" algn="just">
@@ -2768,14 +2725,9 @@
               <a:buChar char="•"/>
             </a:pPr>
             <a:r>
-              <a:rPr lang="es-ES" dirty="0" smtClean="0"/>
-              <a:t>Para </a:t>
+              <a:rPr lang="es-ES" dirty="0"/>
+              <a:t>Para todos los dominios, de los que no se disponen de tasa de no respuesta, se propone desde el equipo de DECON/CAB-SIP fijar en el 20%. </a:t>
             </a:r>
-            <a:r>
-              <a:rPr lang="es-ES" dirty="0"/>
-              <a:t>todos los dominios, de los que no se disponen de tasa de no respuesta, se propone desde el equipo de DECON/CAB-SIP fijar en el 20%. </a:t>
-            </a:r>
-            <a:endParaRPr lang="es-ES" dirty="0" smtClean="0"/>
           </a:p>
           <a:p>
             <a:pPr marL="342900" indent="-342900" algn="just">
@@ -2783,12 +2735,8 @@
               <a:buChar char="•"/>
             </a:pPr>
             <a:r>
-              <a:rPr lang="es-ES" dirty="0" smtClean="0"/>
-              <a:t>Para </a:t>
-            </a:r>
-            <a:r>
               <a:rPr lang="es-ES" dirty="0"/>
-              <a:t>las “Grandes Empresas” no se requiere una tasa de no respuesta ya que tienen probabilidad uno (1) de inclusión.</a:t>
+              <a:t>Para las “Grandes Empresas” no se requiere una tasa de no respuesta ya que tienen probabilidad uno (1) de inclusión.</a:t>
             </a:r>
           </a:p>
         </p:txBody>
@@ -2828,7 +2776,7 @@
           <p:cNvPr id="4" name="Título 3">
             <a:extLst>
               <a:ext uri="{FF2B5EF4-FFF2-40B4-BE49-F238E27FC236}">
-                <a16:creationId xmlns="" xmlns:a16="http://schemas.microsoft.com/office/drawing/2014/main" id="{DAEFAD10-D531-A646-B780-2418143D9740}"/>
+                <a16:creationId xmlns:a16="http://schemas.microsoft.com/office/drawing/2014/main" id="{DAEFAD10-D531-A646-B780-2418143D9740}"/>
               </a:ext>
             </a:extLst>
           </p:cNvPr>
@@ -2858,7 +2806,7 @@
           <p:cNvPr id="5" name="Marcador de texto 4">
             <a:extLst>
               <a:ext uri="{FF2B5EF4-FFF2-40B4-BE49-F238E27FC236}">
-                <a16:creationId xmlns="" xmlns:a16="http://schemas.microsoft.com/office/drawing/2014/main" id="{5D931A0E-0B75-3D41-84A8-B9340AD00C6C}"/>
+                <a16:creationId xmlns:a16="http://schemas.microsoft.com/office/drawing/2014/main" id="{5D931A0E-0B75-3D41-84A8-B9340AD00C6C}"/>
               </a:ext>
             </a:extLst>
           </p:cNvPr>
@@ -2883,7 +2831,7 @@
           <p:cNvPr id="6" name="Marcador de texto 5">
             <a:extLst>
               <a:ext uri="{FF2B5EF4-FFF2-40B4-BE49-F238E27FC236}">
-                <a16:creationId xmlns="" xmlns:a16="http://schemas.microsoft.com/office/drawing/2014/main" id="{BFA92F3C-CE9E-1E45-9C49-25DA5E06B8E0}"/>
+                <a16:creationId xmlns:a16="http://schemas.microsoft.com/office/drawing/2014/main" id="{BFA92F3C-CE9E-1E45-9C49-25DA5E06B8E0}"/>
               </a:ext>
             </a:extLst>
           </p:cNvPr>
@@ -2900,7 +2848,7 @@
           <a:lstStyle/>
           <a:p>
             <a:r>
-              <a:rPr lang="es-ES" dirty="0" smtClean="0"/>
+              <a:rPr lang="es-ES" dirty="0"/>
               <a:t>06</a:t>
             </a:r>
             <a:endParaRPr lang="es-EC" dirty="0"/>
@@ -2942,7 +2890,7 @@
           <p:cNvPr id="2" name="Título 1">
             <a:extLst>
               <a:ext uri="{FF2B5EF4-FFF2-40B4-BE49-F238E27FC236}">
-                <a16:creationId xmlns="" xmlns:a16="http://schemas.microsoft.com/office/drawing/2014/main" id="{3FD696AD-97AE-0A4B-866A-8E7F94749276}"/>
+                <a16:creationId xmlns:a16="http://schemas.microsoft.com/office/drawing/2014/main" id="{3FD696AD-97AE-0A4B-866A-8E7F94749276}"/>
               </a:ext>
             </a:extLst>
           </p:cNvPr>
@@ -2966,14 +2914,14 @@
           </a:p>
         </p:txBody>
       </p:sp>
-      <mc:AlternateContent xmlns:mc="http://schemas.openxmlformats.org/markup-compatibility/2006" xmlns:a14="http://schemas.microsoft.com/office/drawing/2010/main">
-        <mc:Choice Requires="a14">
+      <mc:AlternateContent xmlns:mc="http://schemas.openxmlformats.org/markup-compatibility/2006">
+        <mc:Choice xmlns:a14="http://schemas.microsoft.com/office/drawing/2010/main" Requires="a14">
           <p:sp>
             <p:nvSpPr>
               <p:cNvPr id="3" name="Marcador de texto 2">
                 <a:extLst>
                   <a:ext uri="{FF2B5EF4-FFF2-40B4-BE49-F238E27FC236}">
-                    <a16:creationId xmlns="" xmlns:a16="http://schemas.microsoft.com/office/drawing/2014/main" id="{A9DA794A-A9ED-D74B-9816-ABA56B940347}"/>
+                    <a16:creationId xmlns:a16="http://schemas.microsoft.com/office/drawing/2014/main" id="{A9DA794A-A9ED-D74B-9816-ABA56B940347}"/>
                   </a:ext>
                 </a:extLst>
               </p:cNvPr>
@@ -2986,7 +2934,7 @@
             </p:nvSpPr>
             <p:spPr>
               <a:xfrm>
-                <a:off x="796000" y="1168101"/>
+                <a:off x="796000" y="1446396"/>
                 <a:ext cx="10582242" cy="4387310"/>
               </a:xfrm>
             </p:spPr>
@@ -4119,13 +4067,13 @@
             </p:txBody>
           </p:sp>
         </mc:Choice>
-        <mc:Fallback xmlns="">
+        <mc:Fallback>
           <p:sp>
             <p:nvSpPr>
               <p:cNvPr id="3" name="Marcador de texto 2">
                 <a:extLst>
                   <a:ext uri="{FF2B5EF4-FFF2-40B4-BE49-F238E27FC236}">
-                    <a16:creationId xmlns:a16="http://schemas.microsoft.com/office/drawing/2014/main" xmlns="" id="{A9DA794A-A9ED-D74B-9816-ABA56B940347}"/>
+                    <a16:creationId xmlns:a16="http://schemas.microsoft.com/office/drawing/2014/main" id="{A9DA794A-A9ED-D74B-9816-ABA56B940347}"/>
                   </a:ext>
                 </a:extLst>
               </p:cNvPr>
@@ -4138,13 +4086,13 @@
             </p:nvSpPr>
             <p:spPr>
               <a:xfrm>
-                <a:off x="796000" y="1168101"/>
+                <a:off x="796000" y="1446396"/>
                 <a:ext cx="10582242" cy="4387310"/>
               </a:xfrm>
-              <a:blipFill rotWithShape="0">
+              <a:blipFill>
                 <a:blip r:embed="rId2"/>
                 <a:stretch>
-                  <a:fillRect l="-922" t="-1947" r="-1613"/>
+                  <a:fillRect l="-922" t="-1944" r="-1613"/>
                 </a:stretch>
               </a:blipFill>
             </p:spPr>
@@ -4168,7 +4116,7 @@
           <p:cNvPr id="4" name="Marcador de texto 3">
             <a:extLst>
               <a:ext uri="{FF2B5EF4-FFF2-40B4-BE49-F238E27FC236}">
-                <a16:creationId xmlns="" xmlns:a16="http://schemas.microsoft.com/office/drawing/2014/main" id="{3C5C67A1-29D7-1048-826C-D7445004ADF8}"/>
+                <a16:creationId xmlns:a16="http://schemas.microsoft.com/office/drawing/2014/main" id="{3C5C67A1-29D7-1048-826C-D7445004ADF8}"/>
               </a:ext>
             </a:extLst>
           </p:cNvPr>
@@ -4255,7 +4203,7 @@
           <p:cNvPr id="4" name="Título 3">
             <a:extLst>
               <a:ext uri="{FF2B5EF4-FFF2-40B4-BE49-F238E27FC236}">
-                <a16:creationId xmlns="" xmlns:a16="http://schemas.microsoft.com/office/drawing/2014/main" id="{DAEFAD10-D531-A646-B780-2418143D9740}"/>
+                <a16:creationId xmlns:a16="http://schemas.microsoft.com/office/drawing/2014/main" id="{DAEFAD10-D531-A646-B780-2418143D9740}"/>
               </a:ext>
             </a:extLst>
           </p:cNvPr>
@@ -4274,10 +4222,9 @@
           <a:lstStyle/>
           <a:p>
             <a:r>
-              <a:rPr lang="es-EC" dirty="0" smtClean="0"/>
+              <a:rPr lang="es-EC" dirty="0"/>
               <a:t>Introducción</a:t>
             </a:r>
-            <a:endParaRPr lang="es-EC" dirty="0"/>
           </a:p>
         </p:txBody>
       </p:sp>
@@ -4286,7 +4233,7 @@
           <p:cNvPr id="5" name="Marcador de texto 4">
             <a:extLst>
               <a:ext uri="{FF2B5EF4-FFF2-40B4-BE49-F238E27FC236}">
-                <a16:creationId xmlns="" xmlns:a16="http://schemas.microsoft.com/office/drawing/2014/main" id="{5D931A0E-0B75-3D41-84A8-B9340AD00C6C}"/>
+                <a16:creationId xmlns:a16="http://schemas.microsoft.com/office/drawing/2014/main" id="{5D931A0E-0B75-3D41-84A8-B9340AD00C6C}"/>
               </a:ext>
             </a:extLst>
           </p:cNvPr>
@@ -4311,7 +4258,7 @@
           <p:cNvPr id="6" name="Marcador de texto 5">
             <a:extLst>
               <a:ext uri="{FF2B5EF4-FFF2-40B4-BE49-F238E27FC236}">
-                <a16:creationId xmlns="" xmlns:a16="http://schemas.microsoft.com/office/drawing/2014/main" id="{BFA92F3C-CE9E-1E45-9C49-25DA5E06B8E0}"/>
+                <a16:creationId xmlns:a16="http://schemas.microsoft.com/office/drawing/2014/main" id="{BFA92F3C-CE9E-1E45-9C49-25DA5E06B8E0}"/>
               </a:ext>
             </a:extLst>
           </p:cNvPr>
@@ -4366,7 +4313,7 @@
           <p:cNvPr id="2" name="Título 1">
             <a:extLst>
               <a:ext uri="{FF2B5EF4-FFF2-40B4-BE49-F238E27FC236}">
-                <a16:creationId xmlns="" xmlns:a16="http://schemas.microsoft.com/office/drawing/2014/main" id="{3FD696AD-97AE-0A4B-866A-8E7F94749276}"/>
+                <a16:creationId xmlns:a16="http://schemas.microsoft.com/office/drawing/2014/main" id="{3FD696AD-97AE-0A4B-866A-8E7F94749276}"/>
               </a:ext>
             </a:extLst>
           </p:cNvPr>
@@ -4383,10 +4330,9 @@
           <a:lstStyle/>
           <a:p>
             <a:r>
-              <a:rPr lang="es-419" dirty="0" smtClean="0"/>
+              <a:rPr lang="es-419" dirty="0"/>
               <a:t>Introducción</a:t>
             </a:r>
-            <a:endParaRPr lang="es-419" dirty="0"/>
           </a:p>
         </p:txBody>
       </p:sp>
@@ -4395,7 +4341,7 @@
           <p:cNvPr id="3" name="Marcador de texto 2">
             <a:extLst>
               <a:ext uri="{FF2B5EF4-FFF2-40B4-BE49-F238E27FC236}">
-                <a16:creationId xmlns="" xmlns:a16="http://schemas.microsoft.com/office/drawing/2014/main" id="{A9DA794A-A9ED-D74B-9816-ABA56B940347}"/>
+                <a16:creationId xmlns:a16="http://schemas.microsoft.com/office/drawing/2014/main" id="{A9DA794A-A9ED-D74B-9816-ABA56B940347}"/>
               </a:ext>
             </a:extLst>
           </p:cNvPr>
@@ -4432,7 +4378,7 @@
           <p:cNvPr id="5" name="Título 1">
             <a:extLst>
               <a:ext uri="{FF2B5EF4-FFF2-40B4-BE49-F238E27FC236}">
-                <a16:creationId xmlns="" xmlns:a16="http://schemas.microsoft.com/office/drawing/2014/main" id="{3FD696AD-97AE-0A4B-866A-8E7F94749276}"/>
+                <a16:creationId xmlns:a16="http://schemas.microsoft.com/office/drawing/2014/main" id="{3FD696AD-97AE-0A4B-866A-8E7F94749276}"/>
               </a:ext>
             </a:extLst>
           </p:cNvPr>
@@ -4486,7 +4432,7 @@
           <p:cNvPr id="6" name="Marcador de texto 2">
             <a:extLst>
               <a:ext uri="{FF2B5EF4-FFF2-40B4-BE49-F238E27FC236}">
-                <a16:creationId xmlns="" xmlns:a16="http://schemas.microsoft.com/office/drawing/2014/main" id="{A9DA794A-A9ED-D74B-9816-ABA56B940347}"/>
+                <a16:creationId xmlns:a16="http://schemas.microsoft.com/office/drawing/2014/main" id="{A9DA794A-A9ED-D74B-9816-ABA56B940347}"/>
               </a:ext>
             </a:extLst>
           </p:cNvPr>
@@ -4724,7 +4670,7 @@
           <p:cNvPr id="4" name="Título 3">
             <a:extLst>
               <a:ext uri="{FF2B5EF4-FFF2-40B4-BE49-F238E27FC236}">
-                <a16:creationId xmlns="" xmlns:a16="http://schemas.microsoft.com/office/drawing/2014/main" id="{DAEFAD10-D531-A646-B780-2418143D9740}"/>
+                <a16:creationId xmlns:a16="http://schemas.microsoft.com/office/drawing/2014/main" id="{DAEFAD10-D531-A646-B780-2418143D9740}"/>
               </a:ext>
             </a:extLst>
           </p:cNvPr>
@@ -4759,7 +4705,7 @@
           <p:cNvPr id="5" name="Marcador de texto 4">
             <a:extLst>
               <a:ext uri="{FF2B5EF4-FFF2-40B4-BE49-F238E27FC236}">
-                <a16:creationId xmlns="" xmlns:a16="http://schemas.microsoft.com/office/drawing/2014/main" id="{5D931A0E-0B75-3D41-84A8-B9340AD00C6C}"/>
+                <a16:creationId xmlns:a16="http://schemas.microsoft.com/office/drawing/2014/main" id="{5D931A0E-0B75-3D41-84A8-B9340AD00C6C}"/>
               </a:ext>
             </a:extLst>
           </p:cNvPr>
@@ -4784,7 +4730,7 @@
           <p:cNvPr id="6" name="Marcador de texto 5">
             <a:extLst>
               <a:ext uri="{FF2B5EF4-FFF2-40B4-BE49-F238E27FC236}">
-                <a16:creationId xmlns="" xmlns:a16="http://schemas.microsoft.com/office/drawing/2014/main" id="{BFA92F3C-CE9E-1E45-9C49-25DA5E06B8E0}"/>
+                <a16:creationId xmlns:a16="http://schemas.microsoft.com/office/drawing/2014/main" id="{BFA92F3C-CE9E-1E45-9C49-25DA5E06B8E0}"/>
               </a:ext>
             </a:extLst>
           </p:cNvPr>
@@ -4801,7 +4747,7 @@
           <a:lstStyle/>
           <a:p>
             <a:r>
-              <a:rPr lang="es-ES" dirty="0" smtClean="0"/>
+              <a:rPr lang="es-ES" dirty="0"/>
               <a:t>02</a:t>
             </a:r>
             <a:endParaRPr lang="es-EC" dirty="0"/>
@@ -4843,7 +4789,7 @@
           <p:cNvPr id="2" name="Título 1">
             <a:extLst>
               <a:ext uri="{FF2B5EF4-FFF2-40B4-BE49-F238E27FC236}">
-                <a16:creationId xmlns="" xmlns:a16="http://schemas.microsoft.com/office/drawing/2014/main" id="{3FD696AD-97AE-0A4B-866A-8E7F94749276}"/>
+                <a16:creationId xmlns:a16="http://schemas.microsoft.com/office/drawing/2014/main" id="{3FD696AD-97AE-0A4B-866A-8E7F94749276}"/>
               </a:ext>
             </a:extLst>
           </p:cNvPr>
@@ -4871,7 +4817,7 @@
           <p:cNvPr id="3" name="Marcador de texto 2">
             <a:extLst>
               <a:ext uri="{FF2B5EF4-FFF2-40B4-BE49-F238E27FC236}">
-                <a16:creationId xmlns="" xmlns:a16="http://schemas.microsoft.com/office/drawing/2014/main" id="{A9DA794A-A9ED-D74B-9816-ABA56B940347}"/>
+                <a16:creationId xmlns:a16="http://schemas.microsoft.com/office/drawing/2014/main" id="{A9DA794A-A9ED-D74B-9816-ABA56B940347}"/>
               </a:ext>
             </a:extLst>
           </p:cNvPr>
@@ -4980,7 +4926,7 @@
           <p:cNvPr id="4" name="Marcador de texto 3">
             <a:extLst>
               <a:ext uri="{FF2B5EF4-FFF2-40B4-BE49-F238E27FC236}">
-                <a16:creationId xmlns="" xmlns:a16="http://schemas.microsoft.com/office/drawing/2014/main" id="{3C5C67A1-29D7-1048-826C-D7445004ADF8}"/>
+                <a16:creationId xmlns:a16="http://schemas.microsoft.com/office/drawing/2014/main" id="{3C5C67A1-29D7-1048-826C-D7445004ADF8}"/>
               </a:ext>
             </a:extLst>
           </p:cNvPr>
@@ -4998,7 +4944,7 @@
           </a:bodyPr>
           <a:lstStyle/>
           <a:p>
-            <a:endParaRPr lang="es-419" dirty="0" smtClean="0"/>
+            <a:endParaRPr lang="es-419" dirty="0"/>
           </a:p>
           <a:p>
             <a:endParaRPr lang="es-419" dirty="0"/>
@@ -5040,7 +4986,7 @@
           <p:cNvPr id="2" name="Título 1">
             <a:extLst>
               <a:ext uri="{FF2B5EF4-FFF2-40B4-BE49-F238E27FC236}">
-                <a16:creationId xmlns="" xmlns:a16="http://schemas.microsoft.com/office/drawing/2014/main" id="{3FD696AD-97AE-0A4B-866A-8E7F94749276}"/>
+                <a16:creationId xmlns:a16="http://schemas.microsoft.com/office/drawing/2014/main" id="{3FD696AD-97AE-0A4B-866A-8E7F94749276}"/>
               </a:ext>
             </a:extLst>
           </p:cNvPr>
@@ -5068,7 +5014,7 @@
           <p:cNvPr id="3" name="Marcador de texto 2">
             <a:extLst>
               <a:ext uri="{FF2B5EF4-FFF2-40B4-BE49-F238E27FC236}">
-                <a16:creationId xmlns="" xmlns:a16="http://schemas.microsoft.com/office/drawing/2014/main" id="{A9DA794A-A9ED-D74B-9816-ABA56B940347}"/>
+                <a16:creationId xmlns:a16="http://schemas.microsoft.com/office/drawing/2014/main" id="{A9DA794A-A9ED-D74B-9816-ABA56B940347}"/>
               </a:ext>
             </a:extLst>
           </p:cNvPr>
@@ -5097,20 +5043,15 @@
             </a:pPr>
             <a:r>
               <a:rPr lang="es-ES" dirty="0"/>
-              <a:t>El marco de muestreo queda constituido </a:t>
+              <a:t>El marco de muestreo queda constituido por 5.965 empresas:</a:t>
             </a:r>
-            <a:r>
-              <a:rPr lang="es-ES" dirty="0" smtClean="0"/>
-              <a:t>por 5.965 empresas:</a:t>
-            </a:r>
-            <a:endParaRPr lang="es-ES" dirty="0" smtClean="0"/>
           </a:p>
           <a:p>
             <a:pPr marL="342900" indent="-342900" algn="just">
               <a:buFont typeface="Arial" panose="020B0604020202020204" pitchFamily="34" charset="0"/>
               <a:buChar char="•"/>
             </a:pPr>
-            <a:endParaRPr lang="es-ES" dirty="0" smtClean="0"/>
+            <a:endParaRPr lang="es-ES" dirty="0"/>
           </a:p>
           <a:p>
             <a:pPr marL="342900" indent="-342900" algn="just">
@@ -5126,7 +5067,7 @@
           <p:cNvPr id="7" name="Marcador de texto 2">
             <a:extLst>
               <a:ext uri="{FF2B5EF4-FFF2-40B4-BE49-F238E27FC236}">
-                <a16:creationId xmlns="" xmlns:a16="http://schemas.microsoft.com/office/drawing/2014/main" id="{A9DA794A-A9ED-D74B-9816-ABA56B940347}"/>
+                <a16:creationId xmlns:a16="http://schemas.microsoft.com/office/drawing/2014/main" id="{A9DA794A-A9ED-D74B-9816-ABA56B940347}"/>
               </a:ext>
             </a:extLst>
           </p:cNvPr>
@@ -5317,7 +5258,7 @@
               <a:buFont typeface="Arial" panose="020B0604020202020204" pitchFamily="34" charset="0"/>
               <a:buChar char="•"/>
             </a:pPr>
-            <a:endParaRPr lang="es-ES" dirty="0" smtClean="0"/>
+            <a:endParaRPr lang="es-ES" dirty="0"/>
           </a:p>
           <a:p>
             <a:pPr marL="342900" indent="-342900" algn="just">
@@ -5353,13 +5294,55 @@
                 <a:tableStyleId>{5C22544A-7EE6-4342-B048-85BDC9FD1C3A}</a:tableStyleId>
               </a:tblPr>
               <a:tblGrid>
-                <a:gridCol w="983412"/>
-                <a:gridCol w="3678097"/>
-                <a:gridCol w="1534017"/>
-                <a:gridCol w="1010786"/>
-                <a:gridCol w="927546"/>
-                <a:gridCol w="868087"/>
-                <a:gridCol w="737280"/>
+                <a:gridCol w="983412">
+                  <a:extLst>
+                    <a:ext uri="{9D8B030D-6E8A-4147-A177-3AD203B41FA5}">
+                      <a16:colId xmlns:a16="http://schemas.microsoft.com/office/drawing/2014/main" val="20000"/>
+                    </a:ext>
+                  </a:extLst>
+                </a:gridCol>
+                <a:gridCol w="3678097">
+                  <a:extLst>
+                    <a:ext uri="{9D8B030D-6E8A-4147-A177-3AD203B41FA5}">
+                      <a16:colId xmlns:a16="http://schemas.microsoft.com/office/drawing/2014/main" val="20001"/>
+                    </a:ext>
+                  </a:extLst>
+                </a:gridCol>
+                <a:gridCol w="1534017">
+                  <a:extLst>
+                    <a:ext uri="{9D8B030D-6E8A-4147-A177-3AD203B41FA5}">
+                      <a16:colId xmlns:a16="http://schemas.microsoft.com/office/drawing/2014/main" val="20002"/>
+                    </a:ext>
+                  </a:extLst>
+                </a:gridCol>
+                <a:gridCol w="1010786">
+                  <a:extLst>
+                    <a:ext uri="{9D8B030D-6E8A-4147-A177-3AD203B41FA5}">
+                      <a16:colId xmlns:a16="http://schemas.microsoft.com/office/drawing/2014/main" val="20003"/>
+                    </a:ext>
+                  </a:extLst>
+                </a:gridCol>
+                <a:gridCol w="927546">
+                  <a:extLst>
+                    <a:ext uri="{9D8B030D-6E8A-4147-A177-3AD203B41FA5}">
+                      <a16:colId xmlns:a16="http://schemas.microsoft.com/office/drawing/2014/main" val="20004"/>
+                    </a:ext>
+                  </a:extLst>
+                </a:gridCol>
+                <a:gridCol w="868087">
+                  <a:extLst>
+                    <a:ext uri="{9D8B030D-6E8A-4147-A177-3AD203B41FA5}">
+                      <a16:colId xmlns:a16="http://schemas.microsoft.com/office/drawing/2014/main" val="20005"/>
+                    </a:ext>
+                  </a:extLst>
+                </a:gridCol>
+                <a:gridCol w="737280">
+                  <a:extLst>
+                    <a:ext uri="{9D8B030D-6E8A-4147-A177-3AD203B41FA5}">
+                      <a16:colId xmlns:a16="http://schemas.microsoft.com/office/drawing/2014/main" val="20006"/>
+                    </a:ext>
+                  </a:extLst>
+                </a:gridCol>
               </a:tblGrid>
               <a:tr h="196991">
                 <a:tc rowSpan="2">
@@ -5484,6 +5467,11 @@
                   </a:txBody>
                   <a:tcPr marL="6243" marR="6243" marT="6243" marB="0" anchor="ctr"/>
                 </a:tc>
+                <a:extLst>
+                  <a:ext uri="{0D108BD9-81ED-4DB2-BD59-A6C34878D82A}">
+                    <a16:rowId xmlns:a16="http://schemas.microsoft.com/office/drawing/2014/main" val="10000"/>
+                  </a:ext>
+                </a:extLst>
               </a:tr>
               <a:tr h="374282">
                 <a:tc vMerge="1">
@@ -5608,6 +5596,11 @@
                   </a:txBody>
                   <a:tcPr/>
                 </a:tc>
+                <a:extLst>
+                  <a:ext uri="{0D108BD9-81ED-4DB2-BD59-A6C34878D82A}">
+                    <a16:rowId xmlns:a16="http://schemas.microsoft.com/office/drawing/2014/main" val="10001"/>
+                  </a:ext>
+                </a:extLst>
               </a:tr>
               <a:tr h="380848">
                 <a:tc>
@@ -5771,6 +5764,11 @@
                   </a:txBody>
                   <a:tcPr marL="6243" marR="6243" marT="6243" marB="0" anchor="ctr"/>
                 </a:tc>
+                <a:extLst>
+                  <a:ext uri="{0D108BD9-81ED-4DB2-BD59-A6C34878D82A}">
+                    <a16:rowId xmlns:a16="http://schemas.microsoft.com/office/drawing/2014/main" val="10002"/>
+                  </a:ext>
+                </a:extLst>
               </a:tr>
               <a:tr h="196991">
                 <a:tc>
@@ -5934,6 +5932,11 @@
                   </a:txBody>
                   <a:tcPr marL="6243" marR="6243" marT="6243" marB="0" anchor="ctr"/>
                 </a:tc>
+                <a:extLst>
+                  <a:ext uri="{0D108BD9-81ED-4DB2-BD59-A6C34878D82A}">
+                    <a16:rowId xmlns:a16="http://schemas.microsoft.com/office/drawing/2014/main" val="10003"/>
+                  </a:ext>
+                </a:extLst>
               </a:tr>
               <a:tr h="196991">
                 <a:tc>
@@ -6097,6 +6100,11 @@
                   </a:txBody>
                   <a:tcPr marL="6243" marR="6243" marT="6243" marB="0" anchor="ctr"/>
                 </a:tc>
+                <a:extLst>
+                  <a:ext uri="{0D108BD9-81ED-4DB2-BD59-A6C34878D82A}">
+                    <a16:rowId xmlns:a16="http://schemas.microsoft.com/office/drawing/2014/main" val="10004"/>
+                  </a:ext>
+                </a:extLst>
               </a:tr>
               <a:tr h="374282">
                 <a:tc>
@@ -6260,6 +6268,11 @@
                   </a:txBody>
                   <a:tcPr marL="6243" marR="6243" marT="6243" marB="0" anchor="ctr"/>
                 </a:tc>
+                <a:extLst>
+                  <a:ext uri="{0D108BD9-81ED-4DB2-BD59-A6C34878D82A}">
+                    <a16:rowId xmlns:a16="http://schemas.microsoft.com/office/drawing/2014/main" val="10005"/>
+                  </a:ext>
+                </a:extLst>
               </a:tr>
               <a:tr h="374282">
                 <a:tc>
@@ -6423,6 +6436,11 @@
                   </a:txBody>
                   <a:tcPr marL="6243" marR="6243" marT="6243" marB="0" anchor="ctr"/>
                 </a:tc>
+                <a:extLst>
+                  <a:ext uri="{0D108BD9-81ED-4DB2-BD59-A6C34878D82A}">
+                    <a16:rowId xmlns:a16="http://schemas.microsoft.com/office/drawing/2014/main" val="10006"/>
+                  </a:ext>
+                </a:extLst>
               </a:tr>
               <a:tr h="196991">
                 <a:tc>
@@ -6586,6 +6604,11 @@
                   </a:txBody>
                   <a:tcPr marL="6243" marR="6243" marT="6243" marB="0" anchor="ctr"/>
                 </a:tc>
+                <a:extLst>
+                  <a:ext uri="{0D108BD9-81ED-4DB2-BD59-A6C34878D82A}">
+                    <a16:rowId xmlns:a16="http://schemas.microsoft.com/office/drawing/2014/main" val="10007"/>
+                  </a:ext>
+                </a:extLst>
               </a:tr>
               <a:tr h="374282">
                 <a:tc>
@@ -6749,6 +6772,11 @@
                   </a:txBody>
                   <a:tcPr marL="6243" marR="6243" marT="6243" marB="0" anchor="ctr"/>
                 </a:tc>
+                <a:extLst>
+                  <a:ext uri="{0D108BD9-81ED-4DB2-BD59-A6C34878D82A}">
+                    <a16:rowId xmlns:a16="http://schemas.microsoft.com/office/drawing/2014/main" val="10008"/>
+                  </a:ext>
+                </a:extLst>
               </a:tr>
               <a:tr h="196991">
                 <a:tc>
@@ -6912,6 +6940,11 @@
                   </a:txBody>
                   <a:tcPr marL="6243" marR="6243" marT="6243" marB="0" anchor="ctr"/>
                 </a:tc>
+                <a:extLst>
+                  <a:ext uri="{0D108BD9-81ED-4DB2-BD59-A6C34878D82A}">
+                    <a16:rowId xmlns:a16="http://schemas.microsoft.com/office/drawing/2014/main" val="10009"/>
+                  </a:ext>
+                </a:extLst>
               </a:tr>
               <a:tr h="374282">
                 <a:tc>
@@ -7075,6 +7108,11 @@
                   </a:txBody>
                   <a:tcPr marL="6243" marR="6243" marT="6243" marB="0" anchor="ctr"/>
                 </a:tc>
+                <a:extLst>
+                  <a:ext uri="{0D108BD9-81ED-4DB2-BD59-A6C34878D82A}">
+                    <a16:rowId xmlns:a16="http://schemas.microsoft.com/office/drawing/2014/main" val="10010"/>
+                  </a:ext>
+                </a:extLst>
               </a:tr>
               <a:tr h="196991">
                 <a:tc>
@@ -7238,6 +7276,11 @@
                   </a:txBody>
                   <a:tcPr marL="6243" marR="6243" marT="6243" marB="0" anchor="ctr"/>
                 </a:tc>
+                <a:extLst>
+                  <a:ext uri="{0D108BD9-81ED-4DB2-BD59-A6C34878D82A}">
+                    <a16:rowId xmlns:a16="http://schemas.microsoft.com/office/drawing/2014/main" val="10011"/>
+                  </a:ext>
+                </a:extLst>
               </a:tr>
               <a:tr h="374282">
                 <a:tc>
@@ -7401,6 +7444,11 @@
                   </a:txBody>
                   <a:tcPr marL="6243" marR="6243" marT="6243" marB="0" anchor="ctr"/>
                 </a:tc>
+                <a:extLst>
+                  <a:ext uri="{0D108BD9-81ED-4DB2-BD59-A6C34878D82A}">
+                    <a16:rowId xmlns:a16="http://schemas.microsoft.com/office/drawing/2014/main" val="10012"/>
+                  </a:ext>
+                </a:extLst>
               </a:tr>
               <a:tr h="374282">
                 <a:tc>
@@ -7564,6 +7612,11 @@
                   </a:txBody>
                   <a:tcPr marL="6243" marR="6243" marT="6243" marB="0" anchor="ctr"/>
                 </a:tc>
+                <a:extLst>
+                  <a:ext uri="{0D108BD9-81ED-4DB2-BD59-A6C34878D82A}">
+                    <a16:rowId xmlns:a16="http://schemas.microsoft.com/office/drawing/2014/main" val="10013"/>
+                  </a:ext>
+                </a:extLst>
               </a:tr>
               <a:tr h="196991">
                 <a:tc>
@@ -7727,6 +7780,11 @@
                   </a:txBody>
                   <a:tcPr marL="6243" marR="6243" marT="6243" marB="0" anchor="ctr"/>
                 </a:tc>
+                <a:extLst>
+                  <a:ext uri="{0D108BD9-81ED-4DB2-BD59-A6C34878D82A}">
+                    <a16:rowId xmlns:a16="http://schemas.microsoft.com/office/drawing/2014/main" val="10014"/>
+                  </a:ext>
+                </a:extLst>
               </a:tr>
               <a:tr h="196991">
                 <a:tc>
@@ -7890,6 +7948,11 @@
                   </a:txBody>
                   <a:tcPr marL="6243" marR="6243" marT="6243" marB="0" anchor="ctr"/>
                 </a:tc>
+                <a:extLst>
+                  <a:ext uri="{0D108BD9-81ED-4DB2-BD59-A6C34878D82A}">
+                    <a16:rowId xmlns:a16="http://schemas.microsoft.com/office/drawing/2014/main" val="10015"/>
+                  </a:ext>
+                </a:extLst>
               </a:tr>
             </a:tbl>
           </a:graphicData>
@@ -7930,7 +7993,7 @@
           <p:cNvPr id="4" name="Título 3">
             <a:extLst>
               <a:ext uri="{FF2B5EF4-FFF2-40B4-BE49-F238E27FC236}">
-                <a16:creationId xmlns="" xmlns:a16="http://schemas.microsoft.com/office/drawing/2014/main" id="{DAEFAD10-D531-A646-B780-2418143D9740}"/>
+                <a16:creationId xmlns:a16="http://schemas.microsoft.com/office/drawing/2014/main" id="{DAEFAD10-D531-A646-B780-2418143D9740}"/>
               </a:ext>
             </a:extLst>
           </p:cNvPr>
@@ -7949,10 +8012,9 @@
           <a:lstStyle/>
           <a:p>
             <a:r>
-              <a:rPr lang="es-EC" dirty="0" smtClean="0"/>
+              <a:rPr lang="es-EC" dirty="0"/>
               <a:t>Dominios de estudio</a:t>
             </a:r>
-            <a:endParaRPr lang="es-EC" dirty="0"/>
           </a:p>
         </p:txBody>
       </p:sp>
@@ -7961,7 +8023,7 @@
           <p:cNvPr id="5" name="Marcador de texto 4">
             <a:extLst>
               <a:ext uri="{FF2B5EF4-FFF2-40B4-BE49-F238E27FC236}">
-                <a16:creationId xmlns="" xmlns:a16="http://schemas.microsoft.com/office/drawing/2014/main" id="{5D931A0E-0B75-3D41-84A8-B9340AD00C6C}"/>
+                <a16:creationId xmlns:a16="http://schemas.microsoft.com/office/drawing/2014/main" id="{5D931A0E-0B75-3D41-84A8-B9340AD00C6C}"/>
               </a:ext>
             </a:extLst>
           </p:cNvPr>
@@ -7986,7 +8048,7 @@
           <p:cNvPr id="6" name="Marcador de texto 5">
             <a:extLst>
               <a:ext uri="{FF2B5EF4-FFF2-40B4-BE49-F238E27FC236}">
-                <a16:creationId xmlns="" xmlns:a16="http://schemas.microsoft.com/office/drawing/2014/main" id="{BFA92F3C-CE9E-1E45-9C49-25DA5E06B8E0}"/>
+                <a16:creationId xmlns:a16="http://schemas.microsoft.com/office/drawing/2014/main" id="{BFA92F3C-CE9E-1E45-9C49-25DA5E06B8E0}"/>
               </a:ext>
             </a:extLst>
           </p:cNvPr>
@@ -8003,7 +8065,7 @@
           <a:lstStyle/>
           <a:p>
             <a:r>
-              <a:rPr lang="es-ES" dirty="0" smtClean="0"/>
+              <a:rPr lang="es-ES" dirty="0"/>
               <a:t>03</a:t>
             </a:r>
             <a:endParaRPr lang="es-EC" dirty="0"/>
@@ -8045,7 +8107,7 @@
           <p:cNvPr id="2" name="Título 1">
             <a:extLst>
               <a:ext uri="{FF2B5EF4-FFF2-40B4-BE49-F238E27FC236}">
-                <a16:creationId xmlns="" xmlns:a16="http://schemas.microsoft.com/office/drawing/2014/main" id="{3FD696AD-97AE-0A4B-866A-8E7F94749276}"/>
+                <a16:creationId xmlns:a16="http://schemas.microsoft.com/office/drawing/2014/main" id="{3FD696AD-97AE-0A4B-866A-8E7F94749276}"/>
               </a:ext>
             </a:extLst>
           </p:cNvPr>
@@ -8062,10 +8124,9 @@
           <a:lstStyle/>
           <a:p>
             <a:r>
-              <a:rPr lang="es-419" dirty="0" smtClean="0"/>
+              <a:rPr lang="es-419" dirty="0"/>
               <a:t>Dominios de estudio</a:t>
             </a:r>
-            <a:endParaRPr lang="es-419" dirty="0"/>
           </a:p>
         </p:txBody>
       </p:sp>
@@ -8074,7 +8135,7 @@
           <p:cNvPr id="3" name="Marcador de texto 2">
             <a:extLst>
               <a:ext uri="{FF2B5EF4-FFF2-40B4-BE49-F238E27FC236}">
-                <a16:creationId xmlns="" xmlns:a16="http://schemas.microsoft.com/office/drawing/2014/main" id="{A9DA794A-A9ED-D74B-9816-ABA56B940347}"/>
+                <a16:creationId xmlns:a16="http://schemas.microsoft.com/office/drawing/2014/main" id="{A9DA794A-A9ED-D74B-9816-ABA56B940347}"/>
               </a:ext>
             </a:extLst>
           </p:cNvPr>
@@ -8087,17 +8148,17 @@
         </p:nvSpPr>
         <p:spPr>
           <a:xfrm>
-            <a:off x="796000" y="1168100"/>
-            <a:ext cx="4026165" cy="5232699"/>
+            <a:off x="796000" y="1603513"/>
+            <a:ext cx="4478365" cy="4340086"/>
           </a:xfrm>
         </p:spPr>
         <p:txBody>
           <a:bodyPr>
-            <a:normAutofit fontScale="92500" lnSpcReduction="10000"/>
+            <a:normAutofit lnSpcReduction="10000"/>
           </a:bodyPr>
           <a:lstStyle/>
           <a:p>
-            <a:pPr marL="342900" indent="-342900" algn="just">
+            <a:pPr marL="342900" indent="-342900">
               <a:buFont typeface="Arial" panose="020B0604020202020204" pitchFamily="34" charset="0"/>
               <a:buChar char="•"/>
             </a:pPr>
@@ -8111,34 +8172,17 @@
             </a:r>
             <a:r>
               <a:rPr lang="es-ES" dirty="0"/>
-              <a:t> están definidos por los sectores económicos (</a:t>
+              <a:t> están definidos por los sectores económicos (Código CIIU4-Sección-1 dígito) y agrupados por el tamaño de la empresa.</a:t>
             </a:r>
-            <a:r>
-              <a:rPr lang="es-ES" dirty="0" smtClean="0"/>
-              <a:t>Código CIIU4-Sección-1 </a:t>
-            </a:r>
-            <a:r>
-              <a:rPr lang="es-ES" dirty="0"/>
-              <a:t>dígito) y agrupados por el tamaño de la empresa</a:t>
-            </a:r>
-            <a:r>
-              <a:rPr lang="es-ES" dirty="0" smtClean="0"/>
-              <a:t>.</a:t>
-            </a:r>
-            <a:endParaRPr lang="es-ES" dirty="0"/>
           </a:p>
           <a:p>
-            <a:pPr marL="342900" indent="-342900" algn="just">
+            <a:pPr marL="342900" indent="-342900">
               <a:buFont typeface="Arial" panose="020B0604020202020204" pitchFamily="34" charset="0"/>
               <a:buChar char="•"/>
             </a:pPr>
             <a:r>
-              <a:rPr lang="es-ES" dirty="0" smtClean="0"/>
-              <a:t>Dentro </a:t>
-            </a:r>
-            <a:r>
               <a:rPr lang="es-ES" dirty="0"/>
-              <a:t>de cada uno de los dominios de estudio se considera un grupo de inclusión forzosa, este grupo corresponde a aquellas empresas catalogadas como “Grande Empresa” (tamaño 5). </a:t>
+              <a:t>Se considera un grupo de inclusión forzosa, este grupo corresponde a aquellas empresas catalogadas como “Grande Empresa” (tamaño 5). </a:t>
             </a:r>
           </a:p>
         </p:txBody>
@@ -8168,12 +8212,48 @@
                 <a:tableStyleId>{5C22544A-7EE6-4342-B048-85BDC9FD1C3A}</a:tableStyleId>
               </a:tblPr>
               <a:tblGrid>
-                <a:gridCol w="787400"/>
-                <a:gridCol w="787400"/>
-                <a:gridCol w="787400"/>
-                <a:gridCol w="787400"/>
-                <a:gridCol w="787400"/>
-                <a:gridCol w="787400"/>
+                <a:gridCol w="787400">
+                  <a:extLst>
+                    <a:ext uri="{9D8B030D-6E8A-4147-A177-3AD203B41FA5}">
+                      <a16:colId xmlns:a16="http://schemas.microsoft.com/office/drawing/2014/main" val="20000"/>
+                    </a:ext>
+                  </a:extLst>
+                </a:gridCol>
+                <a:gridCol w="787400">
+                  <a:extLst>
+                    <a:ext uri="{9D8B030D-6E8A-4147-A177-3AD203B41FA5}">
+                      <a16:colId xmlns:a16="http://schemas.microsoft.com/office/drawing/2014/main" val="20001"/>
+                    </a:ext>
+                  </a:extLst>
+                </a:gridCol>
+                <a:gridCol w="787400">
+                  <a:extLst>
+                    <a:ext uri="{9D8B030D-6E8A-4147-A177-3AD203B41FA5}">
+                      <a16:colId xmlns:a16="http://schemas.microsoft.com/office/drawing/2014/main" val="20002"/>
+                    </a:ext>
+                  </a:extLst>
+                </a:gridCol>
+                <a:gridCol w="787400">
+                  <a:extLst>
+                    <a:ext uri="{9D8B030D-6E8A-4147-A177-3AD203B41FA5}">
+                      <a16:colId xmlns:a16="http://schemas.microsoft.com/office/drawing/2014/main" val="20003"/>
+                    </a:ext>
+                  </a:extLst>
+                </a:gridCol>
+                <a:gridCol w="787400">
+                  <a:extLst>
+                    <a:ext uri="{9D8B030D-6E8A-4147-A177-3AD203B41FA5}">
+                      <a16:colId xmlns:a16="http://schemas.microsoft.com/office/drawing/2014/main" val="20004"/>
+                    </a:ext>
+                  </a:extLst>
+                </a:gridCol>
+                <a:gridCol w="787400">
+                  <a:extLst>
+                    <a:ext uri="{9D8B030D-6E8A-4147-A177-3AD203B41FA5}">
+                      <a16:colId xmlns:a16="http://schemas.microsoft.com/office/drawing/2014/main" val="20005"/>
+                    </a:ext>
+                  </a:extLst>
+                </a:gridCol>
               </a:tblGrid>
               <a:tr h="292220">
                 <a:tc rowSpan="2">
@@ -8275,6 +8355,11 @@
                   </a:txBody>
                   <a:tcPr marL="7620" marR="7620" marT="7620" marB="0" anchor="ctr"/>
                 </a:tc>
+                <a:extLst>
+                  <a:ext uri="{0D108BD9-81ED-4DB2-BD59-A6C34878D82A}">
+                    <a16:rowId xmlns:a16="http://schemas.microsoft.com/office/drawing/2014/main" val="10000"/>
+                  </a:ext>
+                </a:extLst>
               </a:tr>
               <a:tr h="292220">
                 <a:tc vMerge="1">
@@ -8417,6 +8502,11 @@
                   </a:txBody>
                   <a:tcPr/>
                 </a:tc>
+                <a:extLst>
+                  <a:ext uri="{0D108BD9-81ED-4DB2-BD59-A6C34878D82A}">
+                    <a16:rowId xmlns:a16="http://schemas.microsoft.com/office/drawing/2014/main" val="10001"/>
+                  </a:ext>
+                </a:extLst>
               </a:tr>
               <a:tr h="292220">
                 <a:tc>
@@ -8557,6 +8647,11 @@
                   </a:txBody>
                   <a:tcPr marL="7620" marR="7620" marT="7620" marB="0" anchor="ctr"/>
                 </a:tc>
+                <a:extLst>
+                  <a:ext uri="{0D108BD9-81ED-4DB2-BD59-A6C34878D82A}">
+                    <a16:rowId xmlns:a16="http://schemas.microsoft.com/office/drawing/2014/main" val="10002"/>
+                  </a:ext>
+                </a:extLst>
               </a:tr>
               <a:tr h="292220">
                 <a:tc>
@@ -8697,6 +8792,11 @@
                   </a:txBody>
                   <a:tcPr marL="7620" marR="7620" marT="7620" marB="0" anchor="ctr"/>
                 </a:tc>
+                <a:extLst>
+                  <a:ext uri="{0D108BD9-81ED-4DB2-BD59-A6C34878D82A}">
+                    <a16:rowId xmlns:a16="http://schemas.microsoft.com/office/drawing/2014/main" val="10003"/>
+                  </a:ext>
+                </a:extLst>
               </a:tr>
               <a:tr h="292220">
                 <a:tc>
@@ -8837,6 +8937,11 @@
                   </a:txBody>
                   <a:tcPr marL="7620" marR="7620" marT="7620" marB="0" anchor="ctr"/>
                 </a:tc>
+                <a:extLst>
+                  <a:ext uri="{0D108BD9-81ED-4DB2-BD59-A6C34878D82A}">
+                    <a16:rowId xmlns:a16="http://schemas.microsoft.com/office/drawing/2014/main" val="10004"/>
+                  </a:ext>
+                </a:extLst>
               </a:tr>
               <a:tr h="292220">
                 <a:tc>
@@ -8977,6 +9082,11 @@
                   </a:txBody>
                   <a:tcPr marL="7620" marR="7620" marT="7620" marB="0" anchor="ctr"/>
                 </a:tc>
+                <a:extLst>
+                  <a:ext uri="{0D108BD9-81ED-4DB2-BD59-A6C34878D82A}">
+                    <a16:rowId xmlns:a16="http://schemas.microsoft.com/office/drawing/2014/main" val="10005"/>
+                  </a:ext>
+                </a:extLst>
               </a:tr>
               <a:tr h="292220">
                 <a:tc>
@@ -9117,6 +9227,11 @@
                   </a:txBody>
                   <a:tcPr marL="7620" marR="7620" marT="7620" marB="0" anchor="ctr"/>
                 </a:tc>
+                <a:extLst>
+                  <a:ext uri="{0D108BD9-81ED-4DB2-BD59-A6C34878D82A}">
+                    <a16:rowId xmlns:a16="http://schemas.microsoft.com/office/drawing/2014/main" val="10006"/>
+                  </a:ext>
+                </a:extLst>
               </a:tr>
               <a:tr h="292220">
                 <a:tc>
@@ -9257,6 +9372,11 @@
                   </a:txBody>
                   <a:tcPr marL="7620" marR="7620" marT="7620" marB="0" anchor="ctr"/>
                 </a:tc>
+                <a:extLst>
+                  <a:ext uri="{0D108BD9-81ED-4DB2-BD59-A6C34878D82A}">
+                    <a16:rowId xmlns:a16="http://schemas.microsoft.com/office/drawing/2014/main" val="10007"/>
+                  </a:ext>
+                </a:extLst>
               </a:tr>
               <a:tr h="292220">
                 <a:tc>
@@ -9397,6 +9517,11 @@
                   </a:txBody>
                   <a:tcPr marL="7620" marR="7620" marT="7620" marB="0" anchor="ctr"/>
                 </a:tc>
+                <a:extLst>
+                  <a:ext uri="{0D108BD9-81ED-4DB2-BD59-A6C34878D82A}">
+                    <a16:rowId xmlns:a16="http://schemas.microsoft.com/office/drawing/2014/main" val="10008"/>
+                  </a:ext>
+                </a:extLst>
               </a:tr>
               <a:tr h="292220">
                 <a:tc>
@@ -9537,6 +9662,11 @@
                   </a:txBody>
                   <a:tcPr marL="7620" marR="7620" marT="7620" marB="0" anchor="ctr"/>
                 </a:tc>
+                <a:extLst>
+                  <a:ext uri="{0D108BD9-81ED-4DB2-BD59-A6C34878D82A}">
+                    <a16:rowId xmlns:a16="http://schemas.microsoft.com/office/drawing/2014/main" val="10009"/>
+                  </a:ext>
+                </a:extLst>
               </a:tr>
               <a:tr h="292220">
                 <a:tc>
@@ -9677,6 +9807,11 @@
                   </a:txBody>
                   <a:tcPr marL="7620" marR="7620" marT="7620" marB="0" anchor="ctr"/>
                 </a:tc>
+                <a:extLst>
+                  <a:ext uri="{0D108BD9-81ED-4DB2-BD59-A6C34878D82A}">
+                    <a16:rowId xmlns:a16="http://schemas.microsoft.com/office/drawing/2014/main" val="10010"/>
+                  </a:ext>
+                </a:extLst>
               </a:tr>
               <a:tr h="292220">
                 <a:tc>
@@ -9817,6 +9952,11 @@
                   </a:txBody>
                   <a:tcPr marL="7620" marR="7620" marT="7620" marB="0" anchor="ctr"/>
                 </a:tc>
+                <a:extLst>
+                  <a:ext uri="{0D108BD9-81ED-4DB2-BD59-A6C34878D82A}">
+                    <a16:rowId xmlns:a16="http://schemas.microsoft.com/office/drawing/2014/main" val="10011"/>
+                  </a:ext>
+                </a:extLst>
               </a:tr>
               <a:tr h="292220">
                 <a:tc>
@@ -9957,6 +10097,11 @@
                   </a:txBody>
                   <a:tcPr marL="7620" marR="7620" marT="7620" marB="0" anchor="ctr"/>
                 </a:tc>
+                <a:extLst>
+                  <a:ext uri="{0D108BD9-81ED-4DB2-BD59-A6C34878D82A}">
+                    <a16:rowId xmlns:a16="http://schemas.microsoft.com/office/drawing/2014/main" val="10012"/>
+                  </a:ext>
+                </a:extLst>
               </a:tr>
               <a:tr h="292220">
                 <a:tc>
@@ -10097,6 +10242,11 @@
                   </a:txBody>
                   <a:tcPr marL="7620" marR="7620" marT="7620" marB="0" anchor="ctr"/>
                 </a:tc>
+                <a:extLst>
+                  <a:ext uri="{0D108BD9-81ED-4DB2-BD59-A6C34878D82A}">
+                    <a16:rowId xmlns:a16="http://schemas.microsoft.com/office/drawing/2014/main" val="10013"/>
+                  </a:ext>
+                </a:extLst>
               </a:tr>
               <a:tr h="292220">
                 <a:tc>
@@ -10237,6 +10387,11 @@
                   </a:txBody>
                   <a:tcPr marL="7620" marR="7620" marT="7620" marB="0" anchor="ctr"/>
                 </a:tc>
+                <a:extLst>
+                  <a:ext uri="{0D108BD9-81ED-4DB2-BD59-A6C34878D82A}">
+                    <a16:rowId xmlns:a16="http://schemas.microsoft.com/office/drawing/2014/main" val="10014"/>
+                  </a:ext>
+                </a:extLst>
               </a:tr>
               <a:tr h="292220">
                 <a:tc>
@@ -10377,6 +10532,11 @@
                   </a:txBody>
                   <a:tcPr marL="7620" marR="7620" marT="7620" marB="0" anchor="ctr"/>
                 </a:tc>
+                <a:extLst>
+                  <a:ext uri="{0D108BD9-81ED-4DB2-BD59-A6C34878D82A}">
+                    <a16:rowId xmlns:a16="http://schemas.microsoft.com/office/drawing/2014/main" val="10015"/>
+                  </a:ext>
+                </a:extLst>
               </a:tr>
             </a:tbl>
           </a:graphicData>
@@ -10417,7 +10577,7 @@
           <p:cNvPr id="4" name="Título 3">
             <a:extLst>
               <a:ext uri="{FF2B5EF4-FFF2-40B4-BE49-F238E27FC236}">
-                <a16:creationId xmlns="" xmlns:a16="http://schemas.microsoft.com/office/drawing/2014/main" id="{DAEFAD10-D531-A646-B780-2418143D9740}"/>
+                <a16:creationId xmlns:a16="http://schemas.microsoft.com/office/drawing/2014/main" id="{DAEFAD10-D531-A646-B780-2418143D9740}"/>
               </a:ext>
             </a:extLst>
           </p:cNvPr>
@@ -10436,10 +10596,9 @@
           <a:lstStyle/>
           <a:p>
             <a:r>
-              <a:rPr lang="es-EC" dirty="0" smtClean="0"/>
+              <a:rPr lang="es-EC" dirty="0"/>
               <a:t>Variable de diseño</a:t>
             </a:r>
-            <a:endParaRPr lang="es-EC" dirty="0"/>
           </a:p>
         </p:txBody>
       </p:sp>
@@ -10448,7 +10607,7 @@
           <p:cNvPr id="5" name="Marcador de texto 4">
             <a:extLst>
               <a:ext uri="{FF2B5EF4-FFF2-40B4-BE49-F238E27FC236}">
-                <a16:creationId xmlns="" xmlns:a16="http://schemas.microsoft.com/office/drawing/2014/main" id="{5D931A0E-0B75-3D41-84A8-B9340AD00C6C}"/>
+                <a16:creationId xmlns:a16="http://schemas.microsoft.com/office/drawing/2014/main" id="{5D931A0E-0B75-3D41-84A8-B9340AD00C6C}"/>
               </a:ext>
             </a:extLst>
           </p:cNvPr>
@@ -10473,7 +10632,7 @@
           <p:cNvPr id="6" name="Marcador de texto 5">
             <a:extLst>
               <a:ext uri="{FF2B5EF4-FFF2-40B4-BE49-F238E27FC236}">
-                <a16:creationId xmlns="" xmlns:a16="http://schemas.microsoft.com/office/drawing/2014/main" id="{BFA92F3C-CE9E-1E45-9C49-25DA5E06B8E0}"/>
+                <a16:creationId xmlns:a16="http://schemas.microsoft.com/office/drawing/2014/main" id="{BFA92F3C-CE9E-1E45-9C49-25DA5E06B8E0}"/>
               </a:ext>
             </a:extLst>
           </p:cNvPr>
@@ -10490,7 +10649,7 @@
           <a:lstStyle/>
           <a:p>
             <a:r>
-              <a:rPr lang="es-ES" dirty="0" smtClean="0"/>
+              <a:rPr lang="es-ES" dirty="0"/>
               <a:t>04</a:t>
             </a:r>
             <a:endParaRPr lang="es-EC" dirty="0"/>
